--- a/Documents/git concept.pptx
+++ b/Documents/git concept.pptx
@@ -2,11 +2,15 @@
 <file path=ppt/presentation.xml><?xml version="1.0" encoding="utf-8"?>
 <p:presentation xmlns:a="http://schemas.openxmlformats.org/drawingml/2006/main" xmlns:r="http://schemas.openxmlformats.org/officeDocument/2006/relationships" xmlns:p="http://schemas.openxmlformats.org/presentationml/2006/main" saveSubsetFonts="1">
   <p:sldMasterIdLst>
-    <p:sldMasterId id="2147483648" r:id="rId1"/>
+    <p:sldMasterId id="2147483648" r:id="rId17"/>
   </p:sldMasterIdLst>
   <p:sldIdLst>
-    <p:sldId id="256" r:id="rId2"/>
-    <p:sldId id="257" r:id="rId3"/>
+    <p:sldId id="256" r:id="rId18"/>
+    <p:sldId id="257" r:id="rId19"/>
+    <p:sldId id="258" r:id="rId20"/>
+    <p:sldId id="259" r:id="rId21"/>
+    <p:sldId id="260" r:id="rId22"/>
+    <p:sldId id="261" r:id="rId23"/>
   </p:sldIdLst>
   <p:sldSz cx="12192000" cy="6858000"/>
   <p:notesSz cx="6858000" cy="9144000"/>
@@ -105,6 +109,11 @@
       </a:defRPr>
     </a:lvl9pPr>
   </p:defaultTextStyle>
+  <p:extLst>
+    <p:ext uri="{EFAFB233-063F-42B5-8137-9DF3F51BA10A}">
+      <p15:sldGuideLst xmlns:p15="http://schemas.microsoft.com/office/powerpoint/2012/main"/>
+    </p:ext>
+  </p:extLst>
 </p:presentation>
 </file>
 
@@ -118,6 +127,156 @@
 
 <file path=ppt/changesInfos/changesInfo1.xml><?xml version="1.0" encoding="utf-8"?>
 <pc:chgInfo xmlns:a="http://schemas.openxmlformats.org/drawingml/2006/main" xmlns:r="http://schemas.openxmlformats.org/officeDocument/2006/relationships" xmlns:ac="http://schemas.microsoft.com/office/drawing/2013/main/command" xmlns:pc="http://schemas.microsoft.com/office/powerpoint/2013/main/command">
+  <pc:docChgLst>
+    <pc:chgData name="Koson Trachu" userId="8b674c4b66ffeb50" providerId="LiveId" clId="{BE89217C-F9B8-425F-962B-8E12FBEE470C}"/>
+    <pc:docChg chg="modSld">
+      <pc:chgData name="Koson Trachu" userId="8b674c4b66ffeb50" providerId="LiveId" clId="{BE89217C-F9B8-425F-962B-8E12FBEE470C}" dt="2021-10-07T04:46:12.733" v="63" actId="20577"/>
+      <pc:docMkLst>
+        <pc:docMk/>
+      </pc:docMkLst>
+      <pc:sldChg chg="modSp mod">
+        <pc:chgData name="Koson Trachu" userId="8b674c4b66ffeb50" providerId="LiveId" clId="{BE89217C-F9B8-425F-962B-8E12FBEE470C}" dt="2021-10-07T04:46:12.733" v="63" actId="20577"/>
+        <pc:sldMkLst>
+          <pc:docMk/>
+          <pc:sldMk cId="2884166694" sldId="256"/>
+        </pc:sldMkLst>
+        <pc:spChg chg="mod">
+          <ac:chgData name="Koson Trachu" userId="8b674c4b66ffeb50" providerId="LiveId" clId="{BE89217C-F9B8-425F-962B-8E12FBEE470C}" dt="2021-10-07T04:46:12.733" v="63" actId="20577"/>
+          <ac:spMkLst>
+            <pc:docMk/>
+            <pc:sldMk cId="2884166694" sldId="256"/>
+            <ac:spMk id="3" creationId="{BF7F7645-7DF4-4F0F-9C70-4AEA8D7D23A8}"/>
+          </ac:spMkLst>
+        </pc:spChg>
+      </pc:sldChg>
+      <pc:sldChg chg="modSp mod">
+        <pc:chgData name="Koson Trachu" userId="8b674c4b66ffeb50" providerId="LiveId" clId="{BE89217C-F9B8-425F-962B-8E12FBEE470C}" dt="2021-10-07T04:44:59.034" v="16" actId="207"/>
+        <pc:sldMkLst>
+          <pc:docMk/>
+          <pc:sldMk cId="3300435235" sldId="257"/>
+        </pc:sldMkLst>
+        <pc:spChg chg="mod">
+          <ac:chgData name="Koson Trachu" userId="8b674c4b66ffeb50" providerId="LiveId" clId="{BE89217C-F9B8-425F-962B-8E12FBEE470C}" dt="2021-10-07T04:43:59.550" v="13" actId="3062"/>
+          <ac:spMkLst>
+            <pc:docMk/>
+            <pc:sldMk cId="3300435235" sldId="257"/>
+            <ac:spMk id="47" creationId="{7BA91DC6-C0CB-47CB-9E15-748673FA0562}"/>
+          </ac:spMkLst>
+        </pc:spChg>
+        <pc:spChg chg="mod">
+          <ac:chgData name="Koson Trachu" userId="8b674c4b66ffeb50" providerId="LiveId" clId="{BE89217C-F9B8-425F-962B-8E12FBEE470C}" dt="2021-10-07T04:44:02.828" v="14" actId="3062"/>
+          <ac:spMkLst>
+            <pc:docMk/>
+            <pc:sldMk cId="3300435235" sldId="257"/>
+            <ac:spMk id="48" creationId="{F22A8DB7-AB9E-4B8A-AC9A-7E183DA75715}"/>
+          </ac:spMkLst>
+        </pc:spChg>
+        <pc:spChg chg="mod">
+          <ac:chgData name="Koson Trachu" userId="8b674c4b66ffeb50" providerId="LiveId" clId="{BE89217C-F9B8-425F-962B-8E12FBEE470C}" dt="2021-10-07T04:42:46.765" v="0" actId="207"/>
+          <ac:spMkLst>
+            <pc:docMk/>
+            <pc:sldMk cId="3300435235" sldId="257"/>
+            <ac:spMk id="49" creationId="{AF3559A8-6EBE-4E37-B976-B82D543EB9B1}"/>
+          </ac:spMkLst>
+        </pc:spChg>
+        <pc:spChg chg="mod">
+          <ac:chgData name="Koson Trachu" userId="8b674c4b66ffeb50" providerId="LiveId" clId="{BE89217C-F9B8-425F-962B-8E12FBEE470C}" dt="2021-10-07T04:44:59.034" v="16" actId="207"/>
+          <ac:spMkLst>
+            <pc:docMk/>
+            <pc:sldMk cId="3300435235" sldId="257"/>
+            <ac:spMk id="63" creationId="{C8CF7758-C2C9-4E48-AD14-E8DFB2A222A2}"/>
+          </ac:spMkLst>
+        </pc:spChg>
+        <pc:spChg chg="mod">
+          <ac:chgData name="Koson Trachu" userId="8b674c4b66ffeb50" providerId="LiveId" clId="{BE89217C-F9B8-425F-962B-8E12FBEE470C}" dt="2021-10-07T04:43:41.118" v="11" actId="3062"/>
+          <ac:spMkLst>
+            <pc:docMk/>
+            <pc:sldMk cId="3300435235" sldId="257"/>
+            <ac:spMk id="78" creationId="{89368FBB-5B0E-48BB-8C19-94BB3BA2BB8F}"/>
+          </ac:spMkLst>
+        </pc:spChg>
+      </pc:sldChg>
+      <pc:sldChg chg="modSp mod">
+        <pc:chgData name="Koson Trachu" userId="8b674c4b66ffeb50" providerId="LiveId" clId="{BE89217C-F9B8-425F-962B-8E12FBEE470C}" dt="2021-10-07T04:45:50.995" v="24" actId="14100"/>
+        <pc:sldMkLst>
+          <pc:docMk/>
+          <pc:sldMk cId="1419619767" sldId="261"/>
+        </pc:sldMkLst>
+        <pc:spChg chg="mod">
+          <ac:chgData name="Koson Trachu" userId="8b674c4b66ffeb50" providerId="LiveId" clId="{BE89217C-F9B8-425F-962B-8E12FBEE470C}" dt="2021-10-07T04:45:36.517" v="19" actId="1076"/>
+          <ac:spMkLst>
+            <pc:docMk/>
+            <pc:sldMk cId="1419619767" sldId="261"/>
+            <ac:spMk id="6" creationId="{B4E8C3AB-7A65-4D4E-8AEF-183154BD804D}"/>
+          </ac:spMkLst>
+        </pc:spChg>
+        <pc:spChg chg="mod">
+          <ac:chgData name="Koson Trachu" userId="8b674c4b66ffeb50" providerId="LiveId" clId="{BE89217C-F9B8-425F-962B-8E12FBEE470C}" dt="2021-10-07T04:45:23.188" v="17" actId="207"/>
+          <ac:spMkLst>
+            <pc:docMk/>
+            <pc:sldMk cId="1419619767" sldId="261"/>
+            <ac:spMk id="28" creationId="{239D44E8-68E8-45BA-BA67-277F01C91240}"/>
+          </ac:spMkLst>
+        </pc:spChg>
+        <pc:spChg chg="mod">
+          <ac:chgData name="Koson Trachu" userId="8b674c4b66ffeb50" providerId="LiveId" clId="{BE89217C-F9B8-425F-962B-8E12FBEE470C}" dt="2021-10-07T04:45:41.624" v="21" actId="14100"/>
+          <ac:spMkLst>
+            <pc:docMk/>
+            <pc:sldMk cId="1419619767" sldId="261"/>
+            <ac:spMk id="38" creationId="{F57F0010-5768-46AF-AB69-E18095A84C3F}"/>
+          </ac:spMkLst>
+        </pc:spChg>
+        <pc:spChg chg="mod">
+          <ac:chgData name="Koson Trachu" userId="8b674c4b66ffeb50" providerId="LiveId" clId="{BE89217C-F9B8-425F-962B-8E12FBEE470C}" dt="2021-10-07T04:45:48.423" v="23" actId="14100"/>
+          <ac:spMkLst>
+            <pc:docMk/>
+            <pc:sldMk cId="1419619767" sldId="261"/>
+            <ac:spMk id="39" creationId="{1BF7A54D-6A2C-4155-9AA5-EE3D684AAEAF}"/>
+          </ac:spMkLst>
+        </pc:spChg>
+        <pc:spChg chg="mod">
+          <ac:chgData name="Koson Trachu" userId="8b674c4b66ffeb50" providerId="LiveId" clId="{BE89217C-F9B8-425F-962B-8E12FBEE470C}" dt="2021-10-07T04:45:50.995" v="24" actId="14100"/>
+          <ac:spMkLst>
+            <pc:docMk/>
+            <pc:sldMk cId="1419619767" sldId="261"/>
+            <ac:spMk id="40" creationId="{D9414EBF-E5E3-471C-89E1-FC512F57F6ED}"/>
+          </ac:spMkLst>
+        </pc:spChg>
+        <pc:spChg chg="mod">
+          <ac:chgData name="Koson Trachu" userId="8b674c4b66ffeb50" providerId="LiveId" clId="{BE89217C-F9B8-425F-962B-8E12FBEE470C}" dt="2021-10-07T04:45:23.188" v="17" actId="207"/>
+          <ac:spMkLst>
+            <pc:docMk/>
+            <pc:sldMk cId="1419619767" sldId="261"/>
+            <ac:spMk id="62" creationId="{BAA66185-EB33-45AC-8F21-F5C5B22F2003}"/>
+          </ac:spMkLst>
+        </pc:spChg>
+        <pc:spChg chg="mod">
+          <ac:chgData name="Koson Trachu" userId="8b674c4b66ffeb50" providerId="LiveId" clId="{BE89217C-F9B8-425F-962B-8E12FBEE470C}" dt="2021-10-07T04:45:23.188" v="17" actId="207"/>
+          <ac:spMkLst>
+            <pc:docMk/>
+            <pc:sldMk cId="1419619767" sldId="261"/>
+            <ac:spMk id="63" creationId="{0CFAB9F7-9AD1-4554-95BC-1E4082D23039}"/>
+          </ac:spMkLst>
+        </pc:spChg>
+        <pc:spChg chg="mod">
+          <ac:chgData name="Koson Trachu" userId="8b674c4b66ffeb50" providerId="LiveId" clId="{BE89217C-F9B8-425F-962B-8E12FBEE470C}" dt="2021-10-07T04:45:23.188" v="17" actId="207"/>
+          <ac:spMkLst>
+            <pc:docMk/>
+            <pc:sldMk cId="1419619767" sldId="261"/>
+            <ac:spMk id="64" creationId="{CBBE5C98-5291-4545-BF56-51C584D759B6}"/>
+          </ac:spMkLst>
+        </pc:spChg>
+        <pc:spChg chg="mod">
+          <ac:chgData name="Koson Trachu" userId="8b674c4b66ffeb50" providerId="LiveId" clId="{BE89217C-F9B8-425F-962B-8E12FBEE470C}" dt="2021-10-07T04:45:23.188" v="17" actId="207"/>
+          <ac:spMkLst>
+            <pc:docMk/>
+            <pc:sldMk cId="1419619767" sldId="261"/>
+            <ac:spMk id="65" creationId="{5A1EDF70-4463-46EB-9BBD-630576768D36}"/>
+          </ac:spMkLst>
+        </pc:spChg>
+      </pc:sldChg>
+    </pc:docChg>
+  </pc:docChgLst>
   <pc:docChgLst>
     <pc:chgData name="Koson Trachu" userId="8b674c4b66ffeb50" providerId="LiveId" clId="{15E79BBC-F7CF-47F7-A8F7-763FCD670445}"/>
     <pc:docChg chg="undo custSel modSld">
@@ -3756,7 +3915,10 @@
           <a:bodyPr/>
           <a:lstStyle/>
           <a:p>
-            <a:endParaRPr lang="en-US"/>
+            <a:r>
+              <a:rPr lang="en-US" dirty="0"/>
+              <a:t>Git Concept</a:t>
+            </a:r>
           </a:p>
         </p:txBody>
       </p:sp>
@@ -3781,7 +3943,10 @@
           <a:bodyPr/>
           <a:lstStyle/>
           <a:p>
-            <a:endParaRPr lang="en-US"/>
+            <a:r>
+              <a:rPr lang="en-US" dirty="0"/>
+              <a:t>Computer Laboratory I</a:t>
+            </a:r>
           </a:p>
         </p:txBody>
       </p:sp>
@@ -5880,7 +6045,7 @@
           <a:p>
             <a:r>
               <a:rPr lang="en-US" dirty="0"/>
-              <a:t>Stash Area</a:t>
+              <a:t>Staging Area</a:t>
             </a:r>
           </a:p>
         </p:txBody>
@@ -6818,7 +6983,7 @@
             </a:pathLst>
           </a:custGeom>
           <a:solidFill>
-            <a:schemeClr val="accent6">
+            <a:schemeClr val="accent4">
               <a:lumMod val="20000"/>
               <a:lumOff val="80000"/>
             </a:schemeClr>
@@ -6895,16 +7060,27 @@
           <a:p>
             <a:pPr algn="ctr"/>
             <a:r>
-              <a:rPr lang="en-US" sz="2800" dirty="0">
-                <a:ln w="0"/>
-                <a:solidFill>
-                  <a:schemeClr val="accent1"/>
-                </a:solidFill>
+              <a:rPr lang="en-US" sz="2800" b="1" dirty="0">
+                <a:ln w="12700">
+                  <a:solidFill>
+                    <a:schemeClr val="accent1"/>
+                  </a:solidFill>
+                  <a:prstDash val="solid"/>
+                </a:ln>
+                <a:pattFill prst="pct50">
+                  <a:fgClr>
+                    <a:schemeClr val="accent1"/>
+                  </a:fgClr>
+                  <a:bgClr>
+                    <a:schemeClr val="accent1">
+                      <a:lumMod val="20000"/>
+                      <a:lumOff val="80000"/>
+                    </a:schemeClr>
+                  </a:bgClr>
+                </a:pattFill>
                 <a:effectLst>
-                  <a:outerShdw blurRad="38100" dist="25400" dir="5400000" algn="ctr" rotWithShape="0">
-                    <a:srgbClr val="6E747A">
-                      <a:alpha val="43000"/>
-                    </a:srgbClr>
+                  <a:outerShdw dist="38100" dir="2640000" algn="bl" rotWithShape="0">
+                    <a:schemeClr val="accent1"/>
                   </a:outerShdw>
                 </a:effectLst>
               </a:rPr>
@@ -6943,16 +7119,27 @@
           <a:p>
             <a:pPr algn="ctr"/>
             <a:r>
-              <a:rPr lang="en-US" sz="3200" dirty="0">
-                <a:ln w="0"/>
-                <a:solidFill>
-                  <a:schemeClr val="accent1"/>
-                </a:solidFill>
+              <a:rPr lang="en-US" sz="3200" b="1" dirty="0">
+                <a:ln w="12700">
+                  <a:solidFill>
+                    <a:schemeClr val="accent1"/>
+                  </a:solidFill>
+                  <a:prstDash val="solid"/>
+                </a:ln>
+                <a:pattFill prst="pct50">
+                  <a:fgClr>
+                    <a:schemeClr val="accent1"/>
+                  </a:fgClr>
+                  <a:bgClr>
+                    <a:schemeClr val="accent1">
+                      <a:lumMod val="20000"/>
+                      <a:lumOff val="80000"/>
+                    </a:schemeClr>
+                  </a:bgClr>
+                </a:pattFill>
                 <a:effectLst>
-                  <a:outerShdw blurRad="38100" dist="25400" dir="5400000" algn="ctr" rotWithShape="0">
-                    <a:srgbClr val="6E747A">
-                      <a:alpha val="43000"/>
-                    </a:srgbClr>
+                  <a:outerShdw dist="38100" dir="2640000" algn="bl" rotWithShape="0">
+                    <a:schemeClr val="accent1"/>
                   </a:outerShdw>
                 </a:effectLst>
               </a:rPr>
@@ -6962,16 +7149,27 @@
           <a:p>
             <a:pPr algn="ctr"/>
             <a:r>
-              <a:rPr lang="en-US" sz="3200" dirty="0">
-                <a:ln w="0"/>
-                <a:solidFill>
-                  <a:schemeClr val="accent1"/>
-                </a:solidFill>
+              <a:rPr lang="en-US" sz="3200" b="1" dirty="0">
+                <a:ln w="12700">
+                  <a:solidFill>
+                    <a:schemeClr val="accent1"/>
+                  </a:solidFill>
+                  <a:prstDash val="solid"/>
+                </a:ln>
+                <a:pattFill prst="pct50">
+                  <a:fgClr>
+                    <a:schemeClr val="accent1"/>
+                  </a:fgClr>
+                  <a:bgClr>
+                    <a:schemeClr val="accent1">
+                      <a:lumMod val="20000"/>
+                      <a:lumOff val="80000"/>
+                    </a:schemeClr>
+                  </a:bgClr>
+                </a:pattFill>
                 <a:effectLst>
-                  <a:outerShdw blurRad="38100" dist="25400" dir="5400000" algn="ctr" rotWithShape="0">
-                    <a:srgbClr val="6E747A">
-                      <a:alpha val="43000"/>
-                    </a:srgbClr>
+                  <a:outerShdw dist="38100" dir="2640000" algn="bl" rotWithShape="0">
+                    <a:schemeClr val="accent1"/>
                   </a:outerShdw>
                 </a:effectLst>
               </a:rPr>
@@ -7000,6 +7198,12 @@
           <a:prstGeom prst="cloud">
             <a:avLst/>
           </a:prstGeom>
+          <a:solidFill>
+            <a:schemeClr val="accent5">
+              <a:lumMod val="60000"/>
+              <a:lumOff val="40000"/>
+            </a:schemeClr>
+          </a:solidFill>
         </p:spPr>
         <p:style>
           <a:lnRef idx="2">
@@ -7780,6 +7984,12 @@
           <a:prstGeom prst="flowChartMagneticDisk">
             <a:avLst/>
           </a:prstGeom>
+          <a:solidFill>
+            <a:schemeClr val="accent5">
+              <a:lumMod val="40000"/>
+              <a:lumOff val="60000"/>
+            </a:schemeClr>
+          </a:solidFill>
         </p:spPr>
         <p:style>
           <a:lnRef idx="2">
@@ -7802,10 +8012,7 @@
           <a:lstStyle/>
           <a:p>
             <a:pPr algn="ctr"/>
-            <a:r>
-              <a:rPr lang="en-US" dirty="0"/>
-              <a:t>Upstream</a:t>
-            </a:r>
+            <a:endParaRPr lang="en-US" dirty="0"/>
           </a:p>
         </p:txBody>
       </p:sp>
@@ -8609,8 +8816,8 @@
         </p:nvSpPr>
         <p:spPr>
           <a:xfrm>
-            <a:off x="4571303" y="266029"/>
-            <a:ext cx="2707527" cy="584775"/>
+            <a:off x="2807915" y="185464"/>
+            <a:ext cx="5956036" cy="830997"/>
           </a:xfrm>
           <a:prstGeom prst="rect">
             <a:avLst/>
@@ -8624,8 +8831,26 @@
           <a:lstStyle/>
           <a:p>
             <a:r>
-              <a:rPr lang="en-US" sz="3200" dirty="0"/>
-              <a:t>GIT Concept</a:t>
+              <a:rPr lang="en-US" sz="4800" b="1" dirty="0">
+                <a:ln w="13462">
+                  <a:solidFill>
+                    <a:schemeClr val="bg1"/>
+                  </a:solidFill>
+                  <a:prstDash val="solid"/>
+                </a:ln>
+                <a:solidFill>
+                  <a:schemeClr val="tx1">
+                    <a:lumMod val="85000"/>
+                    <a:lumOff val="15000"/>
+                  </a:schemeClr>
+                </a:solidFill>
+                <a:effectLst>
+                  <a:outerShdw dist="38100" dir="2700000" algn="bl" rotWithShape="0">
+                    <a:schemeClr val="accent5"/>
+                  </a:outerShdw>
+                </a:effectLst>
+              </a:rPr>
+              <a:t>GIT Concept overview</a:t>
             </a:r>
           </a:p>
         </p:txBody>
@@ -8634,6 +8859,5800 @@
     <p:extLst>
       <p:ext uri="{BB962C8B-B14F-4D97-AF65-F5344CB8AC3E}">
         <p14:creationId xmlns:p14="http://schemas.microsoft.com/office/powerpoint/2010/main" val="3300435235"/>
+      </p:ext>
+    </p:extLst>
+  </p:cSld>
+  <p:clrMapOvr>
+    <a:masterClrMapping/>
+  </p:clrMapOvr>
+</p:sld>
+</file>
+
+<file path=ppt/slides/slide3.xml><?xml version="1.0" encoding="utf-8"?>
+<p:sld xmlns:a="http://schemas.openxmlformats.org/drawingml/2006/main" xmlns:r="http://schemas.openxmlformats.org/officeDocument/2006/relationships" xmlns:p="http://schemas.openxmlformats.org/presentationml/2006/main">
+  <p:cSld>
+    <p:spTree>
+      <p:nvGrpSpPr>
+        <p:cNvPr id="1" name=""/>
+        <p:cNvGrpSpPr/>
+        <p:nvPr/>
+      </p:nvGrpSpPr>
+      <p:grpSpPr>
+        <a:xfrm>
+          <a:off x="0" y="0"/>
+          <a:ext cx="0" cy="0"/>
+          <a:chOff x="0" y="0"/>
+          <a:chExt cx="0" cy="0"/>
+        </a:xfrm>
+      </p:grpSpPr>
+      <p:grpSp>
+        <p:nvGrpSpPr>
+          <p:cNvPr id="80" name="Group 79">
+            <a:extLst>
+              <a:ext uri="{FF2B5EF4-FFF2-40B4-BE49-F238E27FC236}">
+                <a16:creationId xmlns:a16="http://schemas.microsoft.com/office/drawing/2014/main" id="{576A4194-948C-4918-9F88-DE80453100A1}"/>
+              </a:ext>
+            </a:extLst>
+          </p:cNvPr>
+          <p:cNvGrpSpPr/>
+          <p:nvPr/>
+        </p:nvGrpSpPr>
+        <p:grpSpPr>
+          <a:xfrm>
+            <a:off x="1282147" y="443948"/>
+            <a:ext cx="9294743" cy="5693800"/>
+            <a:chOff x="1252330" y="304800"/>
+            <a:chExt cx="9294743" cy="5693800"/>
+          </a:xfrm>
+        </p:grpSpPr>
+        <p:sp>
+          <p:nvSpPr>
+            <p:cNvPr id="10" name="Cloud 9">
+              <a:extLst>
+                <a:ext uri="{FF2B5EF4-FFF2-40B4-BE49-F238E27FC236}">
+                  <a16:creationId xmlns:a16="http://schemas.microsoft.com/office/drawing/2014/main" id="{4BD6A03E-551E-4FB6-9FE7-07F9B35D2FD5}"/>
+                </a:ext>
+              </a:extLst>
+            </p:cNvPr>
+            <p:cNvSpPr/>
+            <p:nvPr/>
+          </p:nvSpPr>
+          <p:spPr>
+            <a:xfrm>
+              <a:off x="7765773" y="1104900"/>
+              <a:ext cx="2781300" cy="2628900"/>
+            </a:xfrm>
+            <a:prstGeom prst="cloud">
+              <a:avLst/>
+            </a:prstGeom>
+            <a:solidFill>
+              <a:schemeClr val="bg1">
+                <a:lumMod val="95000"/>
+              </a:schemeClr>
+            </a:solidFill>
+            <a:ln/>
+          </p:spPr>
+          <p:style>
+            <a:lnRef idx="1">
+              <a:schemeClr val="accent5"/>
+            </a:lnRef>
+            <a:fillRef idx="2">
+              <a:schemeClr val="accent5"/>
+            </a:fillRef>
+            <a:effectRef idx="1">
+              <a:schemeClr val="accent5"/>
+            </a:effectRef>
+            <a:fontRef idx="minor">
+              <a:schemeClr val="dk1"/>
+            </a:fontRef>
+          </p:style>
+          <p:txBody>
+            <a:bodyPr rtlCol="0" anchor="ctr"/>
+            <a:lstStyle/>
+            <a:p>
+              <a:pPr algn="ctr"/>
+              <a:endParaRPr lang="th-TH"/>
+            </a:p>
+          </p:txBody>
+        </p:sp>
+        <p:sp>
+          <p:nvSpPr>
+            <p:cNvPr id="11" name="Cylinder 10">
+              <a:extLst>
+                <a:ext uri="{FF2B5EF4-FFF2-40B4-BE49-F238E27FC236}">
+                  <a16:creationId xmlns:a16="http://schemas.microsoft.com/office/drawing/2014/main" id="{D062129A-56A4-4F0B-A1AC-C6A0D781178F}"/>
+                </a:ext>
+              </a:extLst>
+            </p:cNvPr>
+            <p:cNvSpPr/>
+            <p:nvPr/>
+          </p:nvSpPr>
+          <p:spPr>
+            <a:xfrm>
+              <a:off x="8831867" y="2245995"/>
+              <a:ext cx="266700" cy="444500"/>
+            </a:xfrm>
+            <a:prstGeom prst="can">
+              <a:avLst/>
+            </a:prstGeom>
+          </p:spPr>
+          <p:style>
+            <a:lnRef idx="2">
+              <a:schemeClr val="accent1">
+                <a:shade val="50000"/>
+              </a:schemeClr>
+            </a:lnRef>
+            <a:fillRef idx="1">
+              <a:schemeClr val="accent1"/>
+            </a:fillRef>
+            <a:effectRef idx="0">
+              <a:schemeClr val="accent1"/>
+            </a:effectRef>
+            <a:fontRef idx="minor">
+              <a:schemeClr val="lt1"/>
+            </a:fontRef>
+          </p:style>
+          <p:txBody>
+            <a:bodyPr rtlCol="0" anchor="ctr"/>
+            <a:lstStyle/>
+            <a:p>
+              <a:pPr algn="ctr"/>
+              <a:endParaRPr lang="th-TH"/>
+            </a:p>
+          </p:txBody>
+        </p:sp>
+        <p:sp>
+          <p:nvSpPr>
+            <p:cNvPr id="18" name="TextBox 17">
+              <a:extLst>
+                <a:ext uri="{FF2B5EF4-FFF2-40B4-BE49-F238E27FC236}">
+                  <a16:creationId xmlns:a16="http://schemas.microsoft.com/office/drawing/2014/main" id="{71E740F5-EFDE-422F-908D-5DFB1AC0EF5A}"/>
+                </a:ext>
+              </a:extLst>
+            </p:cNvPr>
+            <p:cNvSpPr txBox="1"/>
+            <p:nvPr/>
+          </p:nvSpPr>
+          <p:spPr>
+            <a:xfrm>
+              <a:off x="8552185" y="1895285"/>
+              <a:ext cx="1139190" cy="307777"/>
+            </a:xfrm>
+            <a:prstGeom prst="rect">
+              <a:avLst/>
+            </a:prstGeom>
+            <a:noFill/>
+          </p:spPr>
+          <p:txBody>
+            <a:bodyPr wrap="square" rtlCol="0">
+              <a:spAutoFit/>
+            </a:bodyPr>
+            <a:lstStyle/>
+            <a:p>
+              <a:r>
+                <a:rPr lang="en-US" sz="1400" dirty="0"/>
+                <a:t>Git server</a:t>
+              </a:r>
+              <a:endParaRPr lang="th-TH" sz="1400" dirty="0"/>
+            </a:p>
+          </p:txBody>
+        </p:sp>
+        <p:sp>
+          <p:nvSpPr>
+            <p:cNvPr id="19" name="TextBox 18">
+              <a:extLst>
+                <a:ext uri="{FF2B5EF4-FFF2-40B4-BE49-F238E27FC236}">
+                  <a16:creationId xmlns:a16="http://schemas.microsoft.com/office/drawing/2014/main" id="{A8A4A6F7-7037-40CB-9A9F-D178B6F1ADA8}"/>
+                </a:ext>
+              </a:extLst>
+            </p:cNvPr>
+            <p:cNvSpPr txBox="1"/>
+            <p:nvPr/>
+          </p:nvSpPr>
+          <p:spPr>
+            <a:xfrm rot="1119437">
+              <a:off x="6588921" y="1556811"/>
+              <a:ext cx="632460" cy="307777"/>
+            </a:xfrm>
+            <a:prstGeom prst="rect">
+              <a:avLst/>
+            </a:prstGeom>
+            <a:noFill/>
+          </p:spPr>
+          <p:txBody>
+            <a:bodyPr wrap="square" rtlCol="0">
+              <a:spAutoFit/>
+            </a:bodyPr>
+            <a:lstStyle/>
+            <a:p>
+              <a:r>
+                <a:rPr lang="en-US" sz="1400" dirty="0">
+                  <a:solidFill>
+                    <a:srgbClr val="C00000"/>
+                  </a:solidFill>
+                </a:rPr>
+                <a:t>push</a:t>
+              </a:r>
+              <a:endParaRPr lang="th-TH" sz="1400" dirty="0">
+                <a:solidFill>
+                  <a:srgbClr val="C00000"/>
+                </a:solidFill>
+              </a:endParaRPr>
+            </a:p>
+          </p:txBody>
+        </p:sp>
+        <p:sp>
+          <p:nvSpPr>
+            <p:cNvPr id="27" name="TextBox 26">
+              <a:extLst>
+                <a:ext uri="{FF2B5EF4-FFF2-40B4-BE49-F238E27FC236}">
+                  <a16:creationId xmlns:a16="http://schemas.microsoft.com/office/drawing/2014/main" id="{A0331407-7382-4661-87CB-25DC251DEA22}"/>
+                </a:ext>
+              </a:extLst>
+            </p:cNvPr>
+            <p:cNvSpPr txBox="1"/>
+            <p:nvPr/>
+          </p:nvSpPr>
+          <p:spPr>
+            <a:xfrm rot="19555620">
+              <a:off x="6562457" y="3449613"/>
+              <a:ext cx="632460" cy="307777"/>
+            </a:xfrm>
+            <a:prstGeom prst="rect">
+              <a:avLst/>
+            </a:prstGeom>
+            <a:noFill/>
+          </p:spPr>
+          <p:txBody>
+            <a:bodyPr wrap="square" rtlCol="0">
+              <a:spAutoFit/>
+            </a:bodyPr>
+            <a:lstStyle/>
+            <a:p>
+              <a:r>
+                <a:rPr lang="en-US" sz="1400" dirty="0">
+                  <a:solidFill>
+                    <a:srgbClr val="C00000"/>
+                  </a:solidFill>
+                </a:rPr>
+                <a:t>push</a:t>
+              </a:r>
+              <a:endParaRPr lang="th-TH" sz="1400" dirty="0">
+                <a:solidFill>
+                  <a:srgbClr val="C00000"/>
+                </a:solidFill>
+              </a:endParaRPr>
+            </a:p>
+          </p:txBody>
+        </p:sp>
+        <p:sp>
+          <p:nvSpPr>
+            <p:cNvPr id="29" name="TextBox 28">
+              <a:extLst>
+                <a:ext uri="{FF2B5EF4-FFF2-40B4-BE49-F238E27FC236}">
+                  <a16:creationId xmlns:a16="http://schemas.microsoft.com/office/drawing/2014/main" id="{525FD63D-5355-4024-B1D1-FECD04A86813}"/>
+                </a:ext>
+              </a:extLst>
+            </p:cNvPr>
+            <p:cNvSpPr txBox="1"/>
+            <p:nvPr/>
+          </p:nvSpPr>
+          <p:spPr>
+            <a:xfrm>
+              <a:off x="8562063" y="2831663"/>
+              <a:ext cx="1756410" cy="307777"/>
+            </a:xfrm>
+            <a:prstGeom prst="rect">
+              <a:avLst/>
+            </a:prstGeom>
+            <a:noFill/>
+          </p:spPr>
+          <p:txBody>
+            <a:bodyPr wrap="square" rtlCol="0">
+              <a:spAutoFit/>
+            </a:bodyPr>
+            <a:lstStyle/>
+            <a:p>
+              <a:r>
+                <a:rPr lang="en-US" sz="1400" dirty="0"/>
+                <a:t>Remote Repository</a:t>
+              </a:r>
+              <a:endParaRPr lang="th-TH" sz="1400" dirty="0"/>
+            </a:p>
+          </p:txBody>
+        </p:sp>
+        <p:sp>
+          <p:nvSpPr>
+            <p:cNvPr id="30" name="Rectangle: Rounded Corners 29">
+              <a:extLst>
+                <a:ext uri="{FF2B5EF4-FFF2-40B4-BE49-F238E27FC236}">
+                  <a16:creationId xmlns:a16="http://schemas.microsoft.com/office/drawing/2014/main" id="{92592B09-004F-4019-95DA-EB2BB46A24A9}"/>
+                </a:ext>
+              </a:extLst>
+            </p:cNvPr>
+            <p:cNvSpPr/>
+            <p:nvPr/>
+          </p:nvSpPr>
+          <p:spPr>
+            <a:xfrm>
+              <a:off x="1252330" y="304800"/>
+              <a:ext cx="4589675" cy="2394340"/>
+            </a:xfrm>
+            <a:prstGeom prst="roundRect">
+              <a:avLst>
+                <a:gd name="adj" fmla="val 7119"/>
+              </a:avLst>
+            </a:prstGeom>
+            <a:solidFill>
+              <a:schemeClr val="accent6">
+                <a:lumMod val="20000"/>
+                <a:lumOff val="80000"/>
+              </a:schemeClr>
+            </a:solidFill>
+          </p:spPr>
+          <p:style>
+            <a:lnRef idx="1">
+              <a:schemeClr val="accent6"/>
+            </a:lnRef>
+            <a:fillRef idx="2">
+              <a:schemeClr val="accent6"/>
+            </a:fillRef>
+            <a:effectRef idx="1">
+              <a:schemeClr val="accent6"/>
+            </a:effectRef>
+            <a:fontRef idx="minor">
+              <a:schemeClr val="dk1"/>
+            </a:fontRef>
+          </p:style>
+          <p:txBody>
+            <a:bodyPr rtlCol="0" anchor="ctr"/>
+            <a:lstStyle/>
+            <a:p>
+              <a:pPr algn="ctr"/>
+              <a:endParaRPr lang="th-TH"/>
+            </a:p>
+          </p:txBody>
+        </p:sp>
+        <p:sp>
+          <p:nvSpPr>
+            <p:cNvPr id="31" name="TextBox 30">
+              <a:extLst>
+                <a:ext uri="{FF2B5EF4-FFF2-40B4-BE49-F238E27FC236}">
+                  <a16:creationId xmlns:a16="http://schemas.microsoft.com/office/drawing/2014/main" id="{2C1597CA-5F1B-46CD-A202-3F47361ABD18}"/>
+                </a:ext>
+              </a:extLst>
+            </p:cNvPr>
+            <p:cNvSpPr txBox="1"/>
+            <p:nvPr/>
+          </p:nvSpPr>
+          <p:spPr>
+            <a:xfrm>
+              <a:off x="4801593" y="304800"/>
+              <a:ext cx="731520" cy="307777"/>
+            </a:xfrm>
+            <a:prstGeom prst="rect">
+              <a:avLst/>
+            </a:prstGeom>
+            <a:noFill/>
+          </p:spPr>
+          <p:txBody>
+            <a:bodyPr wrap="square" rtlCol="0">
+              <a:spAutoFit/>
+            </a:bodyPr>
+            <a:lstStyle/>
+            <a:p>
+              <a:r>
+                <a:rPr lang="en-US" sz="1400" dirty="0"/>
+                <a:t>User A</a:t>
+              </a:r>
+              <a:endParaRPr lang="th-TH" sz="1400" dirty="0"/>
+            </a:p>
+          </p:txBody>
+        </p:sp>
+        <p:sp>
+          <p:nvSpPr>
+            <p:cNvPr id="34" name="Cylinder 33">
+              <a:extLst>
+                <a:ext uri="{FF2B5EF4-FFF2-40B4-BE49-F238E27FC236}">
+                  <a16:creationId xmlns:a16="http://schemas.microsoft.com/office/drawing/2014/main" id="{55642209-5471-4A4D-A087-3BDAC9867D65}"/>
+                </a:ext>
+              </a:extLst>
+            </p:cNvPr>
+            <p:cNvSpPr/>
+            <p:nvPr/>
+          </p:nvSpPr>
+          <p:spPr>
+            <a:xfrm>
+              <a:off x="5047409" y="1161936"/>
+              <a:ext cx="326954" cy="546641"/>
+            </a:xfrm>
+            <a:prstGeom prst="can">
+              <a:avLst/>
+            </a:prstGeom>
+          </p:spPr>
+          <p:style>
+            <a:lnRef idx="2">
+              <a:schemeClr val="accent1">
+                <a:shade val="50000"/>
+              </a:schemeClr>
+            </a:lnRef>
+            <a:fillRef idx="1">
+              <a:schemeClr val="accent1"/>
+            </a:fillRef>
+            <a:effectRef idx="0">
+              <a:schemeClr val="accent1"/>
+            </a:effectRef>
+            <a:fontRef idx="minor">
+              <a:schemeClr val="lt1"/>
+            </a:fontRef>
+          </p:style>
+          <p:txBody>
+            <a:bodyPr rtlCol="0" anchor="ctr"/>
+            <a:lstStyle/>
+            <a:p>
+              <a:pPr algn="ctr"/>
+              <a:endParaRPr lang="th-TH"/>
+            </a:p>
+          </p:txBody>
+        </p:sp>
+        <p:pic>
+          <p:nvPicPr>
+            <p:cNvPr id="44" name="Picture 2" descr="C:\Users\t-dantay\Documents\Placeholders\file.png">
+              <a:extLst>
+                <a:ext uri="{FF2B5EF4-FFF2-40B4-BE49-F238E27FC236}">
+                  <a16:creationId xmlns:a16="http://schemas.microsoft.com/office/drawing/2014/main" id="{C3F3B396-47D5-4758-B0B9-51D5D5C1A3B7}"/>
+                </a:ext>
+              </a:extLst>
+            </p:cNvPr>
+            <p:cNvPicPr>
+              <a:picLocks noChangeAspect="1" noChangeArrowheads="1"/>
+            </p:cNvPicPr>
+            <p:nvPr>
+              <p:custDataLst>
+                <p:custData r:id="rId1"/>
+              </p:custDataLst>
+            </p:nvPr>
+          </p:nvPicPr>
+          <p:blipFill>
+            <a:blip r:embed="rId6" cstate="print">
+              <a:extLst>
+                <a:ext uri="{28A0092B-C50C-407E-A947-70E740481C1C}">
+                  <a14:useLocalDpi xmlns:a14="http://schemas.microsoft.com/office/drawing/2010/main" val="0"/>
+                </a:ext>
+              </a:extLst>
+            </a:blip>
+            <a:srcRect/>
+            <a:stretch>
+              <a:fillRect/>
+            </a:stretch>
+          </p:blipFill>
+          <p:spPr bwMode="auto">
+            <a:xfrm>
+              <a:off x="1857488" y="1114859"/>
+              <a:ext cx="326954" cy="447006"/>
+            </a:xfrm>
+            <a:prstGeom prst="rect">
+              <a:avLst/>
+            </a:prstGeom>
+            <a:noFill/>
+            <a:extLst>
+              <a:ext uri="{909E8E84-426E-40DD-AFC4-6F175D3DCCD1}">
+                <a14:hiddenFill xmlns:a14="http://schemas.microsoft.com/office/drawing/2010/main">
+                  <a:solidFill>
+                    <a:srgbClr val="FFFFFF"/>
+                  </a:solidFill>
+                </a14:hiddenFill>
+              </a:ext>
+            </a:extLst>
+          </p:spPr>
+        </p:pic>
+        <p:sp>
+          <p:nvSpPr>
+            <p:cNvPr id="46" name="Rectangle: Rounded Corners 45">
+              <a:extLst>
+                <a:ext uri="{FF2B5EF4-FFF2-40B4-BE49-F238E27FC236}">
+                  <a16:creationId xmlns:a16="http://schemas.microsoft.com/office/drawing/2014/main" id="{C9669865-CE05-4ECE-A9EF-0B52165F9AD6}"/>
+                </a:ext>
+              </a:extLst>
+            </p:cNvPr>
+            <p:cNvSpPr/>
+            <p:nvPr/>
+          </p:nvSpPr>
+          <p:spPr>
+            <a:xfrm>
+              <a:off x="3384273" y="923925"/>
+              <a:ext cx="909533" cy="1279137"/>
+            </a:xfrm>
+            <a:prstGeom prst="roundRect">
+              <a:avLst/>
+            </a:prstGeom>
+            <a:solidFill>
+              <a:schemeClr val="accent4">
+                <a:lumMod val="20000"/>
+                <a:lumOff val="80000"/>
+              </a:schemeClr>
+            </a:solidFill>
+          </p:spPr>
+          <p:style>
+            <a:lnRef idx="1">
+              <a:schemeClr val="accent4"/>
+            </a:lnRef>
+            <a:fillRef idx="2">
+              <a:schemeClr val="accent4"/>
+            </a:fillRef>
+            <a:effectRef idx="1">
+              <a:schemeClr val="accent4"/>
+            </a:effectRef>
+            <a:fontRef idx="minor">
+              <a:schemeClr val="dk1"/>
+            </a:fontRef>
+          </p:style>
+          <p:txBody>
+            <a:bodyPr rtlCol="0" anchor="ctr"/>
+            <a:lstStyle/>
+            <a:p>
+              <a:pPr algn="ctr"/>
+              <a:endParaRPr lang="th-TH"/>
+            </a:p>
+          </p:txBody>
+        </p:sp>
+        <p:sp>
+          <p:nvSpPr>
+            <p:cNvPr id="47" name="TextBox 46">
+              <a:extLst>
+                <a:ext uri="{FF2B5EF4-FFF2-40B4-BE49-F238E27FC236}">
+                  <a16:creationId xmlns:a16="http://schemas.microsoft.com/office/drawing/2014/main" id="{4D63F270-A374-4FCF-AE96-87BAEEEC1D23}"/>
+                </a:ext>
+              </a:extLst>
+            </p:cNvPr>
+            <p:cNvSpPr txBox="1"/>
+            <p:nvPr/>
+          </p:nvSpPr>
+          <p:spPr>
+            <a:xfrm>
+              <a:off x="1661881" y="1594742"/>
+              <a:ext cx="1204240" cy="338554"/>
+            </a:xfrm>
+            <a:prstGeom prst="rect">
+              <a:avLst/>
+            </a:prstGeom>
+            <a:noFill/>
+          </p:spPr>
+          <p:txBody>
+            <a:bodyPr wrap="none" rtlCol="0">
+              <a:spAutoFit/>
+            </a:bodyPr>
+            <a:lstStyle/>
+            <a:p>
+              <a:r>
+                <a:rPr lang="en-US" sz="1600" dirty="0"/>
+                <a:t>Source code</a:t>
+              </a:r>
+              <a:endParaRPr lang="th-TH" sz="1600" dirty="0"/>
+            </a:p>
+          </p:txBody>
+        </p:sp>
+        <p:sp>
+          <p:nvSpPr>
+            <p:cNvPr id="51" name="TextBox 50">
+              <a:extLst>
+                <a:ext uri="{FF2B5EF4-FFF2-40B4-BE49-F238E27FC236}">
+                  <a16:creationId xmlns:a16="http://schemas.microsoft.com/office/drawing/2014/main" id="{37832653-F8BB-4809-99F4-876A1403883E}"/>
+                </a:ext>
+              </a:extLst>
+            </p:cNvPr>
+            <p:cNvSpPr txBox="1"/>
+            <p:nvPr/>
+          </p:nvSpPr>
+          <p:spPr>
+            <a:xfrm>
+              <a:off x="3230385" y="557850"/>
+              <a:ext cx="1203791" cy="338554"/>
+            </a:xfrm>
+            <a:prstGeom prst="rect">
+              <a:avLst/>
+            </a:prstGeom>
+            <a:noFill/>
+          </p:spPr>
+          <p:txBody>
+            <a:bodyPr wrap="none" rtlCol="0">
+              <a:spAutoFit/>
+            </a:bodyPr>
+            <a:lstStyle/>
+            <a:p>
+              <a:r>
+                <a:rPr lang="en-US" sz="1600" dirty="0"/>
+                <a:t>Staging area</a:t>
+              </a:r>
+              <a:endParaRPr lang="th-TH" sz="1600" dirty="0"/>
+            </a:p>
+          </p:txBody>
+        </p:sp>
+        <p:cxnSp>
+          <p:nvCxnSpPr>
+            <p:cNvPr id="53" name="Straight Arrow Connector 52">
+              <a:extLst>
+                <a:ext uri="{FF2B5EF4-FFF2-40B4-BE49-F238E27FC236}">
+                  <a16:creationId xmlns:a16="http://schemas.microsoft.com/office/drawing/2014/main" id="{8F428E27-9A34-4886-BDF5-D067C3972774}"/>
+                </a:ext>
+              </a:extLst>
+            </p:cNvPr>
+            <p:cNvCxnSpPr>
+              <a:cxnSpLocks/>
+              <a:stCxn id="44" idx="3"/>
+            </p:cNvCxnSpPr>
+            <p:nvPr/>
+          </p:nvCxnSpPr>
+          <p:spPr>
+            <a:xfrm>
+              <a:off x="2184442" y="1338362"/>
+              <a:ext cx="1502268" cy="0"/>
+            </a:xfrm>
+            <a:prstGeom prst="straightConnector1">
+              <a:avLst/>
+            </a:prstGeom>
+            <a:ln w="28575">
+              <a:tailEnd type="triangle"/>
+            </a:ln>
+          </p:spPr>
+          <p:style>
+            <a:lnRef idx="1">
+              <a:schemeClr val="accent1"/>
+            </a:lnRef>
+            <a:fillRef idx="0">
+              <a:schemeClr val="accent1"/>
+            </a:fillRef>
+            <a:effectRef idx="0">
+              <a:schemeClr val="accent1"/>
+            </a:effectRef>
+            <a:fontRef idx="minor">
+              <a:schemeClr val="tx1"/>
+            </a:fontRef>
+          </p:style>
+        </p:cxnSp>
+        <p:pic>
+          <p:nvPicPr>
+            <p:cNvPr id="54" name="Picture 2" descr="C:\Users\t-dantay\Documents\Placeholders\file.png">
+              <a:extLst>
+                <a:ext uri="{FF2B5EF4-FFF2-40B4-BE49-F238E27FC236}">
+                  <a16:creationId xmlns:a16="http://schemas.microsoft.com/office/drawing/2014/main" id="{00FEF341-6969-4C6C-AF14-E0144BC107ED}"/>
+                </a:ext>
+              </a:extLst>
+            </p:cNvPr>
+            <p:cNvPicPr>
+              <a:picLocks noChangeAspect="1" noChangeArrowheads="1"/>
+            </p:cNvPicPr>
+            <p:nvPr>
+              <p:custDataLst>
+                <p:custData r:id="rId2"/>
+              </p:custDataLst>
+            </p:nvPr>
+          </p:nvPicPr>
+          <p:blipFill>
+            <a:blip r:embed="rId6" cstate="print">
+              <a:extLst>
+                <a:ext uri="{28A0092B-C50C-407E-A947-70E740481C1C}">
+                  <a14:useLocalDpi xmlns:a14="http://schemas.microsoft.com/office/drawing/2010/main" val="0"/>
+                </a:ext>
+              </a:extLst>
+            </a:blip>
+            <a:srcRect/>
+            <a:stretch>
+              <a:fillRect/>
+            </a:stretch>
+          </p:blipFill>
+          <p:spPr bwMode="auto">
+            <a:xfrm>
+              <a:off x="3686710" y="1114859"/>
+              <a:ext cx="326954" cy="447006"/>
+            </a:xfrm>
+            <a:prstGeom prst="rect">
+              <a:avLst/>
+            </a:prstGeom>
+            <a:noFill/>
+            <a:extLst>
+              <a:ext uri="{909E8E84-426E-40DD-AFC4-6F175D3DCCD1}">
+                <a14:hiddenFill xmlns:a14="http://schemas.microsoft.com/office/drawing/2010/main">
+                  <a:solidFill>
+                    <a:srgbClr val="FFFFFF"/>
+                  </a:solidFill>
+                </a14:hiddenFill>
+              </a:ext>
+            </a:extLst>
+          </p:spPr>
+        </p:pic>
+        <p:cxnSp>
+          <p:nvCxnSpPr>
+            <p:cNvPr id="55" name="Straight Arrow Connector 54">
+              <a:extLst>
+                <a:ext uri="{FF2B5EF4-FFF2-40B4-BE49-F238E27FC236}">
+                  <a16:creationId xmlns:a16="http://schemas.microsoft.com/office/drawing/2014/main" id="{178F0849-E37D-488F-A606-14A1907B0FD7}"/>
+                </a:ext>
+              </a:extLst>
+            </p:cNvPr>
+            <p:cNvCxnSpPr>
+              <a:cxnSpLocks/>
+            </p:cNvCxnSpPr>
+            <p:nvPr/>
+          </p:nvCxnSpPr>
+          <p:spPr>
+            <a:xfrm>
+              <a:off x="4013664" y="1338362"/>
+              <a:ext cx="1033745" cy="0"/>
+            </a:xfrm>
+            <a:prstGeom prst="straightConnector1">
+              <a:avLst/>
+            </a:prstGeom>
+            <a:ln w="28575">
+              <a:tailEnd type="triangle"/>
+            </a:ln>
+          </p:spPr>
+          <p:style>
+            <a:lnRef idx="1">
+              <a:schemeClr val="accent1"/>
+            </a:lnRef>
+            <a:fillRef idx="0">
+              <a:schemeClr val="accent1"/>
+            </a:fillRef>
+            <a:effectRef idx="0">
+              <a:schemeClr val="accent1"/>
+            </a:effectRef>
+            <a:fontRef idx="minor">
+              <a:schemeClr val="tx1"/>
+            </a:fontRef>
+          </p:style>
+        </p:cxnSp>
+        <p:sp>
+          <p:nvSpPr>
+            <p:cNvPr id="61" name="TextBox 60">
+              <a:extLst>
+                <a:ext uri="{FF2B5EF4-FFF2-40B4-BE49-F238E27FC236}">
+                  <a16:creationId xmlns:a16="http://schemas.microsoft.com/office/drawing/2014/main" id="{19E9B6D9-E7CB-402F-9429-4911CA39A3EB}"/>
+                </a:ext>
+              </a:extLst>
+            </p:cNvPr>
+            <p:cNvSpPr txBox="1"/>
+            <p:nvPr/>
+          </p:nvSpPr>
+          <p:spPr>
+            <a:xfrm>
+              <a:off x="2491181" y="1063128"/>
+              <a:ext cx="618632" cy="307777"/>
+            </a:xfrm>
+            <a:prstGeom prst="rect">
+              <a:avLst/>
+            </a:prstGeom>
+            <a:noFill/>
+          </p:spPr>
+          <p:txBody>
+            <a:bodyPr wrap="square" rtlCol="0">
+              <a:spAutoFit/>
+            </a:bodyPr>
+            <a:lstStyle/>
+            <a:p>
+              <a:r>
+                <a:rPr lang="en-US" sz="1400" dirty="0">
+                  <a:solidFill>
+                    <a:srgbClr val="C00000"/>
+                  </a:solidFill>
+                </a:rPr>
+                <a:t>add</a:t>
+              </a:r>
+              <a:endParaRPr lang="th-TH" sz="1400" dirty="0">
+                <a:solidFill>
+                  <a:srgbClr val="C00000"/>
+                </a:solidFill>
+              </a:endParaRPr>
+            </a:p>
+          </p:txBody>
+        </p:sp>
+        <p:sp>
+          <p:nvSpPr>
+            <p:cNvPr id="63" name="TextBox 62">
+              <a:extLst>
+                <a:ext uri="{FF2B5EF4-FFF2-40B4-BE49-F238E27FC236}">
+                  <a16:creationId xmlns:a16="http://schemas.microsoft.com/office/drawing/2014/main" id="{BA3A3199-E5AE-4C80-8A8E-C15C95AD3585}"/>
+                </a:ext>
+              </a:extLst>
+            </p:cNvPr>
+            <p:cNvSpPr txBox="1"/>
+            <p:nvPr/>
+          </p:nvSpPr>
+          <p:spPr>
+            <a:xfrm>
+              <a:off x="4263925" y="1063128"/>
+              <a:ext cx="810577" cy="307777"/>
+            </a:xfrm>
+            <a:prstGeom prst="rect">
+              <a:avLst/>
+            </a:prstGeom>
+            <a:noFill/>
+          </p:spPr>
+          <p:txBody>
+            <a:bodyPr wrap="square" rtlCol="0">
+              <a:spAutoFit/>
+            </a:bodyPr>
+            <a:lstStyle/>
+            <a:p>
+              <a:r>
+                <a:rPr lang="en-US" sz="1400" dirty="0">
+                  <a:solidFill>
+                    <a:srgbClr val="C00000"/>
+                  </a:solidFill>
+                </a:rPr>
+                <a:t>commit</a:t>
+              </a:r>
+              <a:endParaRPr lang="th-TH" sz="1400" dirty="0">
+                <a:solidFill>
+                  <a:srgbClr val="C00000"/>
+                </a:solidFill>
+              </a:endParaRPr>
+            </a:p>
+          </p:txBody>
+        </p:sp>
+        <p:sp>
+          <p:nvSpPr>
+            <p:cNvPr id="66" name="TextBox 65">
+              <a:extLst>
+                <a:ext uri="{FF2B5EF4-FFF2-40B4-BE49-F238E27FC236}">
+                  <a16:creationId xmlns:a16="http://schemas.microsoft.com/office/drawing/2014/main" id="{B3C01F58-B82F-4663-AF4D-BB34CBC8AFDC}"/>
+                </a:ext>
+              </a:extLst>
+            </p:cNvPr>
+            <p:cNvSpPr txBox="1"/>
+            <p:nvPr/>
+          </p:nvSpPr>
+          <p:spPr>
+            <a:xfrm>
+              <a:off x="1252330" y="598343"/>
+              <a:ext cx="1703287" cy="338554"/>
+            </a:xfrm>
+            <a:prstGeom prst="rect">
+              <a:avLst/>
+            </a:prstGeom>
+            <a:noFill/>
+          </p:spPr>
+          <p:txBody>
+            <a:bodyPr wrap="none" rtlCol="0">
+              <a:spAutoFit/>
+            </a:bodyPr>
+            <a:lstStyle/>
+            <a:p>
+              <a:r>
+                <a:rPr lang="en-US" sz="1600" dirty="0"/>
+                <a:t>Working Directory</a:t>
+              </a:r>
+              <a:endParaRPr lang="th-TH" sz="1600" dirty="0"/>
+            </a:p>
+          </p:txBody>
+        </p:sp>
+        <p:sp>
+          <p:nvSpPr>
+            <p:cNvPr id="67" name="Rectangle: Rounded Corners 66">
+              <a:extLst>
+                <a:ext uri="{FF2B5EF4-FFF2-40B4-BE49-F238E27FC236}">
+                  <a16:creationId xmlns:a16="http://schemas.microsoft.com/office/drawing/2014/main" id="{0FBC046F-F496-422F-A3F8-20EF1B8AF148}"/>
+                </a:ext>
+              </a:extLst>
+            </p:cNvPr>
+            <p:cNvSpPr/>
+            <p:nvPr/>
+          </p:nvSpPr>
+          <p:spPr>
+            <a:xfrm>
+              <a:off x="1252330" y="3604260"/>
+              <a:ext cx="4589675" cy="2394340"/>
+            </a:xfrm>
+            <a:prstGeom prst="roundRect">
+              <a:avLst>
+                <a:gd name="adj" fmla="val 7119"/>
+              </a:avLst>
+            </a:prstGeom>
+            <a:solidFill>
+              <a:schemeClr val="accent5">
+                <a:lumMod val="20000"/>
+                <a:lumOff val="80000"/>
+              </a:schemeClr>
+            </a:solidFill>
+          </p:spPr>
+          <p:style>
+            <a:lnRef idx="1">
+              <a:schemeClr val="accent5"/>
+            </a:lnRef>
+            <a:fillRef idx="2">
+              <a:schemeClr val="accent5"/>
+            </a:fillRef>
+            <a:effectRef idx="1">
+              <a:schemeClr val="accent5"/>
+            </a:effectRef>
+            <a:fontRef idx="minor">
+              <a:schemeClr val="dk1"/>
+            </a:fontRef>
+          </p:style>
+          <p:txBody>
+            <a:bodyPr rtlCol="0" anchor="ctr"/>
+            <a:lstStyle/>
+            <a:p>
+              <a:pPr algn="ctr"/>
+              <a:endParaRPr lang="th-TH"/>
+            </a:p>
+          </p:txBody>
+        </p:sp>
+        <p:sp>
+          <p:nvSpPr>
+            <p:cNvPr id="68" name="TextBox 67">
+              <a:extLst>
+                <a:ext uri="{FF2B5EF4-FFF2-40B4-BE49-F238E27FC236}">
+                  <a16:creationId xmlns:a16="http://schemas.microsoft.com/office/drawing/2014/main" id="{9718B331-2D4E-4D9D-895B-3537FCE51FB3}"/>
+                </a:ext>
+              </a:extLst>
+            </p:cNvPr>
+            <p:cNvSpPr txBox="1"/>
+            <p:nvPr/>
+          </p:nvSpPr>
+          <p:spPr>
+            <a:xfrm>
+              <a:off x="4801593" y="3604260"/>
+              <a:ext cx="731520" cy="307777"/>
+            </a:xfrm>
+            <a:prstGeom prst="rect">
+              <a:avLst/>
+            </a:prstGeom>
+            <a:noFill/>
+          </p:spPr>
+          <p:txBody>
+            <a:bodyPr wrap="square" rtlCol="0">
+              <a:spAutoFit/>
+            </a:bodyPr>
+            <a:lstStyle/>
+            <a:p>
+              <a:r>
+                <a:rPr lang="en-US" sz="1400" dirty="0"/>
+                <a:t>User B</a:t>
+              </a:r>
+              <a:endParaRPr lang="th-TH" sz="1400" dirty="0"/>
+            </a:p>
+          </p:txBody>
+        </p:sp>
+        <p:sp>
+          <p:nvSpPr>
+            <p:cNvPr id="69" name="Cylinder 68">
+              <a:extLst>
+                <a:ext uri="{FF2B5EF4-FFF2-40B4-BE49-F238E27FC236}">
+                  <a16:creationId xmlns:a16="http://schemas.microsoft.com/office/drawing/2014/main" id="{208832FA-C597-4346-896F-194250C6E4CC}"/>
+                </a:ext>
+              </a:extLst>
+            </p:cNvPr>
+            <p:cNvSpPr/>
+            <p:nvPr/>
+          </p:nvSpPr>
+          <p:spPr>
+            <a:xfrm>
+              <a:off x="5047409" y="4461396"/>
+              <a:ext cx="326954" cy="546641"/>
+            </a:xfrm>
+            <a:prstGeom prst="can">
+              <a:avLst/>
+            </a:prstGeom>
+          </p:spPr>
+          <p:style>
+            <a:lnRef idx="2">
+              <a:schemeClr val="accent1">
+                <a:shade val="50000"/>
+              </a:schemeClr>
+            </a:lnRef>
+            <a:fillRef idx="1">
+              <a:schemeClr val="accent1"/>
+            </a:fillRef>
+            <a:effectRef idx="0">
+              <a:schemeClr val="accent1"/>
+            </a:effectRef>
+            <a:fontRef idx="minor">
+              <a:schemeClr val="lt1"/>
+            </a:fontRef>
+          </p:style>
+          <p:txBody>
+            <a:bodyPr rtlCol="0" anchor="ctr"/>
+            <a:lstStyle/>
+            <a:p>
+              <a:pPr algn="ctr"/>
+              <a:endParaRPr lang="th-TH"/>
+            </a:p>
+          </p:txBody>
+        </p:sp>
+        <p:pic>
+          <p:nvPicPr>
+            <p:cNvPr id="70" name="Picture 2" descr="C:\Users\t-dantay\Documents\Placeholders\file.png">
+              <a:extLst>
+                <a:ext uri="{FF2B5EF4-FFF2-40B4-BE49-F238E27FC236}">
+                  <a16:creationId xmlns:a16="http://schemas.microsoft.com/office/drawing/2014/main" id="{289947E4-9815-42C6-994A-1007E2AE5A6B}"/>
+                </a:ext>
+              </a:extLst>
+            </p:cNvPr>
+            <p:cNvPicPr>
+              <a:picLocks noChangeAspect="1" noChangeArrowheads="1"/>
+            </p:cNvPicPr>
+            <p:nvPr>
+              <p:custDataLst>
+                <p:custData r:id="rId3"/>
+              </p:custDataLst>
+            </p:nvPr>
+          </p:nvPicPr>
+          <p:blipFill>
+            <a:blip r:embed="rId6" cstate="print">
+              <a:extLst>
+                <a:ext uri="{28A0092B-C50C-407E-A947-70E740481C1C}">
+                  <a14:useLocalDpi xmlns:a14="http://schemas.microsoft.com/office/drawing/2010/main" val="0"/>
+                </a:ext>
+              </a:extLst>
+            </a:blip>
+            <a:srcRect/>
+            <a:stretch>
+              <a:fillRect/>
+            </a:stretch>
+          </p:blipFill>
+          <p:spPr bwMode="auto">
+            <a:xfrm>
+              <a:off x="1857488" y="4414319"/>
+              <a:ext cx="326954" cy="447006"/>
+            </a:xfrm>
+            <a:prstGeom prst="rect">
+              <a:avLst/>
+            </a:prstGeom>
+            <a:noFill/>
+            <a:extLst>
+              <a:ext uri="{909E8E84-426E-40DD-AFC4-6F175D3DCCD1}">
+                <a14:hiddenFill xmlns:a14="http://schemas.microsoft.com/office/drawing/2010/main">
+                  <a:solidFill>
+                    <a:srgbClr val="FFFFFF"/>
+                  </a:solidFill>
+                </a14:hiddenFill>
+              </a:ext>
+            </a:extLst>
+          </p:spPr>
+        </p:pic>
+        <p:sp>
+          <p:nvSpPr>
+            <p:cNvPr id="71" name="Rectangle: Rounded Corners 70">
+              <a:extLst>
+                <a:ext uri="{FF2B5EF4-FFF2-40B4-BE49-F238E27FC236}">
+                  <a16:creationId xmlns:a16="http://schemas.microsoft.com/office/drawing/2014/main" id="{06127740-16F6-49AB-8413-CD84B69184C3}"/>
+                </a:ext>
+              </a:extLst>
+            </p:cNvPr>
+            <p:cNvSpPr/>
+            <p:nvPr/>
+          </p:nvSpPr>
+          <p:spPr>
+            <a:xfrm>
+              <a:off x="3384273" y="4223385"/>
+              <a:ext cx="909533" cy="1279137"/>
+            </a:xfrm>
+            <a:prstGeom prst="roundRect">
+              <a:avLst/>
+            </a:prstGeom>
+            <a:solidFill>
+              <a:schemeClr val="accent4">
+                <a:lumMod val="20000"/>
+                <a:lumOff val="80000"/>
+              </a:schemeClr>
+            </a:solidFill>
+          </p:spPr>
+          <p:style>
+            <a:lnRef idx="1">
+              <a:schemeClr val="accent4"/>
+            </a:lnRef>
+            <a:fillRef idx="2">
+              <a:schemeClr val="accent4"/>
+            </a:fillRef>
+            <a:effectRef idx="1">
+              <a:schemeClr val="accent4"/>
+            </a:effectRef>
+            <a:fontRef idx="minor">
+              <a:schemeClr val="dk1"/>
+            </a:fontRef>
+          </p:style>
+          <p:txBody>
+            <a:bodyPr rtlCol="0" anchor="ctr"/>
+            <a:lstStyle/>
+            <a:p>
+              <a:pPr algn="ctr"/>
+              <a:endParaRPr lang="th-TH"/>
+            </a:p>
+          </p:txBody>
+        </p:sp>
+        <p:sp>
+          <p:nvSpPr>
+            <p:cNvPr id="72" name="TextBox 71">
+              <a:extLst>
+                <a:ext uri="{FF2B5EF4-FFF2-40B4-BE49-F238E27FC236}">
+                  <a16:creationId xmlns:a16="http://schemas.microsoft.com/office/drawing/2014/main" id="{62A1F116-7A0D-4FB7-BEAD-494224E97903}"/>
+                </a:ext>
+              </a:extLst>
+            </p:cNvPr>
+            <p:cNvSpPr txBox="1"/>
+            <p:nvPr/>
+          </p:nvSpPr>
+          <p:spPr>
+            <a:xfrm>
+              <a:off x="1661881" y="4894202"/>
+              <a:ext cx="1204240" cy="338554"/>
+            </a:xfrm>
+            <a:prstGeom prst="rect">
+              <a:avLst/>
+            </a:prstGeom>
+            <a:noFill/>
+          </p:spPr>
+          <p:txBody>
+            <a:bodyPr wrap="none" rtlCol="0">
+              <a:spAutoFit/>
+            </a:bodyPr>
+            <a:lstStyle/>
+            <a:p>
+              <a:r>
+                <a:rPr lang="en-US" sz="1600" dirty="0"/>
+                <a:t>Source code</a:t>
+              </a:r>
+              <a:endParaRPr lang="th-TH" sz="1600" dirty="0"/>
+            </a:p>
+          </p:txBody>
+        </p:sp>
+        <p:sp>
+          <p:nvSpPr>
+            <p:cNvPr id="73" name="TextBox 72">
+              <a:extLst>
+                <a:ext uri="{FF2B5EF4-FFF2-40B4-BE49-F238E27FC236}">
+                  <a16:creationId xmlns:a16="http://schemas.microsoft.com/office/drawing/2014/main" id="{CFE5409D-BF19-40BB-8E96-01C59DA761B5}"/>
+                </a:ext>
+              </a:extLst>
+            </p:cNvPr>
+            <p:cNvSpPr txBox="1"/>
+            <p:nvPr/>
+          </p:nvSpPr>
+          <p:spPr>
+            <a:xfrm>
+              <a:off x="3230385" y="3857310"/>
+              <a:ext cx="1203791" cy="338554"/>
+            </a:xfrm>
+            <a:prstGeom prst="rect">
+              <a:avLst/>
+            </a:prstGeom>
+            <a:noFill/>
+          </p:spPr>
+          <p:txBody>
+            <a:bodyPr wrap="none" rtlCol="0">
+              <a:spAutoFit/>
+            </a:bodyPr>
+            <a:lstStyle/>
+            <a:p>
+              <a:r>
+                <a:rPr lang="en-US" sz="1600" dirty="0"/>
+                <a:t>Staging area</a:t>
+              </a:r>
+              <a:endParaRPr lang="th-TH" sz="1600" dirty="0"/>
+            </a:p>
+          </p:txBody>
+        </p:sp>
+        <p:cxnSp>
+          <p:nvCxnSpPr>
+            <p:cNvPr id="74" name="Straight Arrow Connector 73">
+              <a:extLst>
+                <a:ext uri="{FF2B5EF4-FFF2-40B4-BE49-F238E27FC236}">
+                  <a16:creationId xmlns:a16="http://schemas.microsoft.com/office/drawing/2014/main" id="{0035E77F-5641-484D-B671-BE0DAE27B3B1}"/>
+                </a:ext>
+              </a:extLst>
+            </p:cNvPr>
+            <p:cNvCxnSpPr>
+              <a:cxnSpLocks/>
+              <a:stCxn id="70" idx="3"/>
+            </p:cNvCxnSpPr>
+            <p:nvPr/>
+          </p:nvCxnSpPr>
+          <p:spPr>
+            <a:xfrm>
+              <a:off x="2184442" y="4637822"/>
+              <a:ext cx="1502268" cy="0"/>
+            </a:xfrm>
+            <a:prstGeom prst="straightConnector1">
+              <a:avLst/>
+            </a:prstGeom>
+            <a:ln w="28575">
+              <a:tailEnd type="triangle"/>
+            </a:ln>
+          </p:spPr>
+          <p:style>
+            <a:lnRef idx="1">
+              <a:schemeClr val="accent1"/>
+            </a:lnRef>
+            <a:fillRef idx="0">
+              <a:schemeClr val="accent1"/>
+            </a:fillRef>
+            <a:effectRef idx="0">
+              <a:schemeClr val="accent1"/>
+            </a:effectRef>
+            <a:fontRef idx="minor">
+              <a:schemeClr val="tx1"/>
+            </a:fontRef>
+          </p:style>
+        </p:cxnSp>
+        <p:pic>
+          <p:nvPicPr>
+            <p:cNvPr id="75" name="Picture 2" descr="C:\Users\t-dantay\Documents\Placeholders\file.png">
+              <a:extLst>
+                <a:ext uri="{FF2B5EF4-FFF2-40B4-BE49-F238E27FC236}">
+                  <a16:creationId xmlns:a16="http://schemas.microsoft.com/office/drawing/2014/main" id="{60813462-C2D5-4EC9-B63E-46617100625C}"/>
+                </a:ext>
+              </a:extLst>
+            </p:cNvPr>
+            <p:cNvPicPr>
+              <a:picLocks noChangeAspect="1" noChangeArrowheads="1"/>
+            </p:cNvPicPr>
+            <p:nvPr>
+              <p:custDataLst>
+                <p:custData r:id="rId4"/>
+              </p:custDataLst>
+            </p:nvPr>
+          </p:nvPicPr>
+          <p:blipFill>
+            <a:blip r:embed="rId6" cstate="print">
+              <a:extLst>
+                <a:ext uri="{28A0092B-C50C-407E-A947-70E740481C1C}">
+                  <a14:useLocalDpi xmlns:a14="http://schemas.microsoft.com/office/drawing/2010/main" val="0"/>
+                </a:ext>
+              </a:extLst>
+            </a:blip>
+            <a:srcRect/>
+            <a:stretch>
+              <a:fillRect/>
+            </a:stretch>
+          </p:blipFill>
+          <p:spPr bwMode="auto">
+            <a:xfrm>
+              <a:off x="3686710" y="4414319"/>
+              <a:ext cx="326954" cy="447006"/>
+            </a:xfrm>
+            <a:prstGeom prst="rect">
+              <a:avLst/>
+            </a:prstGeom>
+            <a:noFill/>
+            <a:extLst>
+              <a:ext uri="{909E8E84-426E-40DD-AFC4-6F175D3DCCD1}">
+                <a14:hiddenFill xmlns:a14="http://schemas.microsoft.com/office/drawing/2010/main">
+                  <a:solidFill>
+                    <a:srgbClr val="FFFFFF"/>
+                  </a:solidFill>
+                </a14:hiddenFill>
+              </a:ext>
+            </a:extLst>
+          </p:spPr>
+        </p:pic>
+        <p:cxnSp>
+          <p:nvCxnSpPr>
+            <p:cNvPr id="76" name="Straight Arrow Connector 75">
+              <a:extLst>
+                <a:ext uri="{FF2B5EF4-FFF2-40B4-BE49-F238E27FC236}">
+                  <a16:creationId xmlns:a16="http://schemas.microsoft.com/office/drawing/2014/main" id="{E8E81044-8908-4802-9E99-9A42937D62D6}"/>
+                </a:ext>
+              </a:extLst>
+            </p:cNvPr>
+            <p:cNvCxnSpPr>
+              <a:cxnSpLocks/>
+            </p:cNvCxnSpPr>
+            <p:nvPr/>
+          </p:nvCxnSpPr>
+          <p:spPr>
+            <a:xfrm>
+              <a:off x="4013664" y="4637822"/>
+              <a:ext cx="1033745" cy="0"/>
+            </a:xfrm>
+            <a:prstGeom prst="straightConnector1">
+              <a:avLst/>
+            </a:prstGeom>
+            <a:ln w="28575">
+              <a:tailEnd type="triangle"/>
+            </a:ln>
+          </p:spPr>
+          <p:style>
+            <a:lnRef idx="1">
+              <a:schemeClr val="accent1"/>
+            </a:lnRef>
+            <a:fillRef idx="0">
+              <a:schemeClr val="accent1"/>
+            </a:fillRef>
+            <a:effectRef idx="0">
+              <a:schemeClr val="accent1"/>
+            </a:effectRef>
+            <a:fontRef idx="minor">
+              <a:schemeClr val="tx1"/>
+            </a:fontRef>
+          </p:style>
+        </p:cxnSp>
+        <p:sp>
+          <p:nvSpPr>
+            <p:cNvPr id="77" name="TextBox 76">
+              <a:extLst>
+                <a:ext uri="{FF2B5EF4-FFF2-40B4-BE49-F238E27FC236}">
+                  <a16:creationId xmlns:a16="http://schemas.microsoft.com/office/drawing/2014/main" id="{CCDBEC00-1B58-4B3D-95A1-55A250FDA647}"/>
+                </a:ext>
+              </a:extLst>
+            </p:cNvPr>
+            <p:cNvSpPr txBox="1"/>
+            <p:nvPr/>
+          </p:nvSpPr>
+          <p:spPr>
+            <a:xfrm>
+              <a:off x="2491181" y="4362588"/>
+              <a:ext cx="618632" cy="307777"/>
+            </a:xfrm>
+            <a:prstGeom prst="rect">
+              <a:avLst/>
+            </a:prstGeom>
+            <a:noFill/>
+          </p:spPr>
+          <p:txBody>
+            <a:bodyPr wrap="square" rtlCol="0">
+              <a:spAutoFit/>
+            </a:bodyPr>
+            <a:lstStyle/>
+            <a:p>
+              <a:r>
+                <a:rPr lang="en-US" sz="1400" dirty="0">
+                  <a:solidFill>
+                    <a:srgbClr val="C00000"/>
+                  </a:solidFill>
+                </a:rPr>
+                <a:t>add</a:t>
+              </a:r>
+              <a:endParaRPr lang="th-TH" sz="1400" dirty="0">
+                <a:solidFill>
+                  <a:srgbClr val="C00000"/>
+                </a:solidFill>
+              </a:endParaRPr>
+            </a:p>
+          </p:txBody>
+        </p:sp>
+        <p:sp>
+          <p:nvSpPr>
+            <p:cNvPr id="78" name="TextBox 77">
+              <a:extLst>
+                <a:ext uri="{FF2B5EF4-FFF2-40B4-BE49-F238E27FC236}">
+                  <a16:creationId xmlns:a16="http://schemas.microsoft.com/office/drawing/2014/main" id="{C5DAF6FC-5EB3-40AD-97BF-F7D012036E8A}"/>
+                </a:ext>
+              </a:extLst>
+            </p:cNvPr>
+            <p:cNvSpPr txBox="1"/>
+            <p:nvPr/>
+          </p:nvSpPr>
+          <p:spPr>
+            <a:xfrm>
+              <a:off x="4263925" y="4362588"/>
+              <a:ext cx="810577" cy="307777"/>
+            </a:xfrm>
+            <a:prstGeom prst="rect">
+              <a:avLst/>
+            </a:prstGeom>
+            <a:noFill/>
+          </p:spPr>
+          <p:txBody>
+            <a:bodyPr wrap="square" rtlCol="0">
+              <a:spAutoFit/>
+            </a:bodyPr>
+            <a:lstStyle/>
+            <a:p>
+              <a:r>
+                <a:rPr lang="en-US" sz="1400" dirty="0">
+                  <a:solidFill>
+                    <a:srgbClr val="C00000"/>
+                  </a:solidFill>
+                </a:rPr>
+                <a:t>commit</a:t>
+              </a:r>
+              <a:endParaRPr lang="th-TH" sz="1400" dirty="0">
+                <a:solidFill>
+                  <a:srgbClr val="C00000"/>
+                </a:solidFill>
+              </a:endParaRPr>
+            </a:p>
+          </p:txBody>
+        </p:sp>
+        <p:sp>
+          <p:nvSpPr>
+            <p:cNvPr id="79" name="TextBox 78">
+              <a:extLst>
+                <a:ext uri="{FF2B5EF4-FFF2-40B4-BE49-F238E27FC236}">
+                  <a16:creationId xmlns:a16="http://schemas.microsoft.com/office/drawing/2014/main" id="{FB6DEB9D-053D-47C0-9D0D-264F1525EDC4}"/>
+                </a:ext>
+              </a:extLst>
+            </p:cNvPr>
+            <p:cNvSpPr txBox="1"/>
+            <p:nvPr/>
+          </p:nvSpPr>
+          <p:spPr>
+            <a:xfrm>
+              <a:off x="1252330" y="3897803"/>
+              <a:ext cx="1703287" cy="338554"/>
+            </a:xfrm>
+            <a:prstGeom prst="rect">
+              <a:avLst/>
+            </a:prstGeom>
+            <a:noFill/>
+          </p:spPr>
+          <p:txBody>
+            <a:bodyPr wrap="none" rtlCol="0">
+              <a:spAutoFit/>
+            </a:bodyPr>
+            <a:lstStyle/>
+            <a:p>
+              <a:r>
+                <a:rPr lang="en-US" sz="1600" dirty="0"/>
+                <a:t>Working Directory</a:t>
+              </a:r>
+              <a:endParaRPr lang="th-TH" sz="1600" dirty="0"/>
+            </a:p>
+          </p:txBody>
+        </p:sp>
+        <p:cxnSp>
+          <p:nvCxnSpPr>
+            <p:cNvPr id="13" name="Straight Arrow Connector 12">
+              <a:extLst>
+                <a:ext uri="{FF2B5EF4-FFF2-40B4-BE49-F238E27FC236}">
+                  <a16:creationId xmlns:a16="http://schemas.microsoft.com/office/drawing/2014/main" id="{115873EC-44A5-460E-B0C6-223FB13936C8}"/>
+                </a:ext>
+              </a:extLst>
+            </p:cNvPr>
+            <p:cNvCxnSpPr>
+              <a:cxnSpLocks/>
+            </p:cNvCxnSpPr>
+            <p:nvPr/>
+          </p:nvCxnSpPr>
+          <p:spPr>
+            <a:xfrm>
+              <a:off x="5457548" y="1338362"/>
+              <a:ext cx="3314065" cy="1080988"/>
+            </a:xfrm>
+            <a:prstGeom prst="straightConnector1">
+              <a:avLst/>
+            </a:prstGeom>
+            <a:ln w="19050">
+              <a:solidFill>
+                <a:schemeClr val="accent6">
+                  <a:lumMod val="75000"/>
+                </a:schemeClr>
+              </a:solidFill>
+              <a:tailEnd type="triangle"/>
+            </a:ln>
+          </p:spPr>
+          <p:style>
+            <a:lnRef idx="1">
+              <a:schemeClr val="accent1"/>
+            </a:lnRef>
+            <a:fillRef idx="0">
+              <a:schemeClr val="accent1"/>
+            </a:fillRef>
+            <a:effectRef idx="0">
+              <a:schemeClr val="accent1"/>
+            </a:effectRef>
+            <a:fontRef idx="minor">
+              <a:schemeClr val="tx1"/>
+            </a:fontRef>
+          </p:style>
+        </p:cxnSp>
+        <p:cxnSp>
+          <p:nvCxnSpPr>
+            <p:cNvPr id="16" name="Straight Arrow Connector 15">
+              <a:extLst>
+                <a:ext uri="{FF2B5EF4-FFF2-40B4-BE49-F238E27FC236}">
+                  <a16:creationId xmlns:a16="http://schemas.microsoft.com/office/drawing/2014/main" id="{59397A31-66B1-4326-BDD9-E96F8E027CE7}"/>
+                </a:ext>
+              </a:extLst>
+            </p:cNvPr>
+            <p:cNvCxnSpPr>
+              <a:cxnSpLocks/>
+            </p:cNvCxnSpPr>
+            <p:nvPr/>
+          </p:nvCxnSpPr>
+          <p:spPr>
+            <a:xfrm flipH="1" flipV="1">
+              <a:off x="5418813" y="1501970"/>
+              <a:ext cx="3289935" cy="1043308"/>
+            </a:xfrm>
+            <a:prstGeom prst="straightConnector1">
+              <a:avLst/>
+            </a:prstGeom>
+            <a:ln w="28575">
+              <a:solidFill>
+                <a:schemeClr val="accent2">
+                  <a:lumMod val="60000"/>
+                  <a:lumOff val="40000"/>
+                </a:schemeClr>
+              </a:solidFill>
+              <a:tailEnd type="triangle"/>
+            </a:ln>
+          </p:spPr>
+          <p:style>
+            <a:lnRef idx="1">
+              <a:schemeClr val="accent1"/>
+            </a:lnRef>
+            <a:fillRef idx="0">
+              <a:schemeClr val="accent1"/>
+            </a:fillRef>
+            <a:effectRef idx="0">
+              <a:schemeClr val="accent1"/>
+            </a:effectRef>
+            <a:fontRef idx="minor">
+              <a:schemeClr val="tx1"/>
+            </a:fontRef>
+          </p:style>
+        </p:cxnSp>
+        <p:cxnSp>
+          <p:nvCxnSpPr>
+            <p:cNvPr id="22" name="Straight Arrow Connector 21">
+              <a:extLst>
+                <a:ext uri="{FF2B5EF4-FFF2-40B4-BE49-F238E27FC236}">
+                  <a16:creationId xmlns:a16="http://schemas.microsoft.com/office/drawing/2014/main" id="{B2F753E6-E0A2-4545-9A45-8C014ACB81D8}"/>
+                </a:ext>
+              </a:extLst>
+            </p:cNvPr>
+            <p:cNvCxnSpPr>
+              <a:cxnSpLocks/>
+            </p:cNvCxnSpPr>
+            <p:nvPr/>
+          </p:nvCxnSpPr>
+          <p:spPr>
+            <a:xfrm flipH="1">
+              <a:off x="5418813" y="2783898"/>
+              <a:ext cx="3204492" cy="2017532"/>
+            </a:xfrm>
+            <a:prstGeom prst="straightConnector1">
+              <a:avLst/>
+            </a:prstGeom>
+            <a:ln w="28575">
+              <a:solidFill>
+                <a:schemeClr val="accent2">
+                  <a:lumMod val="60000"/>
+                  <a:lumOff val="40000"/>
+                </a:schemeClr>
+              </a:solidFill>
+              <a:tailEnd type="triangle"/>
+            </a:ln>
+          </p:spPr>
+          <p:style>
+            <a:lnRef idx="1">
+              <a:schemeClr val="accent1"/>
+            </a:lnRef>
+            <a:fillRef idx="0">
+              <a:schemeClr val="accent1"/>
+            </a:fillRef>
+            <a:effectRef idx="0">
+              <a:schemeClr val="accent1"/>
+            </a:effectRef>
+            <a:fontRef idx="minor">
+              <a:schemeClr val="tx1"/>
+            </a:fontRef>
+          </p:style>
+        </p:cxnSp>
+        <p:cxnSp>
+          <p:nvCxnSpPr>
+            <p:cNvPr id="21" name="Straight Arrow Connector 20">
+              <a:extLst>
+                <a:ext uri="{FF2B5EF4-FFF2-40B4-BE49-F238E27FC236}">
+                  <a16:creationId xmlns:a16="http://schemas.microsoft.com/office/drawing/2014/main" id="{4424D561-C311-434B-88E0-6116A0FD6B58}"/>
+                </a:ext>
+              </a:extLst>
+            </p:cNvPr>
+            <p:cNvCxnSpPr>
+              <a:cxnSpLocks/>
+            </p:cNvCxnSpPr>
+            <p:nvPr/>
+          </p:nvCxnSpPr>
+          <p:spPr>
+            <a:xfrm flipV="1">
+              <a:off x="5457548" y="2646237"/>
+              <a:ext cx="3165757" cy="1976956"/>
+            </a:xfrm>
+            <a:prstGeom prst="straightConnector1">
+              <a:avLst/>
+            </a:prstGeom>
+            <a:ln w="19050">
+              <a:solidFill>
+                <a:schemeClr val="accent6">
+                  <a:lumMod val="75000"/>
+                </a:schemeClr>
+              </a:solidFill>
+              <a:tailEnd type="triangle"/>
+            </a:ln>
+          </p:spPr>
+          <p:style>
+            <a:lnRef idx="1">
+              <a:schemeClr val="accent1"/>
+            </a:lnRef>
+            <a:fillRef idx="0">
+              <a:schemeClr val="accent1"/>
+            </a:fillRef>
+            <a:effectRef idx="0">
+              <a:schemeClr val="accent1"/>
+            </a:effectRef>
+            <a:fontRef idx="minor">
+              <a:schemeClr val="tx1"/>
+            </a:fontRef>
+          </p:style>
+        </p:cxnSp>
+        <p:sp>
+          <p:nvSpPr>
+            <p:cNvPr id="81" name="TextBox 80">
+              <a:extLst>
+                <a:ext uri="{FF2B5EF4-FFF2-40B4-BE49-F238E27FC236}">
+                  <a16:creationId xmlns:a16="http://schemas.microsoft.com/office/drawing/2014/main" id="{5449AF6B-8B42-47A8-8676-02937C6D9025}"/>
+                </a:ext>
+              </a:extLst>
+            </p:cNvPr>
+            <p:cNvSpPr txBox="1"/>
+            <p:nvPr/>
+          </p:nvSpPr>
+          <p:spPr>
+            <a:xfrm>
+              <a:off x="4762476" y="1769124"/>
+              <a:ext cx="1004919" cy="738664"/>
+            </a:xfrm>
+            <a:prstGeom prst="rect">
+              <a:avLst/>
+            </a:prstGeom>
+            <a:noFill/>
+          </p:spPr>
+          <p:txBody>
+            <a:bodyPr wrap="square" rtlCol="0">
+              <a:spAutoFit/>
+            </a:bodyPr>
+            <a:lstStyle/>
+            <a:p>
+              <a:pPr algn="ctr"/>
+              <a:r>
+                <a:rPr lang="en-US" sz="1400" dirty="0"/>
+                <a:t>Local</a:t>
+              </a:r>
+            </a:p>
+            <a:p>
+              <a:pPr algn="ctr"/>
+              <a:r>
+                <a:rPr lang="en-US" sz="1400" dirty="0"/>
+                <a:t>Repository</a:t>
+              </a:r>
+            </a:p>
+            <a:p>
+              <a:pPr algn="ctr"/>
+              <a:r>
+                <a:rPr lang="en-US" sz="1400" dirty="0"/>
+                <a:t>A</a:t>
+              </a:r>
+              <a:endParaRPr lang="th-TH" sz="1400" dirty="0"/>
+            </a:p>
+          </p:txBody>
+        </p:sp>
+        <p:sp>
+          <p:nvSpPr>
+            <p:cNvPr id="82" name="TextBox 81">
+              <a:extLst>
+                <a:ext uri="{FF2B5EF4-FFF2-40B4-BE49-F238E27FC236}">
+                  <a16:creationId xmlns:a16="http://schemas.microsoft.com/office/drawing/2014/main" id="{CAA419B4-D008-4698-9A43-1BA531DBDF0A}"/>
+                </a:ext>
+              </a:extLst>
+            </p:cNvPr>
+            <p:cNvSpPr txBox="1"/>
+            <p:nvPr/>
+          </p:nvSpPr>
+          <p:spPr>
+            <a:xfrm>
+              <a:off x="4762476" y="5052260"/>
+              <a:ext cx="1004919" cy="738664"/>
+            </a:xfrm>
+            <a:prstGeom prst="rect">
+              <a:avLst/>
+            </a:prstGeom>
+            <a:noFill/>
+          </p:spPr>
+          <p:txBody>
+            <a:bodyPr wrap="square" rtlCol="0">
+              <a:spAutoFit/>
+            </a:bodyPr>
+            <a:lstStyle/>
+            <a:p>
+              <a:pPr algn="ctr"/>
+              <a:r>
+                <a:rPr lang="en-US" sz="1400" dirty="0"/>
+                <a:t>Local</a:t>
+              </a:r>
+            </a:p>
+            <a:p>
+              <a:pPr algn="ctr"/>
+              <a:r>
+                <a:rPr lang="en-US" sz="1400" dirty="0"/>
+                <a:t>Repository</a:t>
+              </a:r>
+            </a:p>
+            <a:p>
+              <a:pPr algn="ctr"/>
+              <a:r>
+                <a:rPr lang="en-US" sz="1400" dirty="0"/>
+                <a:t>B</a:t>
+              </a:r>
+              <a:endParaRPr lang="th-TH" sz="1400" dirty="0"/>
+            </a:p>
+          </p:txBody>
+        </p:sp>
+        <p:sp>
+          <p:nvSpPr>
+            <p:cNvPr id="84" name="TextBox 83">
+              <a:extLst>
+                <a:ext uri="{FF2B5EF4-FFF2-40B4-BE49-F238E27FC236}">
+                  <a16:creationId xmlns:a16="http://schemas.microsoft.com/office/drawing/2014/main" id="{74778A60-3AB0-41A6-BDCF-4C19FC365D34}"/>
+                </a:ext>
+              </a:extLst>
+            </p:cNvPr>
+            <p:cNvSpPr txBox="1"/>
+            <p:nvPr/>
+          </p:nvSpPr>
+          <p:spPr>
+            <a:xfrm rot="1130799">
+              <a:off x="6304344" y="1960851"/>
+              <a:ext cx="1113396" cy="307777"/>
+            </a:xfrm>
+            <a:prstGeom prst="rect">
+              <a:avLst/>
+            </a:prstGeom>
+            <a:noFill/>
+          </p:spPr>
+          <p:txBody>
+            <a:bodyPr wrap="square" rtlCol="0">
+              <a:spAutoFit/>
+            </a:bodyPr>
+            <a:lstStyle/>
+            <a:p>
+              <a:r>
+                <a:rPr lang="en-US" sz="1400" dirty="0">
+                  <a:solidFill>
+                    <a:srgbClr val="C00000"/>
+                  </a:solidFill>
+                </a:rPr>
+                <a:t>fetch,  pull</a:t>
+              </a:r>
+              <a:endParaRPr lang="th-TH" sz="1400" dirty="0">
+                <a:solidFill>
+                  <a:srgbClr val="C00000"/>
+                </a:solidFill>
+              </a:endParaRPr>
+            </a:p>
+          </p:txBody>
+        </p:sp>
+        <p:sp>
+          <p:nvSpPr>
+            <p:cNvPr id="85" name="TextBox 84">
+              <a:extLst>
+                <a:ext uri="{FF2B5EF4-FFF2-40B4-BE49-F238E27FC236}">
+                  <a16:creationId xmlns:a16="http://schemas.microsoft.com/office/drawing/2014/main" id="{818192F6-0E27-4ECB-BE50-52F134E9CCCC}"/>
+                </a:ext>
+              </a:extLst>
+            </p:cNvPr>
+            <p:cNvSpPr txBox="1"/>
+            <p:nvPr/>
+          </p:nvSpPr>
+          <p:spPr>
+            <a:xfrm rot="19615381">
+              <a:off x="6712016" y="3708416"/>
+              <a:ext cx="1113396" cy="307777"/>
+            </a:xfrm>
+            <a:prstGeom prst="rect">
+              <a:avLst/>
+            </a:prstGeom>
+            <a:noFill/>
+          </p:spPr>
+          <p:txBody>
+            <a:bodyPr wrap="square" rtlCol="0">
+              <a:spAutoFit/>
+            </a:bodyPr>
+            <a:lstStyle/>
+            <a:p>
+              <a:r>
+                <a:rPr lang="en-US" sz="1400" dirty="0">
+                  <a:solidFill>
+                    <a:srgbClr val="C00000"/>
+                  </a:solidFill>
+                </a:rPr>
+                <a:t>fetch,  pull</a:t>
+              </a:r>
+              <a:endParaRPr lang="th-TH" sz="1400" dirty="0">
+                <a:solidFill>
+                  <a:srgbClr val="C00000"/>
+                </a:solidFill>
+              </a:endParaRPr>
+            </a:p>
+          </p:txBody>
+        </p:sp>
+        <p:cxnSp>
+          <p:nvCxnSpPr>
+            <p:cNvPr id="88" name="Straight Arrow Connector 87">
+              <a:extLst>
+                <a:ext uri="{FF2B5EF4-FFF2-40B4-BE49-F238E27FC236}">
+                  <a16:creationId xmlns:a16="http://schemas.microsoft.com/office/drawing/2014/main" id="{7BEC5952-4CEE-4F6B-B64D-AC1CA865E569}"/>
+                </a:ext>
+              </a:extLst>
+            </p:cNvPr>
+            <p:cNvCxnSpPr>
+              <a:cxnSpLocks/>
+            </p:cNvCxnSpPr>
+            <p:nvPr/>
+          </p:nvCxnSpPr>
+          <p:spPr>
+            <a:xfrm flipH="1" flipV="1">
+              <a:off x="2215278" y="1435256"/>
+              <a:ext cx="1454287" cy="10507"/>
+            </a:xfrm>
+            <a:prstGeom prst="straightConnector1">
+              <a:avLst/>
+            </a:prstGeom>
+            <a:ln w="28575">
+              <a:solidFill>
+                <a:schemeClr val="accent2">
+                  <a:lumMod val="60000"/>
+                  <a:lumOff val="40000"/>
+                </a:schemeClr>
+              </a:solidFill>
+              <a:tailEnd type="triangle"/>
+            </a:ln>
+          </p:spPr>
+          <p:style>
+            <a:lnRef idx="1">
+              <a:schemeClr val="accent1"/>
+            </a:lnRef>
+            <a:fillRef idx="0">
+              <a:schemeClr val="accent1"/>
+            </a:fillRef>
+            <a:effectRef idx="0">
+              <a:schemeClr val="accent1"/>
+            </a:effectRef>
+            <a:fontRef idx="minor">
+              <a:schemeClr val="tx1"/>
+            </a:fontRef>
+          </p:style>
+        </p:cxnSp>
+        <p:cxnSp>
+          <p:nvCxnSpPr>
+            <p:cNvPr id="91" name="Straight Arrow Connector 90">
+              <a:extLst>
+                <a:ext uri="{FF2B5EF4-FFF2-40B4-BE49-F238E27FC236}">
+                  <a16:creationId xmlns:a16="http://schemas.microsoft.com/office/drawing/2014/main" id="{E5060AC6-1161-484A-9588-DD3ED6DDBA72}"/>
+                </a:ext>
+              </a:extLst>
+            </p:cNvPr>
+            <p:cNvCxnSpPr>
+              <a:cxnSpLocks/>
+            </p:cNvCxnSpPr>
+            <p:nvPr/>
+          </p:nvCxnSpPr>
+          <p:spPr>
+            <a:xfrm flipH="1" flipV="1">
+              <a:off x="4060604" y="1435257"/>
+              <a:ext cx="931159" cy="6726"/>
+            </a:xfrm>
+            <a:prstGeom prst="straightConnector1">
+              <a:avLst/>
+            </a:prstGeom>
+            <a:ln w="28575">
+              <a:solidFill>
+                <a:schemeClr val="accent2">
+                  <a:lumMod val="60000"/>
+                  <a:lumOff val="40000"/>
+                </a:schemeClr>
+              </a:solidFill>
+              <a:tailEnd type="triangle"/>
+            </a:ln>
+          </p:spPr>
+          <p:style>
+            <a:lnRef idx="1">
+              <a:schemeClr val="accent1"/>
+            </a:lnRef>
+            <a:fillRef idx="0">
+              <a:schemeClr val="accent1"/>
+            </a:fillRef>
+            <a:effectRef idx="0">
+              <a:schemeClr val="accent1"/>
+            </a:effectRef>
+            <a:fontRef idx="minor">
+              <a:schemeClr val="tx1"/>
+            </a:fontRef>
+          </p:style>
+        </p:cxnSp>
+        <p:cxnSp>
+          <p:nvCxnSpPr>
+            <p:cNvPr id="93" name="Straight Arrow Connector 92">
+              <a:extLst>
+                <a:ext uri="{FF2B5EF4-FFF2-40B4-BE49-F238E27FC236}">
+                  <a16:creationId xmlns:a16="http://schemas.microsoft.com/office/drawing/2014/main" id="{7176BC9E-559F-4E33-A3A6-D2FBAC74D6B6}"/>
+                </a:ext>
+              </a:extLst>
+            </p:cNvPr>
+            <p:cNvCxnSpPr>
+              <a:cxnSpLocks/>
+            </p:cNvCxnSpPr>
+            <p:nvPr/>
+          </p:nvCxnSpPr>
+          <p:spPr>
+            <a:xfrm flipH="1" flipV="1">
+              <a:off x="2215278" y="4750252"/>
+              <a:ext cx="1454287" cy="10507"/>
+            </a:xfrm>
+            <a:prstGeom prst="straightConnector1">
+              <a:avLst/>
+            </a:prstGeom>
+            <a:ln w="28575">
+              <a:solidFill>
+                <a:schemeClr val="accent2">
+                  <a:lumMod val="60000"/>
+                  <a:lumOff val="40000"/>
+                </a:schemeClr>
+              </a:solidFill>
+              <a:tailEnd type="triangle"/>
+            </a:ln>
+          </p:spPr>
+          <p:style>
+            <a:lnRef idx="1">
+              <a:schemeClr val="accent1"/>
+            </a:lnRef>
+            <a:fillRef idx="0">
+              <a:schemeClr val="accent1"/>
+            </a:fillRef>
+            <a:effectRef idx="0">
+              <a:schemeClr val="accent1"/>
+            </a:effectRef>
+            <a:fontRef idx="minor">
+              <a:schemeClr val="tx1"/>
+            </a:fontRef>
+          </p:style>
+        </p:cxnSp>
+        <p:cxnSp>
+          <p:nvCxnSpPr>
+            <p:cNvPr id="94" name="Straight Arrow Connector 93">
+              <a:extLst>
+                <a:ext uri="{FF2B5EF4-FFF2-40B4-BE49-F238E27FC236}">
+                  <a16:creationId xmlns:a16="http://schemas.microsoft.com/office/drawing/2014/main" id="{D227A796-EF4C-4CAB-B09B-319B5C013E46}"/>
+                </a:ext>
+              </a:extLst>
+            </p:cNvPr>
+            <p:cNvCxnSpPr>
+              <a:cxnSpLocks/>
+            </p:cNvCxnSpPr>
+            <p:nvPr/>
+          </p:nvCxnSpPr>
+          <p:spPr>
+            <a:xfrm flipH="1" flipV="1">
+              <a:off x="4060604" y="4750253"/>
+              <a:ext cx="931159" cy="6726"/>
+            </a:xfrm>
+            <a:prstGeom prst="straightConnector1">
+              <a:avLst/>
+            </a:prstGeom>
+            <a:ln w="28575">
+              <a:solidFill>
+                <a:schemeClr val="accent2">
+                  <a:lumMod val="60000"/>
+                  <a:lumOff val="40000"/>
+                </a:schemeClr>
+              </a:solidFill>
+              <a:tailEnd type="triangle"/>
+            </a:ln>
+          </p:spPr>
+          <p:style>
+            <a:lnRef idx="1">
+              <a:schemeClr val="accent1"/>
+            </a:lnRef>
+            <a:fillRef idx="0">
+              <a:schemeClr val="accent1"/>
+            </a:fillRef>
+            <a:effectRef idx="0">
+              <a:schemeClr val="accent1"/>
+            </a:effectRef>
+            <a:fontRef idx="minor">
+              <a:schemeClr val="tx1"/>
+            </a:fontRef>
+          </p:style>
+        </p:cxnSp>
+      </p:grpSp>
+    </p:spTree>
+    <p:extLst>
+      <p:ext uri="{BB962C8B-B14F-4D97-AF65-F5344CB8AC3E}">
+        <p14:creationId xmlns:p14="http://schemas.microsoft.com/office/powerpoint/2010/main" val="3329594943"/>
+      </p:ext>
+    </p:extLst>
+  </p:cSld>
+  <p:clrMapOvr>
+    <a:masterClrMapping/>
+  </p:clrMapOvr>
+</p:sld>
+</file>
+
+<file path=ppt/slides/slide4.xml><?xml version="1.0" encoding="utf-8"?>
+<p:sld xmlns:a="http://schemas.openxmlformats.org/drawingml/2006/main" xmlns:r="http://schemas.openxmlformats.org/officeDocument/2006/relationships" xmlns:p="http://schemas.openxmlformats.org/presentationml/2006/main">
+  <p:cSld>
+    <p:spTree>
+      <p:nvGrpSpPr>
+        <p:cNvPr id="1" name=""/>
+        <p:cNvGrpSpPr/>
+        <p:nvPr/>
+      </p:nvGrpSpPr>
+      <p:grpSpPr>
+        <a:xfrm>
+          <a:off x="0" y="0"/>
+          <a:ext cx="0" cy="0"/>
+          <a:chOff x="0" y="0"/>
+          <a:chExt cx="0" cy="0"/>
+        </a:xfrm>
+      </p:grpSpPr>
+      <p:grpSp>
+        <p:nvGrpSpPr>
+          <p:cNvPr id="3" name="Group 2">
+            <a:extLst>
+              <a:ext uri="{FF2B5EF4-FFF2-40B4-BE49-F238E27FC236}">
+                <a16:creationId xmlns:a16="http://schemas.microsoft.com/office/drawing/2014/main" id="{A5A55C6F-6BD1-40F3-A48F-274CC2BAAC96}"/>
+              </a:ext>
+            </a:extLst>
+          </p:cNvPr>
+          <p:cNvGrpSpPr/>
+          <p:nvPr/>
+        </p:nvGrpSpPr>
+        <p:grpSpPr>
+          <a:xfrm>
+            <a:off x="1701247" y="582100"/>
+            <a:ext cx="9294743" cy="5693800"/>
+            <a:chOff x="1282147" y="443948"/>
+            <a:chExt cx="9294743" cy="5693800"/>
+          </a:xfrm>
+        </p:grpSpPr>
+        <p:sp>
+          <p:nvSpPr>
+            <p:cNvPr id="10" name="Cloud 9">
+              <a:extLst>
+                <a:ext uri="{FF2B5EF4-FFF2-40B4-BE49-F238E27FC236}">
+                  <a16:creationId xmlns:a16="http://schemas.microsoft.com/office/drawing/2014/main" id="{4BD6A03E-551E-4FB6-9FE7-07F9B35D2FD5}"/>
+                </a:ext>
+              </a:extLst>
+            </p:cNvPr>
+            <p:cNvSpPr/>
+            <p:nvPr/>
+          </p:nvSpPr>
+          <p:spPr>
+            <a:xfrm>
+              <a:off x="7795590" y="1244048"/>
+              <a:ext cx="2781300" cy="2628900"/>
+            </a:xfrm>
+            <a:prstGeom prst="cloud">
+              <a:avLst/>
+            </a:prstGeom>
+            <a:solidFill>
+              <a:schemeClr val="bg1">
+                <a:lumMod val="95000"/>
+              </a:schemeClr>
+            </a:solidFill>
+            <a:ln/>
+          </p:spPr>
+          <p:style>
+            <a:lnRef idx="1">
+              <a:schemeClr val="accent5"/>
+            </a:lnRef>
+            <a:fillRef idx="2">
+              <a:schemeClr val="accent5"/>
+            </a:fillRef>
+            <a:effectRef idx="1">
+              <a:schemeClr val="accent5"/>
+            </a:effectRef>
+            <a:fontRef idx="minor">
+              <a:schemeClr val="dk1"/>
+            </a:fontRef>
+          </p:style>
+          <p:txBody>
+            <a:bodyPr rtlCol="0" anchor="ctr"/>
+            <a:lstStyle/>
+            <a:p>
+              <a:pPr algn="ctr"/>
+              <a:endParaRPr lang="th-TH"/>
+            </a:p>
+          </p:txBody>
+        </p:sp>
+        <p:sp>
+          <p:nvSpPr>
+            <p:cNvPr id="11" name="Cylinder 10">
+              <a:extLst>
+                <a:ext uri="{FF2B5EF4-FFF2-40B4-BE49-F238E27FC236}">
+                  <a16:creationId xmlns:a16="http://schemas.microsoft.com/office/drawing/2014/main" id="{D062129A-56A4-4F0B-A1AC-C6A0D781178F}"/>
+                </a:ext>
+              </a:extLst>
+            </p:cNvPr>
+            <p:cNvSpPr/>
+            <p:nvPr/>
+          </p:nvSpPr>
+          <p:spPr>
+            <a:xfrm>
+              <a:off x="8861684" y="2385143"/>
+              <a:ext cx="266700" cy="444500"/>
+            </a:xfrm>
+            <a:prstGeom prst="can">
+              <a:avLst/>
+            </a:prstGeom>
+          </p:spPr>
+          <p:style>
+            <a:lnRef idx="2">
+              <a:schemeClr val="accent1">
+                <a:shade val="50000"/>
+              </a:schemeClr>
+            </a:lnRef>
+            <a:fillRef idx="1">
+              <a:schemeClr val="accent1"/>
+            </a:fillRef>
+            <a:effectRef idx="0">
+              <a:schemeClr val="accent1"/>
+            </a:effectRef>
+            <a:fontRef idx="minor">
+              <a:schemeClr val="lt1"/>
+            </a:fontRef>
+          </p:style>
+          <p:txBody>
+            <a:bodyPr rtlCol="0" anchor="ctr"/>
+            <a:lstStyle/>
+            <a:p>
+              <a:pPr algn="ctr"/>
+              <a:endParaRPr lang="th-TH"/>
+            </a:p>
+          </p:txBody>
+        </p:sp>
+        <p:sp>
+          <p:nvSpPr>
+            <p:cNvPr id="18" name="TextBox 17">
+              <a:extLst>
+                <a:ext uri="{FF2B5EF4-FFF2-40B4-BE49-F238E27FC236}">
+                  <a16:creationId xmlns:a16="http://schemas.microsoft.com/office/drawing/2014/main" id="{71E740F5-EFDE-422F-908D-5DFB1AC0EF5A}"/>
+                </a:ext>
+              </a:extLst>
+            </p:cNvPr>
+            <p:cNvSpPr txBox="1"/>
+            <p:nvPr/>
+          </p:nvSpPr>
+          <p:spPr>
+            <a:xfrm>
+              <a:off x="8582002" y="2034433"/>
+              <a:ext cx="1139190" cy="307777"/>
+            </a:xfrm>
+            <a:prstGeom prst="rect">
+              <a:avLst/>
+            </a:prstGeom>
+            <a:noFill/>
+          </p:spPr>
+          <p:txBody>
+            <a:bodyPr wrap="square" rtlCol="0">
+              <a:spAutoFit/>
+            </a:bodyPr>
+            <a:lstStyle/>
+            <a:p>
+              <a:r>
+                <a:rPr lang="en-US" sz="1400" dirty="0"/>
+                <a:t>Git server</a:t>
+              </a:r>
+              <a:endParaRPr lang="th-TH" sz="1400" dirty="0"/>
+            </a:p>
+          </p:txBody>
+        </p:sp>
+        <p:sp>
+          <p:nvSpPr>
+            <p:cNvPr id="19" name="TextBox 18">
+              <a:extLst>
+                <a:ext uri="{FF2B5EF4-FFF2-40B4-BE49-F238E27FC236}">
+                  <a16:creationId xmlns:a16="http://schemas.microsoft.com/office/drawing/2014/main" id="{A8A4A6F7-7037-40CB-9A9F-D178B6F1ADA8}"/>
+                </a:ext>
+              </a:extLst>
+            </p:cNvPr>
+            <p:cNvSpPr txBox="1"/>
+            <p:nvPr/>
+          </p:nvSpPr>
+          <p:spPr>
+            <a:xfrm rot="1119437">
+              <a:off x="6618738" y="1695959"/>
+              <a:ext cx="632460" cy="307777"/>
+            </a:xfrm>
+            <a:prstGeom prst="rect">
+              <a:avLst/>
+            </a:prstGeom>
+            <a:noFill/>
+          </p:spPr>
+          <p:txBody>
+            <a:bodyPr wrap="square" rtlCol="0">
+              <a:spAutoFit/>
+            </a:bodyPr>
+            <a:lstStyle/>
+            <a:p>
+              <a:r>
+                <a:rPr lang="en-US" sz="1400" dirty="0">
+                  <a:solidFill>
+                    <a:srgbClr val="C00000"/>
+                  </a:solidFill>
+                </a:rPr>
+                <a:t>push</a:t>
+              </a:r>
+              <a:endParaRPr lang="th-TH" sz="1400" dirty="0">
+                <a:solidFill>
+                  <a:srgbClr val="C00000"/>
+                </a:solidFill>
+              </a:endParaRPr>
+            </a:p>
+          </p:txBody>
+        </p:sp>
+        <p:sp>
+          <p:nvSpPr>
+            <p:cNvPr id="29" name="TextBox 28">
+              <a:extLst>
+                <a:ext uri="{FF2B5EF4-FFF2-40B4-BE49-F238E27FC236}">
+                  <a16:creationId xmlns:a16="http://schemas.microsoft.com/office/drawing/2014/main" id="{525FD63D-5355-4024-B1D1-FECD04A86813}"/>
+                </a:ext>
+              </a:extLst>
+            </p:cNvPr>
+            <p:cNvSpPr txBox="1"/>
+            <p:nvPr/>
+          </p:nvSpPr>
+          <p:spPr>
+            <a:xfrm>
+              <a:off x="8591880" y="2970811"/>
+              <a:ext cx="1756410" cy="307777"/>
+            </a:xfrm>
+            <a:prstGeom prst="rect">
+              <a:avLst/>
+            </a:prstGeom>
+            <a:noFill/>
+          </p:spPr>
+          <p:txBody>
+            <a:bodyPr wrap="square" rtlCol="0">
+              <a:spAutoFit/>
+            </a:bodyPr>
+            <a:lstStyle/>
+            <a:p>
+              <a:r>
+                <a:rPr lang="en-US" sz="1400" dirty="0"/>
+                <a:t>Remote Repository</a:t>
+              </a:r>
+              <a:endParaRPr lang="th-TH" sz="1400" dirty="0"/>
+            </a:p>
+          </p:txBody>
+        </p:sp>
+        <p:sp>
+          <p:nvSpPr>
+            <p:cNvPr id="30" name="Rectangle: Rounded Corners 29">
+              <a:extLst>
+                <a:ext uri="{FF2B5EF4-FFF2-40B4-BE49-F238E27FC236}">
+                  <a16:creationId xmlns:a16="http://schemas.microsoft.com/office/drawing/2014/main" id="{92592B09-004F-4019-95DA-EB2BB46A24A9}"/>
+                </a:ext>
+              </a:extLst>
+            </p:cNvPr>
+            <p:cNvSpPr/>
+            <p:nvPr/>
+          </p:nvSpPr>
+          <p:spPr>
+            <a:xfrm>
+              <a:off x="1282147" y="443948"/>
+              <a:ext cx="4589675" cy="2394340"/>
+            </a:xfrm>
+            <a:prstGeom prst="roundRect">
+              <a:avLst>
+                <a:gd name="adj" fmla="val 7119"/>
+              </a:avLst>
+            </a:prstGeom>
+            <a:solidFill>
+              <a:schemeClr val="accent6">
+                <a:lumMod val="20000"/>
+                <a:lumOff val="80000"/>
+              </a:schemeClr>
+            </a:solidFill>
+          </p:spPr>
+          <p:style>
+            <a:lnRef idx="1">
+              <a:schemeClr val="accent6"/>
+            </a:lnRef>
+            <a:fillRef idx="2">
+              <a:schemeClr val="accent6"/>
+            </a:fillRef>
+            <a:effectRef idx="1">
+              <a:schemeClr val="accent6"/>
+            </a:effectRef>
+            <a:fontRef idx="minor">
+              <a:schemeClr val="dk1"/>
+            </a:fontRef>
+          </p:style>
+          <p:txBody>
+            <a:bodyPr rtlCol="0" anchor="ctr"/>
+            <a:lstStyle/>
+            <a:p>
+              <a:pPr algn="ctr"/>
+              <a:endParaRPr lang="th-TH"/>
+            </a:p>
+          </p:txBody>
+        </p:sp>
+        <p:sp>
+          <p:nvSpPr>
+            <p:cNvPr id="31" name="TextBox 30">
+              <a:extLst>
+                <a:ext uri="{FF2B5EF4-FFF2-40B4-BE49-F238E27FC236}">
+                  <a16:creationId xmlns:a16="http://schemas.microsoft.com/office/drawing/2014/main" id="{2C1597CA-5F1B-46CD-A202-3F47361ABD18}"/>
+                </a:ext>
+              </a:extLst>
+            </p:cNvPr>
+            <p:cNvSpPr txBox="1"/>
+            <p:nvPr/>
+          </p:nvSpPr>
+          <p:spPr>
+            <a:xfrm>
+              <a:off x="4831410" y="443948"/>
+              <a:ext cx="731520" cy="307777"/>
+            </a:xfrm>
+            <a:prstGeom prst="rect">
+              <a:avLst/>
+            </a:prstGeom>
+            <a:noFill/>
+          </p:spPr>
+          <p:txBody>
+            <a:bodyPr wrap="square" rtlCol="0">
+              <a:spAutoFit/>
+            </a:bodyPr>
+            <a:lstStyle/>
+            <a:p>
+              <a:r>
+                <a:rPr lang="en-US" sz="1400" dirty="0"/>
+                <a:t>User A</a:t>
+              </a:r>
+              <a:endParaRPr lang="th-TH" sz="1400" dirty="0"/>
+            </a:p>
+          </p:txBody>
+        </p:sp>
+        <p:sp>
+          <p:nvSpPr>
+            <p:cNvPr id="34" name="Cylinder 33">
+              <a:extLst>
+                <a:ext uri="{FF2B5EF4-FFF2-40B4-BE49-F238E27FC236}">
+                  <a16:creationId xmlns:a16="http://schemas.microsoft.com/office/drawing/2014/main" id="{55642209-5471-4A4D-A087-3BDAC9867D65}"/>
+                </a:ext>
+              </a:extLst>
+            </p:cNvPr>
+            <p:cNvSpPr/>
+            <p:nvPr/>
+          </p:nvSpPr>
+          <p:spPr>
+            <a:xfrm>
+              <a:off x="5077226" y="1301084"/>
+              <a:ext cx="326954" cy="546641"/>
+            </a:xfrm>
+            <a:prstGeom prst="can">
+              <a:avLst/>
+            </a:prstGeom>
+          </p:spPr>
+          <p:style>
+            <a:lnRef idx="2">
+              <a:schemeClr val="accent1">
+                <a:shade val="50000"/>
+              </a:schemeClr>
+            </a:lnRef>
+            <a:fillRef idx="1">
+              <a:schemeClr val="accent1"/>
+            </a:fillRef>
+            <a:effectRef idx="0">
+              <a:schemeClr val="accent1"/>
+            </a:effectRef>
+            <a:fontRef idx="minor">
+              <a:schemeClr val="lt1"/>
+            </a:fontRef>
+          </p:style>
+          <p:txBody>
+            <a:bodyPr rtlCol="0" anchor="ctr"/>
+            <a:lstStyle/>
+            <a:p>
+              <a:pPr algn="ctr"/>
+              <a:endParaRPr lang="th-TH"/>
+            </a:p>
+          </p:txBody>
+        </p:sp>
+        <p:pic>
+          <p:nvPicPr>
+            <p:cNvPr id="44" name="Picture 2" descr="C:\Users\t-dantay\Documents\Placeholders\file.png">
+              <a:extLst>
+                <a:ext uri="{FF2B5EF4-FFF2-40B4-BE49-F238E27FC236}">
+                  <a16:creationId xmlns:a16="http://schemas.microsoft.com/office/drawing/2014/main" id="{C3F3B396-47D5-4758-B0B9-51D5D5C1A3B7}"/>
+                </a:ext>
+              </a:extLst>
+            </p:cNvPr>
+            <p:cNvPicPr>
+              <a:picLocks noChangeAspect="1" noChangeArrowheads="1"/>
+            </p:cNvPicPr>
+            <p:nvPr>
+              <p:custDataLst>
+                <p:custData r:id="rId1"/>
+              </p:custDataLst>
+            </p:nvPr>
+          </p:nvPicPr>
+          <p:blipFill>
+            <a:blip r:embed="rId6" cstate="print">
+              <a:extLst>
+                <a:ext uri="{28A0092B-C50C-407E-A947-70E740481C1C}">
+                  <a14:useLocalDpi xmlns:a14="http://schemas.microsoft.com/office/drawing/2010/main" val="0"/>
+                </a:ext>
+              </a:extLst>
+            </a:blip>
+            <a:srcRect/>
+            <a:stretch>
+              <a:fillRect/>
+            </a:stretch>
+          </p:blipFill>
+          <p:spPr bwMode="auto">
+            <a:xfrm>
+              <a:off x="1887305" y="1254007"/>
+              <a:ext cx="326954" cy="447006"/>
+            </a:xfrm>
+            <a:prstGeom prst="rect">
+              <a:avLst/>
+            </a:prstGeom>
+            <a:noFill/>
+            <a:extLst>
+              <a:ext uri="{909E8E84-426E-40DD-AFC4-6F175D3DCCD1}">
+                <a14:hiddenFill xmlns:a14="http://schemas.microsoft.com/office/drawing/2010/main">
+                  <a:solidFill>
+                    <a:srgbClr val="FFFFFF"/>
+                  </a:solidFill>
+                </a14:hiddenFill>
+              </a:ext>
+            </a:extLst>
+          </p:spPr>
+        </p:pic>
+        <p:sp>
+          <p:nvSpPr>
+            <p:cNvPr id="46" name="Rectangle: Rounded Corners 45">
+              <a:extLst>
+                <a:ext uri="{FF2B5EF4-FFF2-40B4-BE49-F238E27FC236}">
+                  <a16:creationId xmlns:a16="http://schemas.microsoft.com/office/drawing/2014/main" id="{C9669865-CE05-4ECE-A9EF-0B52165F9AD6}"/>
+                </a:ext>
+              </a:extLst>
+            </p:cNvPr>
+            <p:cNvSpPr/>
+            <p:nvPr/>
+          </p:nvSpPr>
+          <p:spPr>
+            <a:xfrm>
+              <a:off x="3414090" y="1063073"/>
+              <a:ext cx="909533" cy="1279137"/>
+            </a:xfrm>
+            <a:prstGeom prst="roundRect">
+              <a:avLst/>
+            </a:prstGeom>
+            <a:solidFill>
+              <a:schemeClr val="accent4">
+                <a:lumMod val="20000"/>
+                <a:lumOff val="80000"/>
+              </a:schemeClr>
+            </a:solidFill>
+          </p:spPr>
+          <p:style>
+            <a:lnRef idx="1">
+              <a:schemeClr val="accent4"/>
+            </a:lnRef>
+            <a:fillRef idx="2">
+              <a:schemeClr val="accent4"/>
+            </a:fillRef>
+            <a:effectRef idx="1">
+              <a:schemeClr val="accent4"/>
+            </a:effectRef>
+            <a:fontRef idx="minor">
+              <a:schemeClr val="dk1"/>
+            </a:fontRef>
+          </p:style>
+          <p:txBody>
+            <a:bodyPr rtlCol="0" anchor="ctr"/>
+            <a:lstStyle/>
+            <a:p>
+              <a:pPr algn="ctr"/>
+              <a:endParaRPr lang="th-TH"/>
+            </a:p>
+          </p:txBody>
+        </p:sp>
+        <p:sp>
+          <p:nvSpPr>
+            <p:cNvPr id="47" name="TextBox 46">
+              <a:extLst>
+                <a:ext uri="{FF2B5EF4-FFF2-40B4-BE49-F238E27FC236}">
+                  <a16:creationId xmlns:a16="http://schemas.microsoft.com/office/drawing/2014/main" id="{4D63F270-A374-4FCF-AE96-87BAEEEC1D23}"/>
+                </a:ext>
+              </a:extLst>
+            </p:cNvPr>
+            <p:cNvSpPr txBox="1"/>
+            <p:nvPr/>
+          </p:nvSpPr>
+          <p:spPr>
+            <a:xfrm>
+              <a:off x="1691698" y="1733890"/>
+              <a:ext cx="1204240" cy="338554"/>
+            </a:xfrm>
+            <a:prstGeom prst="rect">
+              <a:avLst/>
+            </a:prstGeom>
+            <a:noFill/>
+          </p:spPr>
+          <p:txBody>
+            <a:bodyPr wrap="none" rtlCol="0">
+              <a:spAutoFit/>
+            </a:bodyPr>
+            <a:lstStyle/>
+            <a:p>
+              <a:r>
+                <a:rPr lang="en-US" sz="1600" dirty="0"/>
+                <a:t>Source code</a:t>
+              </a:r>
+              <a:endParaRPr lang="th-TH" sz="1600" dirty="0"/>
+            </a:p>
+          </p:txBody>
+        </p:sp>
+        <p:sp>
+          <p:nvSpPr>
+            <p:cNvPr id="51" name="TextBox 50">
+              <a:extLst>
+                <a:ext uri="{FF2B5EF4-FFF2-40B4-BE49-F238E27FC236}">
+                  <a16:creationId xmlns:a16="http://schemas.microsoft.com/office/drawing/2014/main" id="{37832653-F8BB-4809-99F4-876A1403883E}"/>
+                </a:ext>
+              </a:extLst>
+            </p:cNvPr>
+            <p:cNvSpPr txBox="1"/>
+            <p:nvPr/>
+          </p:nvSpPr>
+          <p:spPr>
+            <a:xfrm>
+              <a:off x="3260202" y="696998"/>
+              <a:ext cx="1203791" cy="338554"/>
+            </a:xfrm>
+            <a:prstGeom prst="rect">
+              <a:avLst/>
+            </a:prstGeom>
+            <a:noFill/>
+          </p:spPr>
+          <p:txBody>
+            <a:bodyPr wrap="none" rtlCol="0">
+              <a:spAutoFit/>
+            </a:bodyPr>
+            <a:lstStyle/>
+            <a:p>
+              <a:r>
+                <a:rPr lang="en-US" sz="1600" dirty="0"/>
+                <a:t>Staging area</a:t>
+              </a:r>
+              <a:endParaRPr lang="th-TH" sz="1600" dirty="0"/>
+            </a:p>
+          </p:txBody>
+        </p:sp>
+        <p:cxnSp>
+          <p:nvCxnSpPr>
+            <p:cNvPr id="53" name="Straight Arrow Connector 52">
+              <a:extLst>
+                <a:ext uri="{FF2B5EF4-FFF2-40B4-BE49-F238E27FC236}">
+                  <a16:creationId xmlns:a16="http://schemas.microsoft.com/office/drawing/2014/main" id="{8F428E27-9A34-4886-BDF5-D067C3972774}"/>
+                </a:ext>
+              </a:extLst>
+            </p:cNvPr>
+            <p:cNvCxnSpPr>
+              <a:cxnSpLocks/>
+              <a:stCxn id="44" idx="3"/>
+            </p:cNvCxnSpPr>
+            <p:nvPr/>
+          </p:nvCxnSpPr>
+          <p:spPr>
+            <a:xfrm>
+              <a:off x="2214259" y="1477510"/>
+              <a:ext cx="1502268" cy="0"/>
+            </a:xfrm>
+            <a:prstGeom prst="straightConnector1">
+              <a:avLst/>
+            </a:prstGeom>
+            <a:ln w="38100">
+              <a:solidFill>
+                <a:schemeClr val="accent6">
+                  <a:lumMod val="75000"/>
+                </a:schemeClr>
+              </a:solidFill>
+              <a:tailEnd type="triangle"/>
+            </a:ln>
+          </p:spPr>
+          <p:style>
+            <a:lnRef idx="1">
+              <a:schemeClr val="accent1"/>
+            </a:lnRef>
+            <a:fillRef idx="0">
+              <a:schemeClr val="accent1"/>
+            </a:fillRef>
+            <a:effectRef idx="0">
+              <a:schemeClr val="accent1"/>
+            </a:effectRef>
+            <a:fontRef idx="minor">
+              <a:schemeClr val="tx1"/>
+            </a:fontRef>
+          </p:style>
+        </p:cxnSp>
+        <p:pic>
+          <p:nvPicPr>
+            <p:cNvPr id="54" name="Picture 2" descr="C:\Users\t-dantay\Documents\Placeholders\file.png">
+              <a:extLst>
+                <a:ext uri="{FF2B5EF4-FFF2-40B4-BE49-F238E27FC236}">
+                  <a16:creationId xmlns:a16="http://schemas.microsoft.com/office/drawing/2014/main" id="{00FEF341-6969-4C6C-AF14-E0144BC107ED}"/>
+                </a:ext>
+              </a:extLst>
+            </p:cNvPr>
+            <p:cNvPicPr>
+              <a:picLocks noChangeAspect="1" noChangeArrowheads="1"/>
+            </p:cNvPicPr>
+            <p:nvPr>
+              <p:custDataLst>
+                <p:custData r:id="rId2"/>
+              </p:custDataLst>
+            </p:nvPr>
+          </p:nvPicPr>
+          <p:blipFill>
+            <a:blip r:embed="rId6" cstate="print">
+              <a:extLst>
+                <a:ext uri="{28A0092B-C50C-407E-A947-70E740481C1C}">
+                  <a14:useLocalDpi xmlns:a14="http://schemas.microsoft.com/office/drawing/2010/main" val="0"/>
+                </a:ext>
+              </a:extLst>
+            </a:blip>
+            <a:srcRect/>
+            <a:stretch>
+              <a:fillRect/>
+            </a:stretch>
+          </p:blipFill>
+          <p:spPr bwMode="auto">
+            <a:xfrm>
+              <a:off x="3716527" y="1254007"/>
+              <a:ext cx="326954" cy="447006"/>
+            </a:xfrm>
+            <a:prstGeom prst="rect">
+              <a:avLst/>
+            </a:prstGeom>
+            <a:noFill/>
+            <a:extLst>
+              <a:ext uri="{909E8E84-426E-40DD-AFC4-6F175D3DCCD1}">
+                <a14:hiddenFill xmlns:a14="http://schemas.microsoft.com/office/drawing/2010/main">
+                  <a:solidFill>
+                    <a:srgbClr val="FFFFFF"/>
+                  </a:solidFill>
+                </a14:hiddenFill>
+              </a:ext>
+            </a:extLst>
+          </p:spPr>
+        </p:pic>
+        <p:cxnSp>
+          <p:nvCxnSpPr>
+            <p:cNvPr id="55" name="Straight Arrow Connector 54">
+              <a:extLst>
+                <a:ext uri="{FF2B5EF4-FFF2-40B4-BE49-F238E27FC236}">
+                  <a16:creationId xmlns:a16="http://schemas.microsoft.com/office/drawing/2014/main" id="{178F0849-E37D-488F-A606-14A1907B0FD7}"/>
+                </a:ext>
+              </a:extLst>
+            </p:cNvPr>
+            <p:cNvCxnSpPr>
+              <a:cxnSpLocks/>
+            </p:cNvCxnSpPr>
+            <p:nvPr/>
+          </p:nvCxnSpPr>
+          <p:spPr>
+            <a:xfrm>
+              <a:off x="4043481" y="1477510"/>
+              <a:ext cx="1033745" cy="0"/>
+            </a:xfrm>
+            <a:prstGeom prst="straightConnector1">
+              <a:avLst/>
+            </a:prstGeom>
+            <a:ln w="38100">
+              <a:solidFill>
+                <a:schemeClr val="accent6">
+                  <a:lumMod val="75000"/>
+                </a:schemeClr>
+              </a:solidFill>
+              <a:tailEnd type="triangle"/>
+            </a:ln>
+          </p:spPr>
+          <p:style>
+            <a:lnRef idx="1">
+              <a:schemeClr val="accent1"/>
+            </a:lnRef>
+            <a:fillRef idx="0">
+              <a:schemeClr val="accent1"/>
+            </a:fillRef>
+            <a:effectRef idx="0">
+              <a:schemeClr val="accent1"/>
+            </a:effectRef>
+            <a:fontRef idx="minor">
+              <a:schemeClr val="tx1"/>
+            </a:fontRef>
+          </p:style>
+        </p:cxnSp>
+        <p:sp>
+          <p:nvSpPr>
+            <p:cNvPr id="61" name="TextBox 60">
+              <a:extLst>
+                <a:ext uri="{FF2B5EF4-FFF2-40B4-BE49-F238E27FC236}">
+                  <a16:creationId xmlns:a16="http://schemas.microsoft.com/office/drawing/2014/main" id="{19E9B6D9-E7CB-402F-9429-4911CA39A3EB}"/>
+                </a:ext>
+              </a:extLst>
+            </p:cNvPr>
+            <p:cNvSpPr txBox="1"/>
+            <p:nvPr/>
+          </p:nvSpPr>
+          <p:spPr>
+            <a:xfrm>
+              <a:off x="2520998" y="1202276"/>
+              <a:ext cx="618632" cy="307777"/>
+            </a:xfrm>
+            <a:prstGeom prst="rect">
+              <a:avLst/>
+            </a:prstGeom>
+            <a:noFill/>
+          </p:spPr>
+          <p:txBody>
+            <a:bodyPr wrap="square" rtlCol="0">
+              <a:spAutoFit/>
+            </a:bodyPr>
+            <a:lstStyle/>
+            <a:p>
+              <a:r>
+                <a:rPr lang="en-US" sz="1400" dirty="0">
+                  <a:solidFill>
+                    <a:srgbClr val="C00000"/>
+                  </a:solidFill>
+                </a:rPr>
+                <a:t>add</a:t>
+              </a:r>
+              <a:endParaRPr lang="th-TH" sz="1400" dirty="0">
+                <a:solidFill>
+                  <a:srgbClr val="C00000"/>
+                </a:solidFill>
+              </a:endParaRPr>
+            </a:p>
+          </p:txBody>
+        </p:sp>
+        <p:sp>
+          <p:nvSpPr>
+            <p:cNvPr id="63" name="TextBox 62">
+              <a:extLst>
+                <a:ext uri="{FF2B5EF4-FFF2-40B4-BE49-F238E27FC236}">
+                  <a16:creationId xmlns:a16="http://schemas.microsoft.com/office/drawing/2014/main" id="{BA3A3199-E5AE-4C80-8A8E-C15C95AD3585}"/>
+                </a:ext>
+              </a:extLst>
+            </p:cNvPr>
+            <p:cNvSpPr txBox="1"/>
+            <p:nvPr/>
+          </p:nvSpPr>
+          <p:spPr>
+            <a:xfrm>
+              <a:off x="4293742" y="1202276"/>
+              <a:ext cx="810577" cy="307777"/>
+            </a:xfrm>
+            <a:prstGeom prst="rect">
+              <a:avLst/>
+            </a:prstGeom>
+            <a:noFill/>
+          </p:spPr>
+          <p:txBody>
+            <a:bodyPr wrap="square" rtlCol="0">
+              <a:spAutoFit/>
+            </a:bodyPr>
+            <a:lstStyle/>
+            <a:p>
+              <a:r>
+                <a:rPr lang="en-US" sz="1400" dirty="0">
+                  <a:solidFill>
+                    <a:srgbClr val="C00000"/>
+                  </a:solidFill>
+                </a:rPr>
+                <a:t>commit</a:t>
+              </a:r>
+              <a:endParaRPr lang="th-TH" sz="1400" dirty="0">
+                <a:solidFill>
+                  <a:srgbClr val="C00000"/>
+                </a:solidFill>
+              </a:endParaRPr>
+            </a:p>
+          </p:txBody>
+        </p:sp>
+        <p:sp>
+          <p:nvSpPr>
+            <p:cNvPr id="66" name="TextBox 65">
+              <a:extLst>
+                <a:ext uri="{FF2B5EF4-FFF2-40B4-BE49-F238E27FC236}">
+                  <a16:creationId xmlns:a16="http://schemas.microsoft.com/office/drawing/2014/main" id="{B3C01F58-B82F-4663-AF4D-BB34CBC8AFDC}"/>
+                </a:ext>
+              </a:extLst>
+            </p:cNvPr>
+            <p:cNvSpPr txBox="1"/>
+            <p:nvPr/>
+          </p:nvSpPr>
+          <p:spPr>
+            <a:xfrm>
+              <a:off x="1282147" y="737491"/>
+              <a:ext cx="1703287" cy="338554"/>
+            </a:xfrm>
+            <a:prstGeom prst="rect">
+              <a:avLst/>
+            </a:prstGeom>
+            <a:noFill/>
+          </p:spPr>
+          <p:txBody>
+            <a:bodyPr wrap="none" rtlCol="0">
+              <a:spAutoFit/>
+            </a:bodyPr>
+            <a:lstStyle/>
+            <a:p>
+              <a:r>
+                <a:rPr lang="en-US" sz="1600" dirty="0"/>
+                <a:t>Working Directory</a:t>
+              </a:r>
+              <a:endParaRPr lang="th-TH" sz="1600" dirty="0"/>
+            </a:p>
+          </p:txBody>
+        </p:sp>
+        <p:sp>
+          <p:nvSpPr>
+            <p:cNvPr id="67" name="Rectangle: Rounded Corners 66">
+              <a:extLst>
+                <a:ext uri="{FF2B5EF4-FFF2-40B4-BE49-F238E27FC236}">
+                  <a16:creationId xmlns:a16="http://schemas.microsoft.com/office/drawing/2014/main" id="{0FBC046F-F496-422F-A3F8-20EF1B8AF148}"/>
+                </a:ext>
+              </a:extLst>
+            </p:cNvPr>
+            <p:cNvSpPr/>
+            <p:nvPr/>
+          </p:nvSpPr>
+          <p:spPr>
+            <a:xfrm>
+              <a:off x="1282147" y="3743408"/>
+              <a:ext cx="4589675" cy="2394340"/>
+            </a:xfrm>
+            <a:prstGeom prst="roundRect">
+              <a:avLst>
+                <a:gd name="adj" fmla="val 7119"/>
+              </a:avLst>
+            </a:prstGeom>
+            <a:solidFill>
+              <a:schemeClr val="bg1"/>
+            </a:solidFill>
+            <a:ln>
+              <a:solidFill>
+                <a:schemeClr val="accent5"/>
+              </a:solidFill>
+            </a:ln>
+          </p:spPr>
+          <p:style>
+            <a:lnRef idx="1">
+              <a:schemeClr val="accent5"/>
+            </a:lnRef>
+            <a:fillRef idx="2">
+              <a:schemeClr val="accent5"/>
+            </a:fillRef>
+            <a:effectRef idx="1">
+              <a:schemeClr val="accent5"/>
+            </a:effectRef>
+            <a:fontRef idx="minor">
+              <a:schemeClr val="dk1"/>
+            </a:fontRef>
+          </p:style>
+          <p:txBody>
+            <a:bodyPr rtlCol="0" anchor="ctr"/>
+            <a:lstStyle/>
+            <a:p>
+              <a:pPr algn="ctr"/>
+              <a:endParaRPr lang="th-TH"/>
+            </a:p>
+          </p:txBody>
+        </p:sp>
+        <p:sp>
+          <p:nvSpPr>
+            <p:cNvPr id="68" name="TextBox 67">
+              <a:extLst>
+                <a:ext uri="{FF2B5EF4-FFF2-40B4-BE49-F238E27FC236}">
+                  <a16:creationId xmlns:a16="http://schemas.microsoft.com/office/drawing/2014/main" id="{9718B331-2D4E-4D9D-895B-3537FCE51FB3}"/>
+                </a:ext>
+              </a:extLst>
+            </p:cNvPr>
+            <p:cNvSpPr txBox="1"/>
+            <p:nvPr/>
+          </p:nvSpPr>
+          <p:spPr>
+            <a:xfrm>
+              <a:off x="4831410" y="3743408"/>
+              <a:ext cx="731520" cy="307777"/>
+            </a:xfrm>
+            <a:prstGeom prst="rect">
+              <a:avLst/>
+            </a:prstGeom>
+            <a:noFill/>
+          </p:spPr>
+          <p:txBody>
+            <a:bodyPr wrap="square" rtlCol="0">
+              <a:spAutoFit/>
+            </a:bodyPr>
+            <a:lstStyle/>
+            <a:p>
+              <a:r>
+                <a:rPr lang="en-US" sz="1400" dirty="0"/>
+                <a:t>User B</a:t>
+              </a:r>
+              <a:endParaRPr lang="th-TH" sz="1400" dirty="0"/>
+            </a:p>
+          </p:txBody>
+        </p:sp>
+        <p:sp>
+          <p:nvSpPr>
+            <p:cNvPr id="69" name="Cylinder 68">
+              <a:extLst>
+                <a:ext uri="{FF2B5EF4-FFF2-40B4-BE49-F238E27FC236}">
+                  <a16:creationId xmlns:a16="http://schemas.microsoft.com/office/drawing/2014/main" id="{208832FA-C597-4346-896F-194250C6E4CC}"/>
+                </a:ext>
+              </a:extLst>
+            </p:cNvPr>
+            <p:cNvSpPr/>
+            <p:nvPr/>
+          </p:nvSpPr>
+          <p:spPr>
+            <a:xfrm>
+              <a:off x="5077226" y="4600544"/>
+              <a:ext cx="326954" cy="546641"/>
+            </a:xfrm>
+            <a:prstGeom prst="can">
+              <a:avLst/>
+            </a:prstGeom>
+          </p:spPr>
+          <p:style>
+            <a:lnRef idx="2">
+              <a:schemeClr val="accent1">
+                <a:shade val="50000"/>
+              </a:schemeClr>
+            </a:lnRef>
+            <a:fillRef idx="1">
+              <a:schemeClr val="accent1"/>
+            </a:fillRef>
+            <a:effectRef idx="0">
+              <a:schemeClr val="accent1"/>
+            </a:effectRef>
+            <a:fontRef idx="minor">
+              <a:schemeClr val="lt1"/>
+            </a:fontRef>
+          </p:style>
+          <p:txBody>
+            <a:bodyPr rtlCol="0" anchor="ctr"/>
+            <a:lstStyle/>
+            <a:p>
+              <a:pPr algn="ctr"/>
+              <a:endParaRPr lang="th-TH"/>
+            </a:p>
+          </p:txBody>
+        </p:sp>
+        <p:pic>
+          <p:nvPicPr>
+            <p:cNvPr id="70" name="Picture 2" descr="C:\Users\t-dantay\Documents\Placeholders\file.png">
+              <a:extLst>
+                <a:ext uri="{FF2B5EF4-FFF2-40B4-BE49-F238E27FC236}">
+                  <a16:creationId xmlns:a16="http://schemas.microsoft.com/office/drawing/2014/main" id="{289947E4-9815-42C6-994A-1007E2AE5A6B}"/>
+                </a:ext>
+              </a:extLst>
+            </p:cNvPr>
+            <p:cNvPicPr>
+              <a:picLocks noChangeAspect="1" noChangeArrowheads="1"/>
+            </p:cNvPicPr>
+            <p:nvPr>
+              <p:custDataLst>
+                <p:custData r:id="rId3"/>
+              </p:custDataLst>
+            </p:nvPr>
+          </p:nvPicPr>
+          <p:blipFill>
+            <a:blip r:embed="rId6" cstate="print">
+              <a:extLst>
+                <a:ext uri="{28A0092B-C50C-407E-A947-70E740481C1C}">
+                  <a14:useLocalDpi xmlns:a14="http://schemas.microsoft.com/office/drawing/2010/main" val="0"/>
+                </a:ext>
+              </a:extLst>
+            </a:blip>
+            <a:srcRect/>
+            <a:stretch>
+              <a:fillRect/>
+            </a:stretch>
+          </p:blipFill>
+          <p:spPr bwMode="auto">
+            <a:xfrm>
+              <a:off x="1887305" y="4553467"/>
+              <a:ext cx="326954" cy="447006"/>
+            </a:xfrm>
+            <a:prstGeom prst="rect">
+              <a:avLst/>
+            </a:prstGeom>
+            <a:noFill/>
+            <a:extLst>
+              <a:ext uri="{909E8E84-426E-40DD-AFC4-6F175D3DCCD1}">
+                <a14:hiddenFill xmlns:a14="http://schemas.microsoft.com/office/drawing/2010/main">
+                  <a:solidFill>
+                    <a:srgbClr val="FFFFFF"/>
+                  </a:solidFill>
+                </a14:hiddenFill>
+              </a:ext>
+            </a:extLst>
+          </p:spPr>
+        </p:pic>
+        <p:sp>
+          <p:nvSpPr>
+            <p:cNvPr id="71" name="Rectangle: Rounded Corners 70">
+              <a:extLst>
+                <a:ext uri="{FF2B5EF4-FFF2-40B4-BE49-F238E27FC236}">
+                  <a16:creationId xmlns:a16="http://schemas.microsoft.com/office/drawing/2014/main" id="{06127740-16F6-49AB-8413-CD84B69184C3}"/>
+                </a:ext>
+              </a:extLst>
+            </p:cNvPr>
+            <p:cNvSpPr/>
+            <p:nvPr/>
+          </p:nvSpPr>
+          <p:spPr>
+            <a:xfrm>
+              <a:off x="3414090" y="4362533"/>
+              <a:ext cx="909533" cy="1279137"/>
+            </a:xfrm>
+            <a:prstGeom prst="roundRect">
+              <a:avLst/>
+            </a:prstGeom>
+            <a:solidFill>
+              <a:schemeClr val="accent4">
+                <a:lumMod val="20000"/>
+                <a:lumOff val="80000"/>
+              </a:schemeClr>
+            </a:solidFill>
+          </p:spPr>
+          <p:style>
+            <a:lnRef idx="1">
+              <a:schemeClr val="accent4"/>
+            </a:lnRef>
+            <a:fillRef idx="2">
+              <a:schemeClr val="accent4"/>
+            </a:fillRef>
+            <a:effectRef idx="1">
+              <a:schemeClr val="accent4"/>
+            </a:effectRef>
+            <a:fontRef idx="minor">
+              <a:schemeClr val="dk1"/>
+            </a:fontRef>
+          </p:style>
+          <p:txBody>
+            <a:bodyPr rtlCol="0" anchor="ctr"/>
+            <a:lstStyle/>
+            <a:p>
+              <a:pPr algn="ctr"/>
+              <a:endParaRPr lang="th-TH"/>
+            </a:p>
+          </p:txBody>
+        </p:sp>
+        <p:sp>
+          <p:nvSpPr>
+            <p:cNvPr id="72" name="TextBox 71">
+              <a:extLst>
+                <a:ext uri="{FF2B5EF4-FFF2-40B4-BE49-F238E27FC236}">
+                  <a16:creationId xmlns:a16="http://schemas.microsoft.com/office/drawing/2014/main" id="{62A1F116-7A0D-4FB7-BEAD-494224E97903}"/>
+                </a:ext>
+              </a:extLst>
+            </p:cNvPr>
+            <p:cNvSpPr txBox="1"/>
+            <p:nvPr/>
+          </p:nvSpPr>
+          <p:spPr>
+            <a:xfrm>
+              <a:off x="1691698" y="5033350"/>
+              <a:ext cx="1204240" cy="338554"/>
+            </a:xfrm>
+            <a:prstGeom prst="rect">
+              <a:avLst/>
+            </a:prstGeom>
+            <a:noFill/>
+          </p:spPr>
+          <p:txBody>
+            <a:bodyPr wrap="none" rtlCol="0">
+              <a:spAutoFit/>
+            </a:bodyPr>
+            <a:lstStyle/>
+            <a:p>
+              <a:r>
+                <a:rPr lang="en-US" sz="1600" dirty="0"/>
+                <a:t>Source code</a:t>
+              </a:r>
+              <a:endParaRPr lang="th-TH" sz="1600" dirty="0"/>
+            </a:p>
+          </p:txBody>
+        </p:sp>
+        <p:sp>
+          <p:nvSpPr>
+            <p:cNvPr id="73" name="TextBox 72">
+              <a:extLst>
+                <a:ext uri="{FF2B5EF4-FFF2-40B4-BE49-F238E27FC236}">
+                  <a16:creationId xmlns:a16="http://schemas.microsoft.com/office/drawing/2014/main" id="{CFE5409D-BF19-40BB-8E96-01C59DA761B5}"/>
+                </a:ext>
+              </a:extLst>
+            </p:cNvPr>
+            <p:cNvSpPr txBox="1"/>
+            <p:nvPr/>
+          </p:nvSpPr>
+          <p:spPr>
+            <a:xfrm>
+              <a:off x="3260202" y="3996458"/>
+              <a:ext cx="1203791" cy="338554"/>
+            </a:xfrm>
+            <a:prstGeom prst="rect">
+              <a:avLst/>
+            </a:prstGeom>
+            <a:noFill/>
+          </p:spPr>
+          <p:txBody>
+            <a:bodyPr wrap="none" rtlCol="0">
+              <a:spAutoFit/>
+            </a:bodyPr>
+            <a:lstStyle/>
+            <a:p>
+              <a:r>
+                <a:rPr lang="en-US" sz="1600" dirty="0"/>
+                <a:t>Staging area</a:t>
+              </a:r>
+              <a:endParaRPr lang="th-TH" sz="1600" dirty="0"/>
+            </a:p>
+          </p:txBody>
+        </p:sp>
+        <p:pic>
+          <p:nvPicPr>
+            <p:cNvPr id="75" name="Picture 2" descr="C:\Users\t-dantay\Documents\Placeholders\file.png">
+              <a:extLst>
+                <a:ext uri="{FF2B5EF4-FFF2-40B4-BE49-F238E27FC236}">
+                  <a16:creationId xmlns:a16="http://schemas.microsoft.com/office/drawing/2014/main" id="{60813462-C2D5-4EC9-B63E-46617100625C}"/>
+                </a:ext>
+              </a:extLst>
+            </p:cNvPr>
+            <p:cNvPicPr>
+              <a:picLocks noChangeAspect="1" noChangeArrowheads="1"/>
+            </p:cNvPicPr>
+            <p:nvPr>
+              <p:custDataLst>
+                <p:custData r:id="rId4"/>
+              </p:custDataLst>
+            </p:nvPr>
+          </p:nvPicPr>
+          <p:blipFill>
+            <a:blip r:embed="rId6" cstate="print">
+              <a:extLst>
+                <a:ext uri="{28A0092B-C50C-407E-A947-70E740481C1C}">
+                  <a14:useLocalDpi xmlns:a14="http://schemas.microsoft.com/office/drawing/2010/main" val="0"/>
+                </a:ext>
+              </a:extLst>
+            </a:blip>
+            <a:srcRect/>
+            <a:stretch>
+              <a:fillRect/>
+            </a:stretch>
+          </p:blipFill>
+          <p:spPr bwMode="auto">
+            <a:xfrm>
+              <a:off x="3716527" y="4553467"/>
+              <a:ext cx="326954" cy="447006"/>
+            </a:xfrm>
+            <a:prstGeom prst="rect">
+              <a:avLst/>
+            </a:prstGeom>
+            <a:noFill/>
+            <a:extLst>
+              <a:ext uri="{909E8E84-426E-40DD-AFC4-6F175D3DCCD1}">
+                <a14:hiddenFill xmlns:a14="http://schemas.microsoft.com/office/drawing/2010/main">
+                  <a:solidFill>
+                    <a:srgbClr val="FFFFFF"/>
+                  </a:solidFill>
+                </a14:hiddenFill>
+              </a:ext>
+            </a:extLst>
+          </p:spPr>
+        </p:pic>
+        <p:sp>
+          <p:nvSpPr>
+            <p:cNvPr id="79" name="TextBox 78">
+              <a:extLst>
+                <a:ext uri="{FF2B5EF4-FFF2-40B4-BE49-F238E27FC236}">
+                  <a16:creationId xmlns:a16="http://schemas.microsoft.com/office/drawing/2014/main" id="{FB6DEB9D-053D-47C0-9D0D-264F1525EDC4}"/>
+                </a:ext>
+              </a:extLst>
+            </p:cNvPr>
+            <p:cNvSpPr txBox="1"/>
+            <p:nvPr/>
+          </p:nvSpPr>
+          <p:spPr>
+            <a:xfrm>
+              <a:off x="1282147" y="4036951"/>
+              <a:ext cx="1703287" cy="338554"/>
+            </a:xfrm>
+            <a:prstGeom prst="rect">
+              <a:avLst/>
+            </a:prstGeom>
+            <a:noFill/>
+          </p:spPr>
+          <p:txBody>
+            <a:bodyPr wrap="none" rtlCol="0">
+              <a:spAutoFit/>
+            </a:bodyPr>
+            <a:lstStyle/>
+            <a:p>
+              <a:r>
+                <a:rPr lang="en-US" sz="1600" dirty="0"/>
+                <a:t>Working Directory</a:t>
+              </a:r>
+              <a:endParaRPr lang="th-TH" sz="1600" dirty="0"/>
+            </a:p>
+          </p:txBody>
+        </p:sp>
+        <p:cxnSp>
+          <p:nvCxnSpPr>
+            <p:cNvPr id="13" name="Straight Arrow Connector 12">
+              <a:extLst>
+                <a:ext uri="{FF2B5EF4-FFF2-40B4-BE49-F238E27FC236}">
+                  <a16:creationId xmlns:a16="http://schemas.microsoft.com/office/drawing/2014/main" id="{115873EC-44A5-460E-B0C6-223FB13936C8}"/>
+                </a:ext>
+              </a:extLst>
+            </p:cNvPr>
+            <p:cNvCxnSpPr>
+              <a:cxnSpLocks/>
+            </p:cNvCxnSpPr>
+            <p:nvPr/>
+          </p:nvCxnSpPr>
+          <p:spPr>
+            <a:xfrm>
+              <a:off x="5476875" y="1510053"/>
+              <a:ext cx="3324555" cy="1048445"/>
+            </a:xfrm>
+            <a:prstGeom prst="straightConnector1">
+              <a:avLst/>
+            </a:prstGeom>
+            <a:ln w="38100">
+              <a:solidFill>
+                <a:schemeClr val="accent6">
+                  <a:lumMod val="75000"/>
+                </a:schemeClr>
+              </a:solidFill>
+              <a:tailEnd type="triangle"/>
+            </a:ln>
+          </p:spPr>
+          <p:style>
+            <a:lnRef idx="1">
+              <a:schemeClr val="accent1"/>
+            </a:lnRef>
+            <a:fillRef idx="0">
+              <a:schemeClr val="accent1"/>
+            </a:fillRef>
+            <a:effectRef idx="0">
+              <a:schemeClr val="accent1"/>
+            </a:effectRef>
+            <a:fontRef idx="minor">
+              <a:schemeClr val="tx1"/>
+            </a:fontRef>
+          </p:style>
+        </p:cxnSp>
+        <p:sp>
+          <p:nvSpPr>
+            <p:cNvPr id="81" name="TextBox 80">
+              <a:extLst>
+                <a:ext uri="{FF2B5EF4-FFF2-40B4-BE49-F238E27FC236}">
+                  <a16:creationId xmlns:a16="http://schemas.microsoft.com/office/drawing/2014/main" id="{5449AF6B-8B42-47A8-8676-02937C6D9025}"/>
+                </a:ext>
+              </a:extLst>
+            </p:cNvPr>
+            <p:cNvSpPr txBox="1"/>
+            <p:nvPr/>
+          </p:nvSpPr>
+          <p:spPr>
+            <a:xfrm>
+              <a:off x="4792293" y="1908272"/>
+              <a:ext cx="1004919" cy="738664"/>
+            </a:xfrm>
+            <a:prstGeom prst="rect">
+              <a:avLst/>
+            </a:prstGeom>
+            <a:noFill/>
+          </p:spPr>
+          <p:txBody>
+            <a:bodyPr wrap="square" rtlCol="0">
+              <a:spAutoFit/>
+            </a:bodyPr>
+            <a:lstStyle/>
+            <a:p>
+              <a:pPr algn="ctr"/>
+              <a:r>
+                <a:rPr lang="en-US" sz="1400" dirty="0"/>
+                <a:t>Local</a:t>
+              </a:r>
+            </a:p>
+            <a:p>
+              <a:pPr algn="ctr"/>
+              <a:r>
+                <a:rPr lang="en-US" sz="1400" dirty="0"/>
+                <a:t>Repository</a:t>
+              </a:r>
+            </a:p>
+            <a:p>
+              <a:pPr algn="ctr"/>
+              <a:r>
+                <a:rPr lang="en-US" sz="1400" dirty="0"/>
+                <a:t>A</a:t>
+              </a:r>
+              <a:endParaRPr lang="th-TH" sz="1400" dirty="0"/>
+            </a:p>
+          </p:txBody>
+        </p:sp>
+        <p:sp>
+          <p:nvSpPr>
+            <p:cNvPr id="82" name="TextBox 81">
+              <a:extLst>
+                <a:ext uri="{FF2B5EF4-FFF2-40B4-BE49-F238E27FC236}">
+                  <a16:creationId xmlns:a16="http://schemas.microsoft.com/office/drawing/2014/main" id="{CAA419B4-D008-4698-9A43-1BA531DBDF0A}"/>
+                </a:ext>
+              </a:extLst>
+            </p:cNvPr>
+            <p:cNvSpPr txBox="1"/>
+            <p:nvPr/>
+          </p:nvSpPr>
+          <p:spPr>
+            <a:xfrm>
+              <a:off x="4792293" y="5191408"/>
+              <a:ext cx="1004919" cy="738664"/>
+            </a:xfrm>
+            <a:prstGeom prst="rect">
+              <a:avLst/>
+            </a:prstGeom>
+            <a:noFill/>
+          </p:spPr>
+          <p:txBody>
+            <a:bodyPr wrap="square" rtlCol="0">
+              <a:spAutoFit/>
+            </a:bodyPr>
+            <a:lstStyle/>
+            <a:p>
+              <a:pPr algn="ctr"/>
+              <a:r>
+                <a:rPr lang="en-US" sz="1400" dirty="0"/>
+                <a:t>Local</a:t>
+              </a:r>
+            </a:p>
+            <a:p>
+              <a:pPr algn="ctr"/>
+              <a:r>
+                <a:rPr lang="en-US" sz="1400" dirty="0"/>
+                <a:t>Repository</a:t>
+              </a:r>
+            </a:p>
+            <a:p>
+              <a:pPr algn="ctr"/>
+              <a:r>
+                <a:rPr lang="en-US" sz="1400" dirty="0"/>
+                <a:t>B</a:t>
+              </a:r>
+              <a:endParaRPr lang="th-TH" sz="1400" dirty="0"/>
+            </a:p>
+          </p:txBody>
+        </p:sp>
+      </p:grpSp>
+    </p:spTree>
+    <p:extLst>
+      <p:ext uri="{BB962C8B-B14F-4D97-AF65-F5344CB8AC3E}">
+        <p14:creationId xmlns:p14="http://schemas.microsoft.com/office/powerpoint/2010/main" val="2883440611"/>
+      </p:ext>
+    </p:extLst>
+  </p:cSld>
+  <p:clrMapOvr>
+    <a:masterClrMapping/>
+  </p:clrMapOvr>
+</p:sld>
+</file>
+
+<file path=ppt/slides/slide5.xml><?xml version="1.0" encoding="utf-8"?>
+<p:sld xmlns:a="http://schemas.openxmlformats.org/drawingml/2006/main" xmlns:r="http://schemas.openxmlformats.org/officeDocument/2006/relationships" xmlns:p="http://schemas.openxmlformats.org/presentationml/2006/main">
+  <p:cSld>
+    <p:spTree>
+      <p:nvGrpSpPr>
+        <p:cNvPr id="1" name=""/>
+        <p:cNvGrpSpPr/>
+        <p:nvPr/>
+      </p:nvGrpSpPr>
+      <p:grpSpPr>
+        <a:xfrm>
+          <a:off x="0" y="0"/>
+          <a:ext cx="0" cy="0"/>
+          <a:chOff x="0" y="0"/>
+          <a:chExt cx="0" cy="0"/>
+        </a:xfrm>
+      </p:grpSpPr>
+      <p:grpSp>
+        <p:nvGrpSpPr>
+          <p:cNvPr id="2" name="Group 1">
+            <a:extLst>
+              <a:ext uri="{FF2B5EF4-FFF2-40B4-BE49-F238E27FC236}">
+                <a16:creationId xmlns:a16="http://schemas.microsoft.com/office/drawing/2014/main" id="{92EA250D-2B75-45E8-86D3-E6C5E6F5F92B}"/>
+              </a:ext>
+            </a:extLst>
+          </p:cNvPr>
+          <p:cNvGrpSpPr/>
+          <p:nvPr/>
+        </p:nvGrpSpPr>
+        <p:grpSpPr>
+          <a:xfrm>
+            <a:off x="1448628" y="582100"/>
+            <a:ext cx="9294743" cy="5693800"/>
+            <a:chOff x="1282147" y="443948"/>
+            <a:chExt cx="9294743" cy="5693800"/>
+          </a:xfrm>
+        </p:grpSpPr>
+        <p:sp>
+          <p:nvSpPr>
+            <p:cNvPr id="10" name="Cloud 9">
+              <a:extLst>
+                <a:ext uri="{FF2B5EF4-FFF2-40B4-BE49-F238E27FC236}">
+                  <a16:creationId xmlns:a16="http://schemas.microsoft.com/office/drawing/2014/main" id="{4BD6A03E-551E-4FB6-9FE7-07F9B35D2FD5}"/>
+                </a:ext>
+              </a:extLst>
+            </p:cNvPr>
+            <p:cNvSpPr/>
+            <p:nvPr/>
+          </p:nvSpPr>
+          <p:spPr>
+            <a:xfrm>
+              <a:off x="7795590" y="1244048"/>
+              <a:ext cx="2781300" cy="2628900"/>
+            </a:xfrm>
+            <a:prstGeom prst="cloud">
+              <a:avLst/>
+            </a:prstGeom>
+            <a:solidFill>
+              <a:schemeClr val="bg1">
+                <a:lumMod val="95000"/>
+              </a:schemeClr>
+            </a:solidFill>
+            <a:ln/>
+          </p:spPr>
+          <p:style>
+            <a:lnRef idx="1">
+              <a:schemeClr val="accent5"/>
+            </a:lnRef>
+            <a:fillRef idx="2">
+              <a:schemeClr val="accent5"/>
+            </a:fillRef>
+            <a:effectRef idx="1">
+              <a:schemeClr val="accent5"/>
+            </a:effectRef>
+            <a:fontRef idx="minor">
+              <a:schemeClr val="dk1"/>
+            </a:fontRef>
+          </p:style>
+          <p:txBody>
+            <a:bodyPr rtlCol="0" anchor="ctr"/>
+            <a:lstStyle/>
+            <a:p>
+              <a:pPr algn="ctr"/>
+              <a:endParaRPr lang="th-TH"/>
+            </a:p>
+          </p:txBody>
+        </p:sp>
+        <p:sp>
+          <p:nvSpPr>
+            <p:cNvPr id="11" name="Cylinder 10">
+              <a:extLst>
+                <a:ext uri="{FF2B5EF4-FFF2-40B4-BE49-F238E27FC236}">
+                  <a16:creationId xmlns:a16="http://schemas.microsoft.com/office/drawing/2014/main" id="{D062129A-56A4-4F0B-A1AC-C6A0D781178F}"/>
+                </a:ext>
+              </a:extLst>
+            </p:cNvPr>
+            <p:cNvSpPr/>
+            <p:nvPr/>
+          </p:nvSpPr>
+          <p:spPr>
+            <a:xfrm>
+              <a:off x="8861684" y="2385143"/>
+              <a:ext cx="266700" cy="444500"/>
+            </a:xfrm>
+            <a:prstGeom prst="can">
+              <a:avLst/>
+            </a:prstGeom>
+          </p:spPr>
+          <p:style>
+            <a:lnRef idx="2">
+              <a:schemeClr val="accent1">
+                <a:shade val="50000"/>
+              </a:schemeClr>
+            </a:lnRef>
+            <a:fillRef idx="1">
+              <a:schemeClr val="accent1"/>
+            </a:fillRef>
+            <a:effectRef idx="0">
+              <a:schemeClr val="accent1"/>
+            </a:effectRef>
+            <a:fontRef idx="minor">
+              <a:schemeClr val="lt1"/>
+            </a:fontRef>
+          </p:style>
+          <p:txBody>
+            <a:bodyPr rtlCol="0" anchor="ctr"/>
+            <a:lstStyle/>
+            <a:p>
+              <a:pPr algn="ctr"/>
+              <a:endParaRPr lang="th-TH"/>
+            </a:p>
+          </p:txBody>
+        </p:sp>
+        <p:sp>
+          <p:nvSpPr>
+            <p:cNvPr id="18" name="TextBox 17">
+              <a:extLst>
+                <a:ext uri="{FF2B5EF4-FFF2-40B4-BE49-F238E27FC236}">
+                  <a16:creationId xmlns:a16="http://schemas.microsoft.com/office/drawing/2014/main" id="{71E740F5-EFDE-422F-908D-5DFB1AC0EF5A}"/>
+                </a:ext>
+              </a:extLst>
+            </p:cNvPr>
+            <p:cNvSpPr txBox="1"/>
+            <p:nvPr/>
+          </p:nvSpPr>
+          <p:spPr>
+            <a:xfrm>
+              <a:off x="8582002" y="2034433"/>
+              <a:ext cx="1139190" cy="307777"/>
+            </a:xfrm>
+            <a:prstGeom prst="rect">
+              <a:avLst/>
+            </a:prstGeom>
+            <a:noFill/>
+          </p:spPr>
+          <p:txBody>
+            <a:bodyPr wrap="square" rtlCol="0">
+              <a:spAutoFit/>
+            </a:bodyPr>
+            <a:lstStyle/>
+            <a:p>
+              <a:r>
+                <a:rPr lang="en-US" sz="1400" dirty="0"/>
+                <a:t>Git server</a:t>
+              </a:r>
+              <a:endParaRPr lang="th-TH" sz="1400" dirty="0"/>
+            </a:p>
+          </p:txBody>
+        </p:sp>
+        <p:sp>
+          <p:nvSpPr>
+            <p:cNvPr id="29" name="TextBox 28">
+              <a:extLst>
+                <a:ext uri="{FF2B5EF4-FFF2-40B4-BE49-F238E27FC236}">
+                  <a16:creationId xmlns:a16="http://schemas.microsoft.com/office/drawing/2014/main" id="{525FD63D-5355-4024-B1D1-FECD04A86813}"/>
+                </a:ext>
+              </a:extLst>
+            </p:cNvPr>
+            <p:cNvSpPr txBox="1"/>
+            <p:nvPr/>
+          </p:nvSpPr>
+          <p:spPr>
+            <a:xfrm>
+              <a:off x="8591880" y="2970811"/>
+              <a:ext cx="1756410" cy="307777"/>
+            </a:xfrm>
+            <a:prstGeom prst="rect">
+              <a:avLst/>
+            </a:prstGeom>
+            <a:noFill/>
+          </p:spPr>
+          <p:txBody>
+            <a:bodyPr wrap="square" rtlCol="0">
+              <a:spAutoFit/>
+            </a:bodyPr>
+            <a:lstStyle/>
+            <a:p>
+              <a:r>
+                <a:rPr lang="en-US" sz="1400" dirty="0"/>
+                <a:t>Remote Repository</a:t>
+              </a:r>
+              <a:endParaRPr lang="th-TH" sz="1400" dirty="0"/>
+            </a:p>
+          </p:txBody>
+        </p:sp>
+        <p:sp>
+          <p:nvSpPr>
+            <p:cNvPr id="30" name="Rectangle: Rounded Corners 29">
+              <a:extLst>
+                <a:ext uri="{FF2B5EF4-FFF2-40B4-BE49-F238E27FC236}">
+                  <a16:creationId xmlns:a16="http://schemas.microsoft.com/office/drawing/2014/main" id="{92592B09-004F-4019-95DA-EB2BB46A24A9}"/>
+                </a:ext>
+              </a:extLst>
+            </p:cNvPr>
+            <p:cNvSpPr/>
+            <p:nvPr/>
+          </p:nvSpPr>
+          <p:spPr>
+            <a:xfrm>
+              <a:off x="1282147" y="443948"/>
+              <a:ext cx="4589675" cy="2394340"/>
+            </a:xfrm>
+            <a:prstGeom prst="roundRect">
+              <a:avLst>
+                <a:gd name="adj" fmla="val 7119"/>
+              </a:avLst>
+            </a:prstGeom>
+            <a:solidFill>
+              <a:schemeClr val="bg1"/>
+            </a:solidFill>
+          </p:spPr>
+          <p:style>
+            <a:lnRef idx="1">
+              <a:schemeClr val="accent6"/>
+            </a:lnRef>
+            <a:fillRef idx="2">
+              <a:schemeClr val="accent6"/>
+            </a:fillRef>
+            <a:effectRef idx="1">
+              <a:schemeClr val="accent6"/>
+            </a:effectRef>
+            <a:fontRef idx="minor">
+              <a:schemeClr val="dk1"/>
+            </a:fontRef>
+          </p:style>
+          <p:txBody>
+            <a:bodyPr rtlCol="0" anchor="ctr"/>
+            <a:lstStyle/>
+            <a:p>
+              <a:pPr algn="ctr"/>
+              <a:endParaRPr lang="th-TH"/>
+            </a:p>
+          </p:txBody>
+        </p:sp>
+        <p:sp>
+          <p:nvSpPr>
+            <p:cNvPr id="31" name="TextBox 30">
+              <a:extLst>
+                <a:ext uri="{FF2B5EF4-FFF2-40B4-BE49-F238E27FC236}">
+                  <a16:creationId xmlns:a16="http://schemas.microsoft.com/office/drawing/2014/main" id="{2C1597CA-5F1B-46CD-A202-3F47361ABD18}"/>
+                </a:ext>
+              </a:extLst>
+            </p:cNvPr>
+            <p:cNvSpPr txBox="1"/>
+            <p:nvPr/>
+          </p:nvSpPr>
+          <p:spPr>
+            <a:xfrm>
+              <a:off x="4831410" y="443948"/>
+              <a:ext cx="731520" cy="307777"/>
+            </a:xfrm>
+            <a:prstGeom prst="rect">
+              <a:avLst/>
+            </a:prstGeom>
+            <a:noFill/>
+          </p:spPr>
+          <p:txBody>
+            <a:bodyPr wrap="square" rtlCol="0">
+              <a:spAutoFit/>
+            </a:bodyPr>
+            <a:lstStyle/>
+            <a:p>
+              <a:r>
+                <a:rPr lang="en-US" sz="1400" dirty="0"/>
+                <a:t>User A</a:t>
+              </a:r>
+              <a:endParaRPr lang="th-TH" sz="1400" dirty="0"/>
+            </a:p>
+          </p:txBody>
+        </p:sp>
+        <p:sp>
+          <p:nvSpPr>
+            <p:cNvPr id="34" name="Cylinder 33">
+              <a:extLst>
+                <a:ext uri="{FF2B5EF4-FFF2-40B4-BE49-F238E27FC236}">
+                  <a16:creationId xmlns:a16="http://schemas.microsoft.com/office/drawing/2014/main" id="{55642209-5471-4A4D-A087-3BDAC9867D65}"/>
+                </a:ext>
+              </a:extLst>
+            </p:cNvPr>
+            <p:cNvSpPr/>
+            <p:nvPr/>
+          </p:nvSpPr>
+          <p:spPr>
+            <a:xfrm>
+              <a:off x="5077226" y="1301084"/>
+              <a:ext cx="326954" cy="546641"/>
+            </a:xfrm>
+            <a:prstGeom prst="can">
+              <a:avLst/>
+            </a:prstGeom>
+          </p:spPr>
+          <p:style>
+            <a:lnRef idx="2">
+              <a:schemeClr val="accent1">
+                <a:shade val="50000"/>
+              </a:schemeClr>
+            </a:lnRef>
+            <a:fillRef idx="1">
+              <a:schemeClr val="accent1"/>
+            </a:fillRef>
+            <a:effectRef idx="0">
+              <a:schemeClr val="accent1"/>
+            </a:effectRef>
+            <a:fontRef idx="minor">
+              <a:schemeClr val="lt1"/>
+            </a:fontRef>
+          </p:style>
+          <p:txBody>
+            <a:bodyPr rtlCol="0" anchor="ctr"/>
+            <a:lstStyle/>
+            <a:p>
+              <a:pPr algn="ctr"/>
+              <a:endParaRPr lang="th-TH"/>
+            </a:p>
+          </p:txBody>
+        </p:sp>
+        <p:pic>
+          <p:nvPicPr>
+            <p:cNvPr id="44" name="Picture 2" descr="C:\Users\t-dantay\Documents\Placeholders\file.png">
+              <a:extLst>
+                <a:ext uri="{FF2B5EF4-FFF2-40B4-BE49-F238E27FC236}">
+                  <a16:creationId xmlns:a16="http://schemas.microsoft.com/office/drawing/2014/main" id="{C3F3B396-47D5-4758-B0B9-51D5D5C1A3B7}"/>
+                </a:ext>
+              </a:extLst>
+            </p:cNvPr>
+            <p:cNvPicPr>
+              <a:picLocks noChangeAspect="1" noChangeArrowheads="1"/>
+            </p:cNvPicPr>
+            <p:nvPr>
+              <p:custDataLst>
+                <p:custData r:id="rId1"/>
+              </p:custDataLst>
+            </p:nvPr>
+          </p:nvPicPr>
+          <p:blipFill>
+            <a:blip r:embed="rId6" cstate="print">
+              <a:extLst>
+                <a:ext uri="{28A0092B-C50C-407E-A947-70E740481C1C}">
+                  <a14:useLocalDpi xmlns:a14="http://schemas.microsoft.com/office/drawing/2010/main" val="0"/>
+                </a:ext>
+              </a:extLst>
+            </a:blip>
+            <a:srcRect/>
+            <a:stretch>
+              <a:fillRect/>
+            </a:stretch>
+          </p:blipFill>
+          <p:spPr bwMode="auto">
+            <a:xfrm>
+              <a:off x="1887305" y="1254007"/>
+              <a:ext cx="326954" cy="447006"/>
+            </a:xfrm>
+            <a:prstGeom prst="rect">
+              <a:avLst/>
+            </a:prstGeom>
+            <a:noFill/>
+            <a:extLst>
+              <a:ext uri="{909E8E84-426E-40DD-AFC4-6F175D3DCCD1}">
+                <a14:hiddenFill xmlns:a14="http://schemas.microsoft.com/office/drawing/2010/main">
+                  <a:solidFill>
+                    <a:srgbClr val="FFFFFF"/>
+                  </a:solidFill>
+                </a14:hiddenFill>
+              </a:ext>
+            </a:extLst>
+          </p:spPr>
+        </p:pic>
+        <p:sp>
+          <p:nvSpPr>
+            <p:cNvPr id="46" name="Rectangle: Rounded Corners 45">
+              <a:extLst>
+                <a:ext uri="{FF2B5EF4-FFF2-40B4-BE49-F238E27FC236}">
+                  <a16:creationId xmlns:a16="http://schemas.microsoft.com/office/drawing/2014/main" id="{C9669865-CE05-4ECE-A9EF-0B52165F9AD6}"/>
+                </a:ext>
+              </a:extLst>
+            </p:cNvPr>
+            <p:cNvSpPr/>
+            <p:nvPr/>
+          </p:nvSpPr>
+          <p:spPr>
+            <a:xfrm>
+              <a:off x="3414090" y="1063073"/>
+              <a:ext cx="909533" cy="1279137"/>
+            </a:xfrm>
+            <a:prstGeom prst="roundRect">
+              <a:avLst/>
+            </a:prstGeom>
+            <a:solidFill>
+              <a:schemeClr val="accent4">
+                <a:lumMod val="20000"/>
+                <a:lumOff val="80000"/>
+              </a:schemeClr>
+            </a:solidFill>
+          </p:spPr>
+          <p:style>
+            <a:lnRef idx="1">
+              <a:schemeClr val="accent4"/>
+            </a:lnRef>
+            <a:fillRef idx="2">
+              <a:schemeClr val="accent4"/>
+            </a:fillRef>
+            <a:effectRef idx="1">
+              <a:schemeClr val="accent4"/>
+            </a:effectRef>
+            <a:fontRef idx="minor">
+              <a:schemeClr val="dk1"/>
+            </a:fontRef>
+          </p:style>
+          <p:txBody>
+            <a:bodyPr rtlCol="0" anchor="ctr"/>
+            <a:lstStyle/>
+            <a:p>
+              <a:pPr algn="ctr"/>
+              <a:endParaRPr lang="th-TH"/>
+            </a:p>
+          </p:txBody>
+        </p:sp>
+        <p:sp>
+          <p:nvSpPr>
+            <p:cNvPr id="47" name="TextBox 46">
+              <a:extLst>
+                <a:ext uri="{FF2B5EF4-FFF2-40B4-BE49-F238E27FC236}">
+                  <a16:creationId xmlns:a16="http://schemas.microsoft.com/office/drawing/2014/main" id="{4D63F270-A374-4FCF-AE96-87BAEEEC1D23}"/>
+                </a:ext>
+              </a:extLst>
+            </p:cNvPr>
+            <p:cNvSpPr txBox="1"/>
+            <p:nvPr/>
+          </p:nvSpPr>
+          <p:spPr>
+            <a:xfrm>
+              <a:off x="1691698" y="1733890"/>
+              <a:ext cx="1204240" cy="338554"/>
+            </a:xfrm>
+            <a:prstGeom prst="rect">
+              <a:avLst/>
+            </a:prstGeom>
+            <a:noFill/>
+          </p:spPr>
+          <p:txBody>
+            <a:bodyPr wrap="none" rtlCol="0">
+              <a:spAutoFit/>
+            </a:bodyPr>
+            <a:lstStyle/>
+            <a:p>
+              <a:r>
+                <a:rPr lang="en-US" sz="1600" dirty="0"/>
+                <a:t>Source code</a:t>
+              </a:r>
+              <a:endParaRPr lang="th-TH" sz="1600" dirty="0"/>
+            </a:p>
+          </p:txBody>
+        </p:sp>
+        <p:sp>
+          <p:nvSpPr>
+            <p:cNvPr id="51" name="TextBox 50">
+              <a:extLst>
+                <a:ext uri="{FF2B5EF4-FFF2-40B4-BE49-F238E27FC236}">
+                  <a16:creationId xmlns:a16="http://schemas.microsoft.com/office/drawing/2014/main" id="{37832653-F8BB-4809-99F4-876A1403883E}"/>
+                </a:ext>
+              </a:extLst>
+            </p:cNvPr>
+            <p:cNvSpPr txBox="1"/>
+            <p:nvPr/>
+          </p:nvSpPr>
+          <p:spPr>
+            <a:xfrm>
+              <a:off x="3260202" y="696998"/>
+              <a:ext cx="1203791" cy="338554"/>
+            </a:xfrm>
+            <a:prstGeom prst="rect">
+              <a:avLst/>
+            </a:prstGeom>
+            <a:noFill/>
+          </p:spPr>
+          <p:txBody>
+            <a:bodyPr wrap="none" rtlCol="0">
+              <a:spAutoFit/>
+            </a:bodyPr>
+            <a:lstStyle/>
+            <a:p>
+              <a:r>
+                <a:rPr lang="en-US" sz="1600" dirty="0"/>
+                <a:t>Staging area</a:t>
+              </a:r>
+              <a:endParaRPr lang="th-TH" sz="1600" dirty="0"/>
+            </a:p>
+          </p:txBody>
+        </p:sp>
+        <p:pic>
+          <p:nvPicPr>
+            <p:cNvPr id="54" name="Picture 2" descr="C:\Users\t-dantay\Documents\Placeholders\file.png">
+              <a:extLst>
+                <a:ext uri="{FF2B5EF4-FFF2-40B4-BE49-F238E27FC236}">
+                  <a16:creationId xmlns:a16="http://schemas.microsoft.com/office/drawing/2014/main" id="{00FEF341-6969-4C6C-AF14-E0144BC107ED}"/>
+                </a:ext>
+              </a:extLst>
+            </p:cNvPr>
+            <p:cNvPicPr>
+              <a:picLocks noChangeAspect="1" noChangeArrowheads="1"/>
+            </p:cNvPicPr>
+            <p:nvPr>
+              <p:custDataLst>
+                <p:custData r:id="rId2"/>
+              </p:custDataLst>
+            </p:nvPr>
+          </p:nvPicPr>
+          <p:blipFill>
+            <a:blip r:embed="rId6" cstate="print">
+              <a:extLst>
+                <a:ext uri="{28A0092B-C50C-407E-A947-70E740481C1C}">
+                  <a14:useLocalDpi xmlns:a14="http://schemas.microsoft.com/office/drawing/2010/main" val="0"/>
+                </a:ext>
+              </a:extLst>
+            </a:blip>
+            <a:srcRect/>
+            <a:stretch>
+              <a:fillRect/>
+            </a:stretch>
+          </p:blipFill>
+          <p:spPr bwMode="auto">
+            <a:xfrm>
+              <a:off x="3716527" y="1254007"/>
+              <a:ext cx="326954" cy="447006"/>
+            </a:xfrm>
+            <a:prstGeom prst="rect">
+              <a:avLst/>
+            </a:prstGeom>
+            <a:noFill/>
+            <a:extLst>
+              <a:ext uri="{909E8E84-426E-40DD-AFC4-6F175D3DCCD1}">
+                <a14:hiddenFill xmlns:a14="http://schemas.microsoft.com/office/drawing/2010/main">
+                  <a:solidFill>
+                    <a:srgbClr val="FFFFFF"/>
+                  </a:solidFill>
+                </a14:hiddenFill>
+              </a:ext>
+            </a:extLst>
+          </p:spPr>
+        </p:pic>
+        <p:sp>
+          <p:nvSpPr>
+            <p:cNvPr id="66" name="TextBox 65">
+              <a:extLst>
+                <a:ext uri="{FF2B5EF4-FFF2-40B4-BE49-F238E27FC236}">
+                  <a16:creationId xmlns:a16="http://schemas.microsoft.com/office/drawing/2014/main" id="{B3C01F58-B82F-4663-AF4D-BB34CBC8AFDC}"/>
+                </a:ext>
+              </a:extLst>
+            </p:cNvPr>
+            <p:cNvSpPr txBox="1"/>
+            <p:nvPr/>
+          </p:nvSpPr>
+          <p:spPr>
+            <a:xfrm>
+              <a:off x="1282147" y="737491"/>
+              <a:ext cx="1703287" cy="338554"/>
+            </a:xfrm>
+            <a:prstGeom prst="rect">
+              <a:avLst/>
+            </a:prstGeom>
+            <a:noFill/>
+          </p:spPr>
+          <p:txBody>
+            <a:bodyPr wrap="none" rtlCol="0">
+              <a:spAutoFit/>
+            </a:bodyPr>
+            <a:lstStyle/>
+            <a:p>
+              <a:r>
+                <a:rPr lang="en-US" sz="1600" dirty="0"/>
+                <a:t>Working Directory</a:t>
+              </a:r>
+              <a:endParaRPr lang="th-TH" sz="1600" dirty="0"/>
+            </a:p>
+          </p:txBody>
+        </p:sp>
+        <p:sp>
+          <p:nvSpPr>
+            <p:cNvPr id="67" name="Rectangle: Rounded Corners 66">
+              <a:extLst>
+                <a:ext uri="{FF2B5EF4-FFF2-40B4-BE49-F238E27FC236}">
+                  <a16:creationId xmlns:a16="http://schemas.microsoft.com/office/drawing/2014/main" id="{0FBC046F-F496-422F-A3F8-20EF1B8AF148}"/>
+                </a:ext>
+              </a:extLst>
+            </p:cNvPr>
+            <p:cNvSpPr/>
+            <p:nvPr/>
+          </p:nvSpPr>
+          <p:spPr>
+            <a:xfrm>
+              <a:off x="1282147" y="3743408"/>
+              <a:ext cx="4589675" cy="2394340"/>
+            </a:xfrm>
+            <a:prstGeom prst="roundRect">
+              <a:avLst>
+                <a:gd name="adj" fmla="val 7119"/>
+              </a:avLst>
+            </a:prstGeom>
+            <a:solidFill>
+              <a:schemeClr val="accent5">
+                <a:lumMod val="20000"/>
+                <a:lumOff val="80000"/>
+              </a:schemeClr>
+            </a:solidFill>
+          </p:spPr>
+          <p:style>
+            <a:lnRef idx="1">
+              <a:schemeClr val="accent5"/>
+            </a:lnRef>
+            <a:fillRef idx="2">
+              <a:schemeClr val="accent5"/>
+            </a:fillRef>
+            <a:effectRef idx="1">
+              <a:schemeClr val="accent5"/>
+            </a:effectRef>
+            <a:fontRef idx="minor">
+              <a:schemeClr val="dk1"/>
+            </a:fontRef>
+          </p:style>
+          <p:txBody>
+            <a:bodyPr rtlCol="0" anchor="ctr"/>
+            <a:lstStyle/>
+            <a:p>
+              <a:pPr algn="ctr"/>
+              <a:endParaRPr lang="th-TH"/>
+            </a:p>
+          </p:txBody>
+        </p:sp>
+        <p:sp>
+          <p:nvSpPr>
+            <p:cNvPr id="68" name="TextBox 67">
+              <a:extLst>
+                <a:ext uri="{FF2B5EF4-FFF2-40B4-BE49-F238E27FC236}">
+                  <a16:creationId xmlns:a16="http://schemas.microsoft.com/office/drawing/2014/main" id="{9718B331-2D4E-4D9D-895B-3537FCE51FB3}"/>
+                </a:ext>
+              </a:extLst>
+            </p:cNvPr>
+            <p:cNvSpPr txBox="1"/>
+            <p:nvPr/>
+          </p:nvSpPr>
+          <p:spPr>
+            <a:xfrm>
+              <a:off x="4831410" y="3743408"/>
+              <a:ext cx="731520" cy="307777"/>
+            </a:xfrm>
+            <a:prstGeom prst="rect">
+              <a:avLst/>
+            </a:prstGeom>
+            <a:noFill/>
+          </p:spPr>
+          <p:txBody>
+            <a:bodyPr wrap="square" rtlCol="0">
+              <a:spAutoFit/>
+            </a:bodyPr>
+            <a:lstStyle/>
+            <a:p>
+              <a:r>
+                <a:rPr lang="en-US" sz="1400" dirty="0"/>
+                <a:t>User B</a:t>
+              </a:r>
+              <a:endParaRPr lang="th-TH" sz="1400" dirty="0"/>
+            </a:p>
+          </p:txBody>
+        </p:sp>
+        <p:sp>
+          <p:nvSpPr>
+            <p:cNvPr id="69" name="Cylinder 68">
+              <a:extLst>
+                <a:ext uri="{FF2B5EF4-FFF2-40B4-BE49-F238E27FC236}">
+                  <a16:creationId xmlns:a16="http://schemas.microsoft.com/office/drawing/2014/main" id="{208832FA-C597-4346-896F-194250C6E4CC}"/>
+                </a:ext>
+              </a:extLst>
+            </p:cNvPr>
+            <p:cNvSpPr/>
+            <p:nvPr/>
+          </p:nvSpPr>
+          <p:spPr>
+            <a:xfrm>
+              <a:off x="5077226" y="4507907"/>
+              <a:ext cx="326954" cy="546641"/>
+            </a:xfrm>
+            <a:prstGeom prst="can">
+              <a:avLst/>
+            </a:prstGeom>
+          </p:spPr>
+          <p:style>
+            <a:lnRef idx="2">
+              <a:schemeClr val="accent1">
+                <a:shade val="50000"/>
+              </a:schemeClr>
+            </a:lnRef>
+            <a:fillRef idx="1">
+              <a:schemeClr val="accent1"/>
+            </a:fillRef>
+            <a:effectRef idx="0">
+              <a:schemeClr val="accent1"/>
+            </a:effectRef>
+            <a:fontRef idx="minor">
+              <a:schemeClr val="lt1"/>
+            </a:fontRef>
+          </p:style>
+          <p:txBody>
+            <a:bodyPr rtlCol="0" anchor="ctr"/>
+            <a:lstStyle/>
+            <a:p>
+              <a:pPr algn="ctr"/>
+              <a:endParaRPr lang="th-TH"/>
+            </a:p>
+          </p:txBody>
+        </p:sp>
+        <p:pic>
+          <p:nvPicPr>
+            <p:cNvPr id="70" name="Picture 2" descr="C:\Users\t-dantay\Documents\Placeholders\file.png">
+              <a:extLst>
+                <a:ext uri="{FF2B5EF4-FFF2-40B4-BE49-F238E27FC236}">
+                  <a16:creationId xmlns:a16="http://schemas.microsoft.com/office/drawing/2014/main" id="{289947E4-9815-42C6-994A-1007E2AE5A6B}"/>
+                </a:ext>
+              </a:extLst>
+            </p:cNvPr>
+            <p:cNvPicPr>
+              <a:picLocks noChangeAspect="1" noChangeArrowheads="1"/>
+            </p:cNvPicPr>
+            <p:nvPr>
+              <p:custDataLst>
+                <p:custData r:id="rId3"/>
+              </p:custDataLst>
+            </p:nvPr>
+          </p:nvPicPr>
+          <p:blipFill>
+            <a:blip r:embed="rId6" cstate="print">
+              <a:extLst>
+                <a:ext uri="{28A0092B-C50C-407E-A947-70E740481C1C}">
+                  <a14:useLocalDpi xmlns:a14="http://schemas.microsoft.com/office/drawing/2010/main" val="0"/>
+                </a:ext>
+              </a:extLst>
+            </a:blip>
+            <a:srcRect/>
+            <a:stretch>
+              <a:fillRect/>
+            </a:stretch>
+          </p:blipFill>
+          <p:spPr bwMode="auto">
+            <a:xfrm>
+              <a:off x="1887305" y="4553467"/>
+              <a:ext cx="326954" cy="447006"/>
+            </a:xfrm>
+            <a:prstGeom prst="rect">
+              <a:avLst/>
+            </a:prstGeom>
+            <a:noFill/>
+            <a:extLst>
+              <a:ext uri="{909E8E84-426E-40DD-AFC4-6F175D3DCCD1}">
+                <a14:hiddenFill xmlns:a14="http://schemas.microsoft.com/office/drawing/2010/main">
+                  <a:solidFill>
+                    <a:srgbClr val="FFFFFF"/>
+                  </a:solidFill>
+                </a14:hiddenFill>
+              </a:ext>
+            </a:extLst>
+          </p:spPr>
+        </p:pic>
+        <p:sp>
+          <p:nvSpPr>
+            <p:cNvPr id="71" name="Rectangle: Rounded Corners 70">
+              <a:extLst>
+                <a:ext uri="{FF2B5EF4-FFF2-40B4-BE49-F238E27FC236}">
+                  <a16:creationId xmlns:a16="http://schemas.microsoft.com/office/drawing/2014/main" id="{06127740-16F6-49AB-8413-CD84B69184C3}"/>
+                </a:ext>
+              </a:extLst>
+            </p:cNvPr>
+            <p:cNvSpPr/>
+            <p:nvPr/>
+          </p:nvSpPr>
+          <p:spPr>
+            <a:xfrm>
+              <a:off x="3414090" y="4362533"/>
+              <a:ext cx="909533" cy="1279137"/>
+            </a:xfrm>
+            <a:prstGeom prst="roundRect">
+              <a:avLst/>
+            </a:prstGeom>
+            <a:solidFill>
+              <a:schemeClr val="accent4">
+                <a:lumMod val="20000"/>
+                <a:lumOff val="80000"/>
+              </a:schemeClr>
+            </a:solidFill>
+          </p:spPr>
+          <p:style>
+            <a:lnRef idx="1">
+              <a:schemeClr val="accent4"/>
+            </a:lnRef>
+            <a:fillRef idx="2">
+              <a:schemeClr val="accent4"/>
+            </a:fillRef>
+            <a:effectRef idx="1">
+              <a:schemeClr val="accent4"/>
+            </a:effectRef>
+            <a:fontRef idx="minor">
+              <a:schemeClr val="dk1"/>
+            </a:fontRef>
+          </p:style>
+          <p:txBody>
+            <a:bodyPr rtlCol="0" anchor="ctr"/>
+            <a:lstStyle/>
+            <a:p>
+              <a:pPr algn="ctr"/>
+              <a:endParaRPr lang="th-TH"/>
+            </a:p>
+          </p:txBody>
+        </p:sp>
+        <p:sp>
+          <p:nvSpPr>
+            <p:cNvPr id="72" name="TextBox 71">
+              <a:extLst>
+                <a:ext uri="{FF2B5EF4-FFF2-40B4-BE49-F238E27FC236}">
+                  <a16:creationId xmlns:a16="http://schemas.microsoft.com/office/drawing/2014/main" id="{62A1F116-7A0D-4FB7-BEAD-494224E97903}"/>
+                </a:ext>
+              </a:extLst>
+            </p:cNvPr>
+            <p:cNvSpPr txBox="1"/>
+            <p:nvPr/>
+          </p:nvSpPr>
+          <p:spPr>
+            <a:xfrm>
+              <a:off x="1691698" y="5033350"/>
+              <a:ext cx="1204240" cy="338554"/>
+            </a:xfrm>
+            <a:prstGeom prst="rect">
+              <a:avLst/>
+            </a:prstGeom>
+            <a:noFill/>
+          </p:spPr>
+          <p:txBody>
+            <a:bodyPr wrap="none" rtlCol="0">
+              <a:spAutoFit/>
+            </a:bodyPr>
+            <a:lstStyle/>
+            <a:p>
+              <a:r>
+                <a:rPr lang="en-US" sz="1600" dirty="0"/>
+                <a:t>Source code</a:t>
+              </a:r>
+              <a:endParaRPr lang="th-TH" sz="1600" dirty="0"/>
+            </a:p>
+          </p:txBody>
+        </p:sp>
+        <p:sp>
+          <p:nvSpPr>
+            <p:cNvPr id="73" name="TextBox 72">
+              <a:extLst>
+                <a:ext uri="{FF2B5EF4-FFF2-40B4-BE49-F238E27FC236}">
+                  <a16:creationId xmlns:a16="http://schemas.microsoft.com/office/drawing/2014/main" id="{CFE5409D-BF19-40BB-8E96-01C59DA761B5}"/>
+                </a:ext>
+              </a:extLst>
+            </p:cNvPr>
+            <p:cNvSpPr txBox="1"/>
+            <p:nvPr/>
+          </p:nvSpPr>
+          <p:spPr>
+            <a:xfrm>
+              <a:off x="3260202" y="3996458"/>
+              <a:ext cx="1203791" cy="338554"/>
+            </a:xfrm>
+            <a:prstGeom prst="rect">
+              <a:avLst/>
+            </a:prstGeom>
+            <a:noFill/>
+          </p:spPr>
+          <p:txBody>
+            <a:bodyPr wrap="none" rtlCol="0">
+              <a:spAutoFit/>
+            </a:bodyPr>
+            <a:lstStyle/>
+            <a:p>
+              <a:r>
+                <a:rPr lang="en-US" sz="1600" dirty="0"/>
+                <a:t>Staging area</a:t>
+              </a:r>
+              <a:endParaRPr lang="th-TH" sz="1600" dirty="0"/>
+            </a:p>
+          </p:txBody>
+        </p:sp>
+        <p:cxnSp>
+          <p:nvCxnSpPr>
+            <p:cNvPr id="74" name="Straight Arrow Connector 73">
+              <a:extLst>
+                <a:ext uri="{FF2B5EF4-FFF2-40B4-BE49-F238E27FC236}">
+                  <a16:creationId xmlns:a16="http://schemas.microsoft.com/office/drawing/2014/main" id="{0035E77F-5641-484D-B671-BE0DAE27B3B1}"/>
+                </a:ext>
+              </a:extLst>
+            </p:cNvPr>
+            <p:cNvCxnSpPr>
+              <a:cxnSpLocks/>
+              <a:stCxn id="75" idx="1"/>
+              <a:endCxn id="70" idx="3"/>
+            </p:cNvCxnSpPr>
+            <p:nvPr/>
+          </p:nvCxnSpPr>
+          <p:spPr>
+            <a:xfrm flipH="1">
+              <a:off x="2214259" y="4776970"/>
+              <a:ext cx="1502268" cy="0"/>
+            </a:xfrm>
+            <a:prstGeom prst="straightConnector1">
+              <a:avLst/>
+            </a:prstGeom>
+            <a:ln w="38100">
+              <a:solidFill>
+                <a:schemeClr val="accent2"/>
+              </a:solidFill>
+              <a:tailEnd type="triangle"/>
+            </a:ln>
+          </p:spPr>
+          <p:style>
+            <a:lnRef idx="1">
+              <a:schemeClr val="accent1"/>
+            </a:lnRef>
+            <a:fillRef idx="0">
+              <a:schemeClr val="accent1"/>
+            </a:fillRef>
+            <a:effectRef idx="0">
+              <a:schemeClr val="accent1"/>
+            </a:effectRef>
+            <a:fontRef idx="minor">
+              <a:schemeClr val="tx1"/>
+            </a:fontRef>
+          </p:style>
+        </p:cxnSp>
+        <p:pic>
+          <p:nvPicPr>
+            <p:cNvPr id="75" name="Picture 2" descr="C:\Users\t-dantay\Documents\Placeholders\file.png">
+              <a:extLst>
+                <a:ext uri="{FF2B5EF4-FFF2-40B4-BE49-F238E27FC236}">
+                  <a16:creationId xmlns:a16="http://schemas.microsoft.com/office/drawing/2014/main" id="{60813462-C2D5-4EC9-B63E-46617100625C}"/>
+                </a:ext>
+              </a:extLst>
+            </p:cNvPr>
+            <p:cNvPicPr>
+              <a:picLocks noChangeAspect="1" noChangeArrowheads="1"/>
+            </p:cNvPicPr>
+            <p:nvPr>
+              <p:custDataLst>
+                <p:custData r:id="rId4"/>
+              </p:custDataLst>
+            </p:nvPr>
+          </p:nvPicPr>
+          <p:blipFill>
+            <a:blip r:embed="rId6" cstate="print">
+              <a:extLst>
+                <a:ext uri="{28A0092B-C50C-407E-A947-70E740481C1C}">
+                  <a14:useLocalDpi xmlns:a14="http://schemas.microsoft.com/office/drawing/2010/main" val="0"/>
+                </a:ext>
+              </a:extLst>
+            </a:blip>
+            <a:srcRect/>
+            <a:stretch>
+              <a:fillRect/>
+            </a:stretch>
+          </p:blipFill>
+          <p:spPr bwMode="auto">
+            <a:xfrm>
+              <a:off x="3716527" y="4553467"/>
+              <a:ext cx="326954" cy="447006"/>
+            </a:xfrm>
+            <a:prstGeom prst="rect">
+              <a:avLst/>
+            </a:prstGeom>
+            <a:noFill/>
+            <a:extLst>
+              <a:ext uri="{909E8E84-426E-40DD-AFC4-6F175D3DCCD1}">
+                <a14:hiddenFill xmlns:a14="http://schemas.microsoft.com/office/drawing/2010/main">
+                  <a:solidFill>
+                    <a:srgbClr val="FFFFFF"/>
+                  </a:solidFill>
+                </a14:hiddenFill>
+              </a:ext>
+            </a:extLst>
+          </p:spPr>
+        </p:pic>
+        <p:cxnSp>
+          <p:nvCxnSpPr>
+            <p:cNvPr id="76" name="Straight Arrow Connector 75">
+              <a:extLst>
+                <a:ext uri="{FF2B5EF4-FFF2-40B4-BE49-F238E27FC236}">
+                  <a16:creationId xmlns:a16="http://schemas.microsoft.com/office/drawing/2014/main" id="{E8E81044-8908-4802-9E99-9A42937D62D6}"/>
+                </a:ext>
+              </a:extLst>
+            </p:cNvPr>
+            <p:cNvCxnSpPr>
+              <a:cxnSpLocks/>
+            </p:cNvCxnSpPr>
+            <p:nvPr/>
+          </p:nvCxnSpPr>
+          <p:spPr>
+            <a:xfrm flipH="1">
+              <a:off x="4043482" y="4776971"/>
+              <a:ext cx="1009737" cy="0"/>
+            </a:xfrm>
+            <a:prstGeom prst="straightConnector1">
+              <a:avLst/>
+            </a:prstGeom>
+            <a:ln w="38100">
+              <a:solidFill>
+                <a:schemeClr val="accent2"/>
+              </a:solidFill>
+              <a:tailEnd type="triangle"/>
+            </a:ln>
+          </p:spPr>
+          <p:style>
+            <a:lnRef idx="1">
+              <a:schemeClr val="accent1"/>
+            </a:lnRef>
+            <a:fillRef idx="0">
+              <a:schemeClr val="accent1"/>
+            </a:fillRef>
+            <a:effectRef idx="0">
+              <a:schemeClr val="accent1"/>
+            </a:effectRef>
+            <a:fontRef idx="minor">
+              <a:schemeClr val="tx1"/>
+            </a:fontRef>
+          </p:style>
+        </p:cxnSp>
+        <p:sp>
+          <p:nvSpPr>
+            <p:cNvPr id="79" name="TextBox 78">
+              <a:extLst>
+                <a:ext uri="{FF2B5EF4-FFF2-40B4-BE49-F238E27FC236}">
+                  <a16:creationId xmlns:a16="http://schemas.microsoft.com/office/drawing/2014/main" id="{FB6DEB9D-053D-47C0-9D0D-264F1525EDC4}"/>
+                </a:ext>
+              </a:extLst>
+            </p:cNvPr>
+            <p:cNvSpPr txBox="1"/>
+            <p:nvPr/>
+          </p:nvSpPr>
+          <p:spPr>
+            <a:xfrm>
+              <a:off x="1282147" y="4036951"/>
+              <a:ext cx="1703287" cy="338554"/>
+            </a:xfrm>
+            <a:prstGeom prst="rect">
+              <a:avLst/>
+            </a:prstGeom>
+            <a:noFill/>
+          </p:spPr>
+          <p:txBody>
+            <a:bodyPr wrap="none" rtlCol="0">
+              <a:spAutoFit/>
+            </a:bodyPr>
+            <a:lstStyle/>
+            <a:p>
+              <a:r>
+                <a:rPr lang="en-US" sz="1600" dirty="0"/>
+                <a:t>Working Directory</a:t>
+              </a:r>
+              <a:endParaRPr lang="th-TH" sz="1600" dirty="0"/>
+            </a:p>
+          </p:txBody>
+        </p:sp>
+        <p:cxnSp>
+          <p:nvCxnSpPr>
+            <p:cNvPr id="22" name="Straight Arrow Connector 21">
+              <a:extLst>
+                <a:ext uri="{FF2B5EF4-FFF2-40B4-BE49-F238E27FC236}">
+                  <a16:creationId xmlns:a16="http://schemas.microsoft.com/office/drawing/2014/main" id="{B2F753E6-E0A2-4545-9A45-8C014ACB81D8}"/>
+                </a:ext>
+              </a:extLst>
+            </p:cNvPr>
+            <p:cNvCxnSpPr>
+              <a:cxnSpLocks/>
+            </p:cNvCxnSpPr>
+            <p:nvPr/>
+          </p:nvCxnSpPr>
+          <p:spPr>
+            <a:xfrm flipH="1">
+              <a:off x="5428187" y="2923046"/>
+              <a:ext cx="3224935" cy="1853924"/>
+            </a:xfrm>
+            <a:prstGeom prst="straightConnector1">
+              <a:avLst/>
+            </a:prstGeom>
+            <a:ln w="28575">
+              <a:solidFill>
+                <a:schemeClr val="accent2"/>
+              </a:solidFill>
+              <a:tailEnd type="triangle"/>
+            </a:ln>
+          </p:spPr>
+          <p:style>
+            <a:lnRef idx="1">
+              <a:schemeClr val="accent1"/>
+            </a:lnRef>
+            <a:fillRef idx="0">
+              <a:schemeClr val="accent1"/>
+            </a:fillRef>
+            <a:effectRef idx="0">
+              <a:schemeClr val="accent1"/>
+            </a:effectRef>
+            <a:fontRef idx="minor">
+              <a:schemeClr val="tx1"/>
+            </a:fontRef>
+          </p:style>
+        </p:cxnSp>
+        <p:sp>
+          <p:nvSpPr>
+            <p:cNvPr id="81" name="TextBox 80">
+              <a:extLst>
+                <a:ext uri="{FF2B5EF4-FFF2-40B4-BE49-F238E27FC236}">
+                  <a16:creationId xmlns:a16="http://schemas.microsoft.com/office/drawing/2014/main" id="{5449AF6B-8B42-47A8-8676-02937C6D9025}"/>
+                </a:ext>
+              </a:extLst>
+            </p:cNvPr>
+            <p:cNvSpPr txBox="1"/>
+            <p:nvPr/>
+          </p:nvSpPr>
+          <p:spPr>
+            <a:xfrm>
+              <a:off x="4792293" y="1908272"/>
+              <a:ext cx="1004919" cy="738664"/>
+            </a:xfrm>
+            <a:prstGeom prst="rect">
+              <a:avLst/>
+            </a:prstGeom>
+            <a:noFill/>
+          </p:spPr>
+          <p:txBody>
+            <a:bodyPr wrap="square" rtlCol="0">
+              <a:spAutoFit/>
+            </a:bodyPr>
+            <a:lstStyle/>
+            <a:p>
+              <a:pPr algn="ctr"/>
+              <a:r>
+                <a:rPr lang="en-US" sz="1400" dirty="0"/>
+                <a:t>Local</a:t>
+              </a:r>
+            </a:p>
+            <a:p>
+              <a:pPr algn="ctr"/>
+              <a:r>
+                <a:rPr lang="en-US" sz="1400" dirty="0"/>
+                <a:t>Repository</a:t>
+              </a:r>
+            </a:p>
+            <a:p>
+              <a:pPr algn="ctr"/>
+              <a:r>
+                <a:rPr lang="en-US" sz="1400" dirty="0"/>
+                <a:t>A</a:t>
+              </a:r>
+              <a:endParaRPr lang="th-TH" sz="1400" dirty="0"/>
+            </a:p>
+          </p:txBody>
+        </p:sp>
+        <p:sp>
+          <p:nvSpPr>
+            <p:cNvPr id="82" name="TextBox 81">
+              <a:extLst>
+                <a:ext uri="{FF2B5EF4-FFF2-40B4-BE49-F238E27FC236}">
+                  <a16:creationId xmlns:a16="http://schemas.microsoft.com/office/drawing/2014/main" id="{CAA419B4-D008-4698-9A43-1BA531DBDF0A}"/>
+                </a:ext>
+              </a:extLst>
+            </p:cNvPr>
+            <p:cNvSpPr txBox="1"/>
+            <p:nvPr/>
+          </p:nvSpPr>
+          <p:spPr>
+            <a:xfrm>
+              <a:off x="4792293" y="5191408"/>
+              <a:ext cx="1004919" cy="738664"/>
+            </a:xfrm>
+            <a:prstGeom prst="rect">
+              <a:avLst/>
+            </a:prstGeom>
+            <a:noFill/>
+          </p:spPr>
+          <p:txBody>
+            <a:bodyPr wrap="square" rtlCol="0">
+              <a:spAutoFit/>
+            </a:bodyPr>
+            <a:lstStyle/>
+            <a:p>
+              <a:pPr algn="ctr"/>
+              <a:r>
+                <a:rPr lang="en-US" sz="1400" dirty="0"/>
+                <a:t>Local</a:t>
+              </a:r>
+            </a:p>
+            <a:p>
+              <a:pPr algn="ctr"/>
+              <a:r>
+                <a:rPr lang="en-US" sz="1400" dirty="0"/>
+                <a:t>Repository</a:t>
+              </a:r>
+            </a:p>
+            <a:p>
+              <a:pPr algn="ctr"/>
+              <a:r>
+                <a:rPr lang="en-US" sz="1400" dirty="0"/>
+                <a:t>B</a:t>
+              </a:r>
+              <a:endParaRPr lang="th-TH" sz="1400" dirty="0"/>
+            </a:p>
+          </p:txBody>
+        </p:sp>
+        <p:sp>
+          <p:nvSpPr>
+            <p:cNvPr id="85" name="TextBox 84">
+              <a:extLst>
+                <a:ext uri="{FF2B5EF4-FFF2-40B4-BE49-F238E27FC236}">
+                  <a16:creationId xmlns:a16="http://schemas.microsoft.com/office/drawing/2014/main" id="{818192F6-0E27-4ECB-BE50-52F134E9CCCC}"/>
+                </a:ext>
+              </a:extLst>
+            </p:cNvPr>
+            <p:cNvSpPr txBox="1"/>
+            <p:nvPr/>
+          </p:nvSpPr>
+          <p:spPr>
+            <a:xfrm rot="19615381">
+              <a:off x="6741833" y="3847564"/>
+              <a:ext cx="1113396" cy="307777"/>
+            </a:xfrm>
+            <a:prstGeom prst="rect">
+              <a:avLst/>
+            </a:prstGeom>
+            <a:noFill/>
+          </p:spPr>
+          <p:txBody>
+            <a:bodyPr wrap="square" rtlCol="0">
+              <a:spAutoFit/>
+            </a:bodyPr>
+            <a:lstStyle/>
+            <a:p>
+              <a:r>
+                <a:rPr lang="en-US" sz="1400" dirty="0">
+                  <a:solidFill>
+                    <a:srgbClr val="C00000"/>
+                  </a:solidFill>
+                </a:rPr>
+                <a:t>fetch,  pull</a:t>
+              </a:r>
+              <a:endParaRPr lang="th-TH" sz="1400" dirty="0">
+                <a:solidFill>
+                  <a:srgbClr val="C00000"/>
+                </a:solidFill>
+              </a:endParaRPr>
+            </a:p>
+          </p:txBody>
+        </p:sp>
+      </p:grpSp>
+    </p:spTree>
+    <p:extLst>
+      <p:ext uri="{BB962C8B-B14F-4D97-AF65-F5344CB8AC3E}">
+        <p14:creationId xmlns:p14="http://schemas.microsoft.com/office/powerpoint/2010/main" val="2608217110"/>
+      </p:ext>
+    </p:extLst>
+  </p:cSld>
+  <p:clrMapOvr>
+    <a:masterClrMapping/>
+  </p:clrMapOvr>
+</p:sld>
+</file>
+
+<file path=ppt/slides/slide6.xml><?xml version="1.0" encoding="utf-8"?>
+<p:sld xmlns:a="http://schemas.openxmlformats.org/drawingml/2006/main" xmlns:r="http://schemas.openxmlformats.org/officeDocument/2006/relationships" xmlns:p="http://schemas.openxmlformats.org/presentationml/2006/main">
+  <p:cSld>
+    <p:spTree>
+      <p:nvGrpSpPr>
+        <p:cNvPr id="1" name=""/>
+        <p:cNvGrpSpPr/>
+        <p:nvPr/>
+      </p:nvGrpSpPr>
+      <p:grpSpPr>
+        <a:xfrm>
+          <a:off x="0" y="0"/>
+          <a:ext cx="0" cy="0"/>
+          <a:chOff x="0" y="0"/>
+          <a:chExt cx="0" cy="0"/>
+        </a:xfrm>
+      </p:grpSpPr>
+      <p:grpSp>
+        <p:nvGrpSpPr>
+          <p:cNvPr id="7" name="Group 6">
+            <a:extLst>
+              <a:ext uri="{FF2B5EF4-FFF2-40B4-BE49-F238E27FC236}">
+                <a16:creationId xmlns:a16="http://schemas.microsoft.com/office/drawing/2014/main" id="{B1C02DD0-6500-4C33-BB1B-5E24BFFA3CE0}"/>
+              </a:ext>
+            </a:extLst>
+          </p:cNvPr>
+          <p:cNvGrpSpPr/>
+          <p:nvPr/>
+        </p:nvGrpSpPr>
+        <p:grpSpPr>
+          <a:xfrm>
+            <a:off x="4171406" y="2190202"/>
+            <a:ext cx="2438400" cy="2081349"/>
+            <a:chOff x="4389121" y="2547254"/>
+            <a:chExt cx="2438400" cy="2081349"/>
+          </a:xfrm>
+        </p:grpSpPr>
+        <p:sp>
+          <p:nvSpPr>
+            <p:cNvPr id="3" name="Cloud 2">
+              <a:extLst>
+                <a:ext uri="{FF2B5EF4-FFF2-40B4-BE49-F238E27FC236}">
+                  <a16:creationId xmlns:a16="http://schemas.microsoft.com/office/drawing/2014/main" id="{59DBF132-D7F6-41D0-AE3B-5E30D2E29836}"/>
+                </a:ext>
+              </a:extLst>
+            </p:cNvPr>
+            <p:cNvSpPr/>
+            <p:nvPr/>
+          </p:nvSpPr>
+          <p:spPr>
+            <a:xfrm>
+              <a:off x="4389121" y="2547254"/>
+              <a:ext cx="2438400" cy="2081349"/>
+            </a:xfrm>
+            <a:prstGeom prst="cloud">
+              <a:avLst/>
+            </a:prstGeom>
+            <a:solidFill>
+              <a:schemeClr val="bg1">
+                <a:lumMod val="95000"/>
+              </a:schemeClr>
+            </a:solidFill>
+          </p:spPr>
+          <p:style>
+            <a:lnRef idx="2">
+              <a:schemeClr val="accent1">
+                <a:shade val="50000"/>
+              </a:schemeClr>
+            </a:lnRef>
+            <a:fillRef idx="1">
+              <a:schemeClr val="accent1"/>
+            </a:fillRef>
+            <a:effectRef idx="0">
+              <a:schemeClr val="accent1"/>
+            </a:effectRef>
+            <a:fontRef idx="minor">
+              <a:schemeClr val="lt1"/>
+            </a:fontRef>
+          </p:style>
+          <p:txBody>
+            <a:bodyPr rtlCol="0" anchor="ctr"/>
+            <a:lstStyle/>
+            <a:p>
+              <a:pPr algn="ctr"/>
+              <a:r>
+                <a:rPr lang="en-US" dirty="0">
+                  <a:solidFill>
+                    <a:srgbClr val="002060"/>
+                  </a:solidFill>
+                </a:rPr>
+                <a:t>Origin Repository</a:t>
+              </a:r>
+            </a:p>
+            <a:p>
+              <a:pPr algn="ctr"/>
+              <a:endParaRPr lang="en-US" dirty="0">
+                <a:solidFill>
+                  <a:srgbClr val="002060"/>
+                </a:solidFill>
+              </a:endParaRPr>
+            </a:p>
+            <a:p>
+              <a:pPr algn="ctr"/>
+              <a:endParaRPr lang="en-US" dirty="0">
+                <a:solidFill>
+                  <a:srgbClr val="002060"/>
+                </a:solidFill>
+              </a:endParaRPr>
+            </a:p>
+          </p:txBody>
+        </p:sp>
+        <p:sp>
+          <p:nvSpPr>
+            <p:cNvPr id="6" name="Flowchart: Magnetic Disk 5">
+              <a:extLst>
+                <a:ext uri="{FF2B5EF4-FFF2-40B4-BE49-F238E27FC236}">
+                  <a16:creationId xmlns:a16="http://schemas.microsoft.com/office/drawing/2014/main" id="{B4E8C3AB-7A65-4D4E-8AEF-183154BD804D}"/>
+                </a:ext>
+              </a:extLst>
+            </p:cNvPr>
+            <p:cNvSpPr/>
+            <p:nvPr/>
+          </p:nvSpPr>
+          <p:spPr>
+            <a:xfrm>
+              <a:off x="5366819" y="3677244"/>
+              <a:ext cx="414844" cy="579120"/>
+            </a:xfrm>
+            <a:prstGeom prst="flowChartMagneticDisk">
+              <a:avLst/>
+            </a:prstGeom>
+          </p:spPr>
+          <p:style>
+            <a:lnRef idx="2">
+              <a:schemeClr val="accent1">
+                <a:shade val="50000"/>
+              </a:schemeClr>
+            </a:lnRef>
+            <a:fillRef idx="1">
+              <a:schemeClr val="accent1"/>
+            </a:fillRef>
+            <a:effectRef idx="0">
+              <a:schemeClr val="accent1"/>
+            </a:effectRef>
+            <a:fontRef idx="minor">
+              <a:schemeClr val="lt1"/>
+            </a:fontRef>
+          </p:style>
+          <p:txBody>
+            <a:bodyPr rtlCol="0" anchor="ctr"/>
+            <a:lstStyle/>
+            <a:p>
+              <a:pPr algn="ctr"/>
+              <a:endParaRPr lang="en-US"/>
+            </a:p>
+          </p:txBody>
+        </p:sp>
+      </p:grpSp>
+      <p:grpSp>
+        <p:nvGrpSpPr>
+          <p:cNvPr id="9" name="Group 8">
+            <a:extLst>
+              <a:ext uri="{FF2B5EF4-FFF2-40B4-BE49-F238E27FC236}">
+                <a16:creationId xmlns:a16="http://schemas.microsoft.com/office/drawing/2014/main" id="{0D4499F2-F2E3-4DC9-A2B0-34828286C0AF}"/>
+              </a:ext>
+            </a:extLst>
+          </p:cNvPr>
+          <p:cNvGrpSpPr/>
+          <p:nvPr/>
+        </p:nvGrpSpPr>
+        <p:grpSpPr>
+          <a:xfrm>
+            <a:off x="8473440" y="269964"/>
+            <a:ext cx="2438400" cy="2081349"/>
+            <a:chOff x="8473440" y="269964"/>
+            <a:chExt cx="2438400" cy="2081349"/>
+          </a:xfrm>
+        </p:grpSpPr>
+        <p:sp>
+          <p:nvSpPr>
+            <p:cNvPr id="32" name="Cloud 31">
+              <a:extLst>
+                <a:ext uri="{FF2B5EF4-FFF2-40B4-BE49-F238E27FC236}">
+                  <a16:creationId xmlns:a16="http://schemas.microsoft.com/office/drawing/2014/main" id="{69D88FCC-D757-4F5D-B938-68895C48C111}"/>
+                </a:ext>
+              </a:extLst>
+            </p:cNvPr>
+            <p:cNvSpPr/>
+            <p:nvPr/>
+          </p:nvSpPr>
+          <p:spPr>
+            <a:xfrm>
+              <a:off x="8473440" y="269964"/>
+              <a:ext cx="2438400" cy="2081349"/>
+            </a:xfrm>
+            <a:prstGeom prst="cloud">
+              <a:avLst/>
+            </a:prstGeom>
+            <a:solidFill>
+              <a:schemeClr val="bg1">
+                <a:lumMod val="95000"/>
+              </a:schemeClr>
+            </a:solidFill>
+          </p:spPr>
+          <p:style>
+            <a:lnRef idx="2">
+              <a:schemeClr val="accent1">
+                <a:shade val="50000"/>
+              </a:schemeClr>
+            </a:lnRef>
+            <a:fillRef idx="1">
+              <a:schemeClr val="accent1"/>
+            </a:fillRef>
+            <a:effectRef idx="0">
+              <a:schemeClr val="accent1"/>
+            </a:effectRef>
+            <a:fontRef idx="minor">
+              <a:schemeClr val="lt1"/>
+            </a:fontRef>
+          </p:style>
+          <p:txBody>
+            <a:bodyPr rtlCol="0" anchor="ctr"/>
+            <a:lstStyle/>
+            <a:p>
+              <a:pPr algn="ctr"/>
+              <a:r>
+                <a:rPr lang="en-US" dirty="0">
+                  <a:solidFill>
+                    <a:srgbClr val="002060"/>
+                  </a:solidFill>
+                </a:rPr>
+                <a:t>Upstream</a:t>
+              </a:r>
+            </a:p>
+            <a:p>
+              <a:pPr algn="ctr"/>
+              <a:r>
+                <a:rPr lang="en-US" dirty="0">
+                  <a:solidFill>
+                    <a:srgbClr val="002060"/>
+                  </a:solidFill>
+                </a:rPr>
+                <a:t>Repository</a:t>
+              </a:r>
+            </a:p>
+            <a:p>
+              <a:pPr algn="ctr"/>
+              <a:endParaRPr lang="en-US" dirty="0">
+                <a:solidFill>
+                  <a:srgbClr val="002060"/>
+                </a:solidFill>
+              </a:endParaRPr>
+            </a:p>
+            <a:p>
+              <a:pPr algn="ctr"/>
+              <a:endParaRPr lang="en-US" dirty="0">
+                <a:solidFill>
+                  <a:srgbClr val="002060"/>
+                </a:solidFill>
+              </a:endParaRPr>
+            </a:p>
+          </p:txBody>
+        </p:sp>
+        <p:sp>
+          <p:nvSpPr>
+            <p:cNvPr id="38" name="Flowchart: Magnetic Disk 37">
+              <a:extLst>
+                <a:ext uri="{FF2B5EF4-FFF2-40B4-BE49-F238E27FC236}">
+                  <a16:creationId xmlns:a16="http://schemas.microsoft.com/office/drawing/2014/main" id="{F57F0010-5768-46AF-AB69-E18095A84C3F}"/>
+                </a:ext>
+              </a:extLst>
+            </p:cNvPr>
+            <p:cNvSpPr/>
+            <p:nvPr/>
+          </p:nvSpPr>
+          <p:spPr>
+            <a:xfrm>
+              <a:off x="9484821" y="1310638"/>
+              <a:ext cx="340823" cy="579120"/>
+            </a:xfrm>
+            <a:prstGeom prst="flowChartMagneticDisk">
+              <a:avLst/>
+            </a:prstGeom>
+          </p:spPr>
+          <p:style>
+            <a:lnRef idx="2">
+              <a:schemeClr val="accent1">
+                <a:shade val="50000"/>
+              </a:schemeClr>
+            </a:lnRef>
+            <a:fillRef idx="1">
+              <a:schemeClr val="accent1"/>
+            </a:fillRef>
+            <a:effectRef idx="0">
+              <a:schemeClr val="accent1"/>
+            </a:effectRef>
+            <a:fontRef idx="minor">
+              <a:schemeClr val="lt1"/>
+            </a:fontRef>
+          </p:style>
+          <p:txBody>
+            <a:bodyPr rtlCol="0" anchor="ctr"/>
+            <a:lstStyle/>
+            <a:p>
+              <a:pPr algn="ctr"/>
+              <a:endParaRPr lang="en-US"/>
+            </a:p>
+          </p:txBody>
+        </p:sp>
+      </p:grpSp>
+      <p:grpSp>
+        <p:nvGrpSpPr>
+          <p:cNvPr id="8" name="Group 7">
+            <a:extLst>
+              <a:ext uri="{FF2B5EF4-FFF2-40B4-BE49-F238E27FC236}">
+                <a16:creationId xmlns:a16="http://schemas.microsoft.com/office/drawing/2014/main" id="{77AEECCA-0468-4A64-ACF1-DC92C3ECA007}"/>
+              </a:ext>
+            </a:extLst>
+          </p:cNvPr>
+          <p:cNvGrpSpPr/>
+          <p:nvPr/>
+        </p:nvGrpSpPr>
+        <p:grpSpPr>
+          <a:xfrm>
+            <a:off x="8351520" y="4188821"/>
+            <a:ext cx="2438400" cy="2081349"/>
+            <a:chOff x="8351520" y="4188821"/>
+            <a:chExt cx="2438400" cy="2081349"/>
+          </a:xfrm>
+        </p:grpSpPr>
+        <p:sp>
+          <p:nvSpPr>
+            <p:cNvPr id="33" name="Cloud 32">
+              <a:extLst>
+                <a:ext uri="{FF2B5EF4-FFF2-40B4-BE49-F238E27FC236}">
+                  <a16:creationId xmlns:a16="http://schemas.microsoft.com/office/drawing/2014/main" id="{2A648EAD-5D7C-4E88-9330-AF6A7D0CE565}"/>
+                </a:ext>
+              </a:extLst>
+            </p:cNvPr>
+            <p:cNvSpPr/>
+            <p:nvPr/>
+          </p:nvSpPr>
+          <p:spPr>
+            <a:xfrm>
+              <a:off x="8351520" y="4188821"/>
+              <a:ext cx="2438400" cy="2081349"/>
+            </a:xfrm>
+            <a:prstGeom prst="cloud">
+              <a:avLst/>
+            </a:prstGeom>
+            <a:solidFill>
+              <a:schemeClr val="bg1">
+                <a:lumMod val="95000"/>
+              </a:schemeClr>
+            </a:solidFill>
+          </p:spPr>
+          <p:style>
+            <a:lnRef idx="2">
+              <a:schemeClr val="accent1">
+                <a:shade val="50000"/>
+              </a:schemeClr>
+            </a:lnRef>
+            <a:fillRef idx="1">
+              <a:schemeClr val="accent1"/>
+            </a:fillRef>
+            <a:effectRef idx="0">
+              <a:schemeClr val="accent1"/>
+            </a:effectRef>
+            <a:fontRef idx="minor">
+              <a:schemeClr val="lt1"/>
+            </a:fontRef>
+          </p:style>
+          <p:txBody>
+            <a:bodyPr rtlCol="0" anchor="ctr"/>
+            <a:lstStyle/>
+            <a:p>
+              <a:pPr algn="ctr"/>
+              <a:r>
+                <a:rPr lang="en-US" dirty="0">
+                  <a:solidFill>
+                    <a:srgbClr val="002060"/>
+                  </a:solidFill>
+                </a:rPr>
+                <a:t>Another</a:t>
+              </a:r>
+            </a:p>
+            <a:p>
+              <a:pPr algn="ctr"/>
+              <a:r>
+                <a:rPr lang="en-US" dirty="0">
+                  <a:solidFill>
+                    <a:srgbClr val="002060"/>
+                  </a:solidFill>
+                </a:rPr>
+                <a:t>Repository</a:t>
+              </a:r>
+            </a:p>
+            <a:p>
+              <a:pPr algn="ctr"/>
+              <a:endParaRPr lang="en-US" dirty="0">
+                <a:solidFill>
+                  <a:srgbClr val="002060"/>
+                </a:solidFill>
+              </a:endParaRPr>
+            </a:p>
+            <a:p>
+              <a:pPr algn="ctr"/>
+              <a:endParaRPr lang="en-US" dirty="0">
+                <a:solidFill>
+                  <a:srgbClr val="002060"/>
+                </a:solidFill>
+              </a:endParaRPr>
+            </a:p>
+          </p:txBody>
+        </p:sp>
+        <p:sp>
+          <p:nvSpPr>
+            <p:cNvPr id="39" name="Flowchart: Magnetic Disk 38">
+              <a:extLst>
+                <a:ext uri="{FF2B5EF4-FFF2-40B4-BE49-F238E27FC236}">
+                  <a16:creationId xmlns:a16="http://schemas.microsoft.com/office/drawing/2014/main" id="{1BF7A54D-6A2C-4155-9AA5-EE3D684AAEAF}"/>
+                </a:ext>
+              </a:extLst>
+            </p:cNvPr>
+            <p:cNvSpPr/>
+            <p:nvPr/>
+          </p:nvSpPr>
+          <p:spPr>
+            <a:xfrm>
+              <a:off x="9326879" y="5257802"/>
+              <a:ext cx="390699" cy="579120"/>
+            </a:xfrm>
+            <a:prstGeom prst="flowChartMagneticDisk">
+              <a:avLst/>
+            </a:prstGeom>
+          </p:spPr>
+          <p:style>
+            <a:lnRef idx="2">
+              <a:schemeClr val="accent1">
+                <a:shade val="50000"/>
+              </a:schemeClr>
+            </a:lnRef>
+            <a:fillRef idx="1">
+              <a:schemeClr val="accent1"/>
+            </a:fillRef>
+            <a:effectRef idx="0">
+              <a:schemeClr val="accent1"/>
+            </a:effectRef>
+            <a:fontRef idx="minor">
+              <a:schemeClr val="lt1"/>
+            </a:fontRef>
+          </p:style>
+          <p:txBody>
+            <a:bodyPr rtlCol="0" anchor="ctr"/>
+            <a:lstStyle/>
+            <a:p>
+              <a:pPr algn="ctr"/>
+              <a:endParaRPr lang="en-US"/>
+            </a:p>
+          </p:txBody>
+        </p:sp>
+      </p:grpSp>
+      <p:grpSp>
+        <p:nvGrpSpPr>
+          <p:cNvPr id="12" name="Group 11">
+            <a:extLst>
+              <a:ext uri="{FF2B5EF4-FFF2-40B4-BE49-F238E27FC236}">
+                <a16:creationId xmlns:a16="http://schemas.microsoft.com/office/drawing/2014/main" id="{3979A443-7992-4AA5-B28A-9F39352DFC17}"/>
+              </a:ext>
+            </a:extLst>
+          </p:cNvPr>
+          <p:cNvGrpSpPr/>
+          <p:nvPr/>
+        </p:nvGrpSpPr>
+        <p:grpSpPr>
+          <a:xfrm>
+            <a:off x="478972" y="2623455"/>
+            <a:ext cx="1950720" cy="1556657"/>
+            <a:chOff x="478972" y="2849879"/>
+            <a:chExt cx="1950720" cy="1556657"/>
+          </a:xfrm>
+        </p:grpSpPr>
+        <p:sp>
+          <p:nvSpPr>
+            <p:cNvPr id="5" name="Rectangle: Rounded Corners 4">
+              <a:extLst>
+                <a:ext uri="{FF2B5EF4-FFF2-40B4-BE49-F238E27FC236}">
+                  <a16:creationId xmlns:a16="http://schemas.microsoft.com/office/drawing/2014/main" id="{0013F19F-364A-4C97-A7C0-99590FD7D3B6}"/>
+                </a:ext>
+              </a:extLst>
+            </p:cNvPr>
+            <p:cNvSpPr/>
+            <p:nvPr/>
+          </p:nvSpPr>
+          <p:spPr>
+            <a:xfrm>
+              <a:off x="478972" y="2849879"/>
+              <a:ext cx="1950720" cy="1556657"/>
+            </a:xfrm>
+            <a:prstGeom prst="roundRect">
+              <a:avLst/>
+            </a:prstGeom>
+            <a:solidFill>
+              <a:schemeClr val="accent6">
+                <a:lumMod val="20000"/>
+                <a:lumOff val="80000"/>
+              </a:schemeClr>
+            </a:solidFill>
+          </p:spPr>
+          <p:style>
+            <a:lnRef idx="2">
+              <a:schemeClr val="accent1">
+                <a:shade val="50000"/>
+              </a:schemeClr>
+            </a:lnRef>
+            <a:fillRef idx="1">
+              <a:schemeClr val="accent1"/>
+            </a:fillRef>
+            <a:effectRef idx="0">
+              <a:schemeClr val="accent1"/>
+            </a:effectRef>
+            <a:fontRef idx="minor">
+              <a:schemeClr val="lt1"/>
+            </a:fontRef>
+          </p:style>
+          <p:txBody>
+            <a:bodyPr rtlCol="0" anchor="ctr"/>
+            <a:lstStyle/>
+            <a:p>
+              <a:pPr algn="ctr"/>
+              <a:r>
+                <a:rPr lang="en-US" dirty="0">
+                  <a:solidFill>
+                    <a:srgbClr val="002060"/>
+                  </a:solidFill>
+                </a:rPr>
+                <a:t>Local</a:t>
+              </a:r>
+            </a:p>
+            <a:p>
+              <a:pPr algn="ctr"/>
+              <a:r>
+                <a:rPr lang="en-US" dirty="0">
+                  <a:solidFill>
+                    <a:srgbClr val="002060"/>
+                  </a:solidFill>
+                </a:rPr>
+                <a:t>Repository</a:t>
+              </a:r>
+            </a:p>
+            <a:p>
+              <a:pPr algn="ctr"/>
+              <a:endParaRPr lang="en-US" dirty="0">
+                <a:solidFill>
+                  <a:srgbClr val="002060"/>
+                </a:solidFill>
+              </a:endParaRPr>
+            </a:p>
+            <a:p>
+              <a:pPr algn="ctr"/>
+              <a:endParaRPr lang="en-US" dirty="0">
+                <a:solidFill>
+                  <a:srgbClr val="002060"/>
+                </a:solidFill>
+              </a:endParaRPr>
+            </a:p>
+            <a:p>
+              <a:pPr algn="ctr"/>
+              <a:endParaRPr lang="en-US" dirty="0">
+                <a:solidFill>
+                  <a:srgbClr val="002060"/>
+                </a:solidFill>
+              </a:endParaRPr>
+            </a:p>
+          </p:txBody>
+        </p:sp>
+        <p:sp>
+          <p:nvSpPr>
+            <p:cNvPr id="40" name="Flowchart: Magnetic Disk 39">
+              <a:extLst>
+                <a:ext uri="{FF2B5EF4-FFF2-40B4-BE49-F238E27FC236}">
+                  <a16:creationId xmlns:a16="http://schemas.microsoft.com/office/drawing/2014/main" id="{D9414EBF-E5E3-471C-89E1-FC512F57F6ED}"/>
+                </a:ext>
+              </a:extLst>
+            </p:cNvPr>
+            <p:cNvSpPr/>
+            <p:nvPr/>
+          </p:nvSpPr>
+          <p:spPr>
+            <a:xfrm>
+              <a:off x="1075508" y="3628207"/>
+              <a:ext cx="661852" cy="579120"/>
+            </a:xfrm>
+            <a:prstGeom prst="flowChartMagneticDisk">
+              <a:avLst/>
+            </a:prstGeom>
+          </p:spPr>
+          <p:style>
+            <a:lnRef idx="2">
+              <a:schemeClr val="accent1">
+                <a:shade val="50000"/>
+              </a:schemeClr>
+            </a:lnRef>
+            <a:fillRef idx="1">
+              <a:schemeClr val="accent1"/>
+            </a:fillRef>
+            <a:effectRef idx="0">
+              <a:schemeClr val="accent1"/>
+            </a:effectRef>
+            <a:fontRef idx="minor">
+              <a:schemeClr val="lt1"/>
+            </a:fontRef>
+          </p:style>
+          <p:txBody>
+            <a:bodyPr rtlCol="0" anchor="ctr"/>
+            <a:lstStyle/>
+            <a:p>
+              <a:pPr algn="ctr"/>
+              <a:endParaRPr lang="en-US"/>
+            </a:p>
+          </p:txBody>
+        </p:sp>
+      </p:grpSp>
+      <p:cxnSp>
+        <p:nvCxnSpPr>
+          <p:cNvPr id="14" name="Straight Arrow Connector 13">
+            <a:extLst>
+              <a:ext uri="{FF2B5EF4-FFF2-40B4-BE49-F238E27FC236}">
+                <a16:creationId xmlns:a16="http://schemas.microsoft.com/office/drawing/2014/main" id="{DE9C93B6-5DB2-4169-A01C-4D7693DC3717}"/>
+              </a:ext>
+            </a:extLst>
+          </p:cNvPr>
+          <p:cNvCxnSpPr>
+            <a:cxnSpLocks/>
+          </p:cNvCxnSpPr>
+          <p:nvPr/>
+        </p:nvCxnSpPr>
+        <p:spPr>
+          <a:xfrm flipV="1">
+            <a:off x="2569029" y="3074309"/>
+            <a:ext cx="1445623" cy="194124"/>
+          </a:xfrm>
+          <a:prstGeom prst="straightConnector1">
+            <a:avLst/>
+          </a:prstGeom>
+          <a:ln w="28575">
+            <a:solidFill>
+              <a:schemeClr val="accent6">
+                <a:lumMod val="75000"/>
+              </a:schemeClr>
+            </a:solidFill>
+            <a:tailEnd type="triangle"/>
+          </a:ln>
+        </p:spPr>
+        <p:style>
+          <a:lnRef idx="1">
+            <a:schemeClr val="accent1"/>
+          </a:lnRef>
+          <a:fillRef idx="0">
+            <a:schemeClr val="accent1"/>
+          </a:fillRef>
+          <a:effectRef idx="0">
+            <a:schemeClr val="accent1"/>
+          </a:effectRef>
+          <a:fontRef idx="minor">
+            <a:schemeClr val="tx1"/>
+          </a:fontRef>
+        </p:style>
+      </p:cxnSp>
+      <p:cxnSp>
+        <p:nvCxnSpPr>
+          <p:cNvPr id="17" name="Straight Arrow Connector 16">
+            <a:extLst>
+              <a:ext uri="{FF2B5EF4-FFF2-40B4-BE49-F238E27FC236}">
+                <a16:creationId xmlns:a16="http://schemas.microsoft.com/office/drawing/2014/main" id="{5342C4C4-3887-4C19-A8FF-C2EE1ADED109}"/>
+              </a:ext>
+            </a:extLst>
+          </p:cNvPr>
+          <p:cNvCxnSpPr/>
+          <p:nvPr/>
+        </p:nvCxnSpPr>
+        <p:spPr>
+          <a:xfrm flipH="1">
+            <a:off x="2569029" y="3268433"/>
+            <a:ext cx="1463040" cy="194857"/>
+          </a:xfrm>
+          <a:prstGeom prst="straightConnector1">
+            <a:avLst/>
+          </a:prstGeom>
+          <a:ln w="28575">
+            <a:solidFill>
+              <a:schemeClr val="accent2">
+                <a:lumMod val="75000"/>
+              </a:schemeClr>
+            </a:solidFill>
+            <a:tailEnd type="triangle"/>
+          </a:ln>
+        </p:spPr>
+        <p:style>
+          <a:lnRef idx="1">
+            <a:schemeClr val="accent1"/>
+          </a:lnRef>
+          <a:fillRef idx="0">
+            <a:schemeClr val="accent1"/>
+          </a:fillRef>
+          <a:effectRef idx="0">
+            <a:schemeClr val="accent1"/>
+          </a:effectRef>
+          <a:fontRef idx="minor">
+            <a:schemeClr val="tx1"/>
+          </a:fontRef>
+        </p:style>
+      </p:cxnSp>
+      <p:cxnSp>
+        <p:nvCxnSpPr>
+          <p:cNvPr id="52" name="Straight Arrow Connector 51">
+            <a:extLst>
+              <a:ext uri="{FF2B5EF4-FFF2-40B4-BE49-F238E27FC236}">
+                <a16:creationId xmlns:a16="http://schemas.microsoft.com/office/drawing/2014/main" id="{5DD68B58-31D7-412B-8FB5-F60291425724}"/>
+              </a:ext>
+            </a:extLst>
+          </p:cNvPr>
+          <p:cNvCxnSpPr>
+            <a:cxnSpLocks/>
+          </p:cNvCxnSpPr>
+          <p:nvPr/>
+        </p:nvCxnSpPr>
+        <p:spPr>
+          <a:xfrm flipV="1">
+            <a:off x="6609806" y="1382669"/>
+            <a:ext cx="1680754" cy="968644"/>
+          </a:xfrm>
+          <a:prstGeom prst="straightConnector1">
+            <a:avLst/>
+          </a:prstGeom>
+          <a:ln w="28575">
+            <a:solidFill>
+              <a:schemeClr val="accent6">
+                <a:lumMod val="75000"/>
+              </a:schemeClr>
+            </a:solidFill>
+            <a:tailEnd type="triangle"/>
+          </a:ln>
+        </p:spPr>
+        <p:style>
+          <a:lnRef idx="1">
+            <a:schemeClr val="accent1"/>
+          </a:lnRef>
+          <a:fillRef idx="0">
+            <a:schemeClr val="accent1"/>
+          </a:fillRef>
+          <a:effectRef idx="0">
+            <a:schemeClr val="accent1"/>
+          </a:effectRef>
+          <a:fontRef idx="minor">
+            <a:schemeClr val="tx1"/>
+          </a:fontRef>
+        </p:style>
+      </p:cxnSp>
+      <p:cxnSp>
+        <p:nvCxnSpPr>
+          <p:cNvPr id="53" name="Straight Arrow Connector 52">
+            <a:extLst>
+              <a:ext uri="{FF2B5EF4-FFF2-40B4-BE49-F238E27FC236}">
+                <a16:creationId xmlns:a16="http://schemas.microsoft.com/office/drawing/2014/main" id="{61A3B699-8C70-420F-806D-2FA5D9BA428D}"/>
+              </a:ext>
+            </a:extLst>
+          </p:cNvPr>
+          <p:cNvCxnSpPr>
+            <a:cxnSpLocks/>
+          </p:cNvCxnSpPr>
+          <p:nvPr/>
+        </p:nvCxnSpPr>
+        <p:spPr>
+          <a:xfrm flipH="1">
+            <a:off x="6667501" y="1576793"/>
+            <a:ext cx="1738448" cy="1046662"/>
+          </a:xfrm>
+          <a:prstGeom prst="straightConnector1">
+            <a:avLst/>
+          </a:prstGeom>
+          <a:ln w="28575">
+            <a:solidFill>
+              <a:schemeClr val="accent2">
+                <a:lumMod val="75000"/>
+              </a:schemeClr>
+            </a:solidFill>
+            <a:tailEnd type="triangle"/>
+          </a:ln>
+        </p:spPr>
+        <p:style>
+          <a:lnRef idx="1">
+            <a:schemeClr val="accent1"/>
+          </a:lnRef>
+          <a:fillRef idx="0">
+            <a:schemeClr val="accent1"/>
+          </a:fillRef>
+          <a:effectRef idx="0">
+            <a:schemeClr val="accent1"/>
+          </a:effectRef>
+          <a:fontRef idx="minor">
+            <a:schemeClr val="tx1"/>
+          </a:fontRef>
+        </p:style>
+      </p:cxnSp>
+      <p:cxnSp>
+        <p:nvCxnSpPr>
+          <p:cNvPr id="59" name="Straight Arrow Connector 58">
+            <a:extLst>
+              <a:ext uri="{FF2B5EF4-FFF2-40B4-BE49-F238E27FC236}">
+                <a16:creationId xmlns:a16="http://schemas.microsoft.com/office/drawing/2014/main" id="{9973BD05-48E9-4E4B-9A59-DCF5B30B8C65}"/>
+              </a:ext>
+            </a:extLst>
+          </p:cNvPr>
+          <p:cNvCxnSpPr>
+            <a:cxnSpLocks/>
+          </p:cNvCxnSpPr>
+          <p:nvPr/>
+        </p:nvCxnSpPr>
+        <p:spPr>
+          <a:xfrm flipH="1" flipV="1">
+            <a:off x="6543951" y="3834761"/>
+            <a:ext cx="1738448" cy="1244323"/>
+          </a:xfrm>
+          <a:prstGeom prst="straightConnector1">
+            <a:avLst/>
+          </a:prstGeom>
+          <a:ln w="28575">
+            <a:solidFill>
+              <a:schemeClr val="accent2">
+                <a:lumMod val="75000"/>
+              </a:schemeClr>
+            </a:solidFill>
+            <a:tailEnd type="triangle"/>
+          </a:ln>
+        </p:spPr>
+        <p:style>
+          <a:lnRef idx="1">
+            <a:schemeClr val="accent1"/>
+          </a:lnRef>
+          <a:fillRef idx="0">
+            <a:schemeClr val="accent1"/>
+          </a:fillRef>
+          <a:effectRef idx="0">
+            <a:schemeClr val="accent1"/>
+          </a:effectRef>
+          <a:fontRef idx="minor">
+            <a:schemeClr val="tx1"/>
+          </a:fontRef>
+        </p:style>
+      </p:cxnSp>
+      <p:sp>
+        <p:nvSpPr>
+          <p:cNvPr id="28" name="TextBox 27">
+            <a:extLst>
+              <a:ext uri="{FF2B5EF4-FFF2-40B4-BE49-F238E27FC236}">
+                <a16:creationId xmlns:a16="http://schemas.microsoft.com/office/drawing/2014/main" id="{239D44E8-68E8-45BA-BA67-277F01C91240}"/>
+              </a:ext>
+            </a:extLst>
+          </p:cNvPr>
+          <p:cNvSpPr txBox="1"/>
+          <p:nvPr/>
+        </p:nvSpPr>
+        <p:spPr>
+          <a:xfrm rot="1965037">
+            <a:off x="7151915" y="4132508"/>
+            <a:ext cx="769621" cy="369332"/>
+          </a:xfrm>
+          <a:prstGeom prst="rect">
+            <a:avLst/>
+          </a:prstGeom>
+          <a:noFill/>
+        </p:spPr>
+        <p:txBody>
+          <a:bodyPr wrap="square" rtlCol="0">
+            <a:spAutoFit/>
+          </a:bodyPr>
+          <a:lstStyle/>
+          <a:p>
+            <a:r>
+              <a:rPr lang="en-US" dirty="0">
+                <a:solidFill>
+                  <a:schemeClr val="accent2">
+                    <a:lumMod val="75000"/>
+                  </a:schemeClr>
+                </a:solidFill>
+              </a:rPr>
+              <a:t>fork</a:t>
+            </a:r>
+          </a:p>
+        </p:txBody>
+      </p:sp>
+      <p:sp>
+        <p:nvSpPr>
+          <p:cNvPr id="62" name="TextBox 61">
+            <a:extLst>
+              <a:ext uri="{FF2B5EF4-FFF2-40B4-BE49-F238E27FC236}">
+                <a16:creationId xmlns:a16="http://schemas.microsoft.com/office/drawing/2014/main" id="{BAA66185-EB33-45AC-8F21-F5C5B22F2003}"/>
+              </a:ext>
+            </a:extLst>
+          </p:cNvPr>
+          <p:cNvSpPr txBox="1"/>
+          <p:nvPr/>
+        </p:nvSpPr>
+        <p:spPr>
+          <a:xfrm rot="19665780">
+            <a:off x="6831872" y="2339270"/>
+            <a:ext cx="769621" cy="369332"/>
+          </a:xfrm>
+          <a:prstGeom prst="rect">
+            <a:avLst/>
+          </a:prstGeom>
+          <a:noFill/>
+        </p:spPr>
+        <p:txBody>
+          <a:bodyPr wrap="square" rtlCol="0">
+            <a:spAutoFit/>
+          </a:bodyPr>
+          <a:lstStyle/>
+          <a:p>
+            <a:r>
+              <a:rPr lang="en-US" dirty="0">
+                <a:solidFill>
+                  <a:schemeClr val="accent2">
+                    <a:lumMod val="75000"/>
+                  </a:schemeClr>
+                </a:solidFill>
+              </a:rPr>
+              <a:t>fork</a:t>
+            </a:r>
+          </a:p>
+        </p:txBody>
+      </p:sp>
+      <p:sp>
+        <p:nvSpPr>
+          <p:cNvPr id="63" name="TextBox 62">
+            <a:extLst>
+              <a:ext uri="{FF2B5EF4-FFF2-40B4-BE49-F238E27FC236}">
+                <a16:creationId xmlns:a16="http://schemas.microsoft.com/office/drawing/2014/main" id="{0CFAB9F7-9AD1-4554-95BC-1E4082D23039}"/>
+              </a:ext>
+            </a:extLst>
+          </p:cNvPr>
+          <p:cNvSpPr txBox="1"/>
+          <p:nvPr/>
+        </p:nvSpPr>
+        <p:spPr>
+          <a:xfrm rot="19840347">
+            <a:off x="6607413" y="1510034"/>
+            <a:ext cx="1563375" cy="369332"/>
+          </a:xfrm>
+          <a:prstGeom prst="rect">
+            <a:avLst/>
+          </a:prstGeom>
+          <a:noFill/>
+        </p:spPr>
+        <p:txBody>
+          <a:bodyPr wrap="square" rtlCol="0">
+            <a:spAutoFit/>
+          </a:bodyPr>
+          <a:lstStyle/>
+          <a:p>
+            <a:r>
+              <a:rPr lang="en-US" dirty="0">
+                <a:solidFill>
+                  <a:schemeClr val="accent2">
+                    <a:lumMod val="75000"/>
+                  </a:schemeClr>
+                </a:solidFill>
+              </a:rPr>
+              <a:t>Pull request</a:t>
+            </a:r>
+          </a:p>
+        </p:txBody>
+      </p:sp>
+      <p:sp>
+        <p:nvSpPr>
+          <p:cNvPr id="64" name="TextBox 63">
+            <a:extLst>
+              <a:ext uri="{FF2B5EF4-FFF2-40B4-BE49-F238E27FC236}">
+                <a16:creationId xmlns:a16="http://schemas.microsoft.com/office/drawing/2014/main" id="{CBBE5C98-5291-4545-BF56-51C584D759B6}"/>
+              </a:ext>
+            </a:extLst>
+          </p:cNvPr>
+          <p:cNvSpPr txBox="1"/>
+          <p:nvPr/>
+        </p:nvSpPr>
+        <p:spPr>
+          <a:xfrm rot="21160306">
+            <a:off x="2483087" y="3398461"/>
+            <a:ext cx="2085822" cy="369332"/>
+          </a:xfrm>
+          <a:prstGeom prst="rect">
+            <a:avLst/>
+          </a:prstGeom>
+          <a:noFill/>
+        </p:spPr>
+        <p:txBody>
+          <a:bodyPr wrap="square" rtlCol="0">
+            <a:spAutoFit/>
+          </a:bodyPr>
+          <a:lstStyle/>
+          <a:p>
+            <a:r>
+              <a:rPr lang="en-US" dirty="0">
+                <a:solidFill>
+                  <a:schemeClr val="accent2">
+                    <a:lumMod val="75000"/>
+                  </a:schemeClr>
+                </a:solidFill>
+              </a:rPr>
+              <a:t>clone, pull, fetch</a:t>
+            </a:r>
+          </a:p>
+        </p:txBody>
+      </p:sp>
+      <p:sp>
+        <p:nvSpPr>
+          <p:cNvPr id="65" name="TextBox 64">
+            <a:extLst>
+              <a:ext uri="{FF2B5EF4-FFF2-40B4-BE49-F238E27FC236}">
+                <a16:creationId xmlns:a16="http://schemas.microsoft.com/office/drawing/2014/main" id="{5A1EDF70-4463-46EB-9BBD-630576768D36}"/>
+              </a:ext>
+            </a:extLst>
+          </p:cNvPr>
+          <p:cNvSpPr txBox="1"/>
+          <p:nvPr/>
+        </p:nvSpPr>
+        <p:spPr>
+          <a:xfrm rot="21160306">
+            <a:off x="2925523" y="2812856"/>
+            <a:ext cx="961227" cy="369332"/>
+          </a:xfrm>
+          <a:prstGeom prst="rect">
+            <a:avLst/>
+          </a:prstGeom>
+          <a:noFill/>
+        </p:spPr>
+        <p:txBody>
+          <a:bodyPr wrap="square" rtlCol="0">
+            <a:spAutoFit/>
+          </a:bodyPr>
+          <a:lstStyle/>
+          <a:p>
+            <a:r>
+              <a:rPr lang="en-US" dirty="0">
+                <a:solidFill>
+                  <a:schemeClr val="accent2">
+                    <a:lumMod val="75000"/>
+                  </a:schemeClr>
+                </a:solidFill>
+              </a:rPr>
+              <a:t>push</a:t>
+            </a:r>
+          </a:p>
+        </p:txBody>
+      </p:sp>
+      <p:sp>
+        <p:nvSpPr>
+          <p:cNvPr id="36" name="TextBox 35">
+            <a:extLst>
+              <a:ext uri="{FF2B5EF4-FFF2-40B4-BE49-F238E27FC236}">
+                <a16:creationId xmlns:a16="http://schemas.microsoft.com/office/drawing/2014/main" id="{7E86389F-66AF-450E-8DEB-299F4E679CE8}"/>
+              </a:ext>
+            </a:extLst>
+          </p:cNvPr>
+          <p:cNvSpPr txBox="1"/>
+          <p:nvPr/>
+        </p:nvSpPr>
+        <p:spPr>
+          <a:xfrm>
+            <a:off x="1976844" y="5220909"/>
+            <a:ext cx="4815841" cy="461665"/>
+          </a:xfrm>
+          <a:prstGeom prst="rect">
+            <a:avLst/>
+          </a:prstGeom>
+          <a:noFill/>
+        </p:spPr>
+        <p:txBody>
+          <a:bodyPr wrap="square" rtlCol="0">
+            <a:spAutoFit/>
+          </a:bodyPr>
+          <a:lstStyle/>
+          <a:p>
+            <a:r>
+              <a:rPr lang="en-US" sz="2400" dirty="0">
+                <a:solidFill>
+                  <a:srgbClr val="FF0000"/>
+                </a:solidFill>
+                <a:latin typeface="TH Baijam" panose="02000506000000020004" pitchFamily="2" charset="-34"/>
+                <a:cs typeface="TH Baijam" panose="02000506000000020004" pitchFamily="2" charset="-34"/>
+              </a:rPr>
+              <a:t>*** </a:t>
+            </a:r>
+            <a:r>
+              <a:rPr lang="th-TH" sz="2400" dirty="0">
+                <a:solidFill>
+                  <a:srgbClr val="FF0000"/>
+                </a:solidFill>
+                <a:latin typeface="TH Baijam" panose="02000506000000020004" pitchFamily="2" charset="-34"/>
+                <a:cs typeface="TH Baijam" panose="02000506000000020004" pitchFamily="2" charset="-34"/>
+              </a:rPr>
+              <a:t>ยังมีคำสั่งอื่นๆ  แต่ในที่นี้แสดงเฉพาะที่ใช้งานบ่อย</a:t>
+            </a:r>
+            <a:endParaRPr lang="en-US" sz="2400" dirty="0">
+              <a:solidFill>
+                <a:srgbClr val="FF0000"/>
+              </a:solidFill>
+              <a:latin typeface="TH Baijam" panose="02000506000000020004" pitchFamily="2" charset="-34"/>
+              <a:cs typeface="TH Baijam" panose="02000506000000020004" pitchFamily="2" charset="-34"/>
+            </a:endParaRPr>
+          </a:p>
+        </p:txBody>
+      </p:sp>
+    </p:spTree>
+    <p:extLst>
+      <p:ext uri="{BB962C8B-B14F-4D97-AF65-F5344CB8AC3E}">
+        <p14:creationId xmlns:p14="http://schemas.microsoft.com/office/powerpoint/2010/main" val="1419619767"/>
       </p:ext>
     </p:extLst>
   </p:cSld>
@@ -8936,4 +14955,228 @@
     </a:ext>
   </a:extLst>
 </a:theme>
+</file>
+
+<file path=customXml/item1.xml><?xml version="1.0" encoding="utf-8"?>
+<Control xmlns="http://schemas.microsoft.com/VisualStudio/2011/storyboarding/control">
+  <Id Name="System.Storyboarding.Icons.File" Revision="1" Stencil="System.Storyboarding.Icons" StencilVersion="0.1"/>
+</Control>
+</file>
+
+<file path=customXml/item10.xml><?xml version="1.0" encoding="utf-8"?>
+<Control xmlns="http://schemas.microsoft.com/VisualStudio/2011/storyboarding/control">
+  <Id Name="System.Storyboarding.Icons.File" Revision="1" Stencil="System.Storyboarding.Icons" StencilVersion="0.1"/>
+</Control>
+</file>
+
+<file path=customXml/item11.xml><?xml version="1.0" encoding="utf-8"?>
+<Control xmlns="http://schemas.microsoft.com/VisualStudio/2011/storyboarding/control">
+  <Id Name="System.Storyboarding.Icons.File" Revision="1" Stencil="System.Storyboarding.Icons" StencilVersion="0.1"/>
+</Control>
+</file>
+
+<file path=customXml/item12.xml><?xml version="1.0" encoding="utf-8"?>
+<Control xmlns="http://schemas.microsoft.com/VisualStudio/2011/storyboarding/control">
+  <Id Name="System.Storyboarding.Icons.File" Revision="1" Stencil="System.Storyboarding.Icons" StencilVersion="0.1"/>
+</Control>
+</file>
+
+<file path=customXml/item13.xml><?xml version="1.0" encoding="utf-8"?>
+<Control xmlns="http://schemas.microsoft.com/VisualStudio/2011/storyboarding/control">
+  <Id Name="System.Storyboarding.Icons.File" Revision="1" Stencil="System.Storyboarding.Icons" StencilVersion="0.1"/>
+</Control>
+</file>
+
+<file path=customXml/item14.xml><?xml version="1.0" encoding="utf-8"?>
+<Control xmlns="http://schemas.microsoft.com/VisualStudio/2011/storyboarding/control">
+  <Id Name="System.Storyboarding.Icons.File" Revision="1" Stencil="System.Storyboarding.Icons" StencilVersion="0.1"/>
+</Control>
+</file>
+
+<file path=customXml/item15.xml><?xml version="1.0" encoding="utf-8"?>
+<Control xmlns="http://schemas.microsoft.com/VisualStudio/2011/storyboarding/control">
+  <Id Name="System.Storyboarding.Icons.File" Revision="1" Stencil="System.Storyboarding.Icons" StencilVersion="0.1"/>
+</Control>
+</file>
+
+<file path=customXml/item16.xml><?xml version="1.0" encoding="utf-8"?>
+<Control xmlns="http://schemas.microsoft.com/VisualStudio/2011/storyboarding/control">
+  <Id Name="System.Storyboarding.Icons.File" Revision="1" Stencil="System.Storyboarding.Icons" StencilVersion="0.1"/>
+</Control>
+</file>
+
+<file path=customXml/item2.xml><?xml version="1.0" encoding="utf-8"?>
+<Control xmlns="http://schemas.microsoft.com/VisualStudio/2011/storyboarding/control">
+  <Id Name="System.Storyboarding.Icons.File" Revision="1" Stencil="System.Storyboarding.Icons" StencilVersion="0.1"/>
+</Control>
+</file>
+
+<file path=customXml/item3.xml><?xml version="1.0" encoding="utf-8"?>
+<Control xmlns="http://schemas.microsoft.com/VisualStudio/2011/storyboarding/control">
+  <Id Name="System.Storyboarding.Icons.File" Revision="1" Stencil="System.Storyboarding.Icons" StencilVersion="0.1"/>
+</Control>
+</file>
+
+<file path=customXml/item4.xml><?xml version="1.0" encoding="utf-8"?>
+<Control xmlns="http://schemas.microsoft.com/VisualStudio/2011/storyboarding/control">
+  <Id Name="System.Storyboarding.Icons.File" Revision="1" Stencil="System.Storyboarding.Icons" StencilVersion="0.1"/>
+</Control>
+</file>
+
+<file path=customXml/item5.xml><?xml version="1.0" encoding="utf-8"?>
+<Control xmlns="http://schemas.microsoft.com/VisualStudio/2011/storyboarding/control">
+  <Id Name="System.Storyboarding.Icons.File" Revision="1" Stencil="System.Storyboarding.Icons" StencilVersion="0.1"/>
+</Control>
+</file>
+
+<file path=customXml/item6.xml><?xml version="1.0" encoding="utf-8"?>
+<Control xmlns="http://schemas.microsoft.com/VisualStudio/2011/storyboarding/control">
+  <Id Name="System.Storyboarding.Icons.File" Revision="1" Stencil="System.Storyboarding.Icons" StencilVersion="0.1"/>
+</Control>
+</file>
+
+<file path=customXml/item7.xml><?xml version="1.0" encoding="utf-8"?>
+<Control xmlns="http://schemas.microsoft.com/VisualStudio/2011/storyboarding/control">
+  <Id Name="System.Storyboarding.Icons.File" Revision="1" Stencil="System.Storyboarding.Icons" StencilVersion="0.1"/>
+</Control>
+</file>
+
+<file path=customXml/item8.xml><?xml version="1.0" encoding="utf-8"?>
+<Control xmlns="http://schemas.microsoft.com/VisualStudio/2011/storyboarding/control">
+  <Id Name="System.Storyboarding.Icons.File" Revision="1" Stencil="System.Storyboarding.Icons" StencilVersion="0.1"/>
+</Control>
+</file>
+
+<file path=customXml/item9.xml><?xml version="1.0" encoding="utf-8"?>
+<Control xmlns="http://schemas.microsoft.com/VisualStudio/2011/storyboarding/control">
+  <Id Name="System.Storyboarding.Icons.File" Revision="1" Stencil="System.Storyboarding.Icons" StencilVersion="0.1"/>
+</Control>
+</file>
+
+<file path=customXml/itemProps1.xml><?xml version="1.0" encoding="utf-8"?>
+<ds:datastoreItem xmlns:ds="http://schemas.openxmlformats.org/officeDocument/2006/customXml" ds:itemID="{D71ABB78-474C-472C-881A-CDD6B69EEE6E}">
+  <ds:schemaRefs>
+    <ds:schemaRef ds:uri="http://schemas.microsoft.com/VisualStudio/2011/storyboarding/control"/>
+  </ds:schemaRefs>
+</ds:datastoreItem>
+</file>
+
+<file path=customXml/itemProps10.xml><?xml version="1.0" encoding="utf-8"?>
+<ds:datastoreItem xmlns:ds="http://schemas.openxmlformats.org/officeDocument/2006/customXml" ds:itemID="{77FD356F-9C01-46BE-AB18-F9D9F89DE168}">
+  <ds:schemaRefs>
+    <ds:schemaRef ds:uri="http://schemas.microsoft.com/VisualStudio/2011/storyboarding/control"/>
+  </ds:schemaRefs>
+</ds:datastoreItem>
+</file>
+
+<file path=customXml/itemProps11.xml><?xml version="1.0" encoding="utf-8"?>
+<ds:datastoreItem xmlns:ds="http://schemas.openxmlformats.org/officeDocument/2006/customXml" ds:itemID="{D5212FEF-17B9-4D83-94DF-46D4BBBD4241}">
+  <ds:schemaRefs>
+    <ds:schemaRef ds:uri="http://schemas.microsoft.com/VisualStudio/2011/storyboarding/control"/>
+  </ds:schemaRefs>
+</ds:datastoreItem>
+</file>
+
+<file path=customXml/itemProps12.xml><?xml version="1.0" encoding="utf-8"?>
+<ds:datastoreItem xmlns:ds="http://schemas.openxmlformats.org/officeDocument/2006/customXml" ds:itemID="{7DCE67A3-BBBD-4DDB-9D15-55F2C1983463}">
+  <ds:schemaRefs>
+    <ds:schemaRef ds:uri="http://schemas.microsoft.com/VisualStudio/2011/storyboarding/control"/>
+  </ds:schemaRefs>
+</ds:datastoreItem>
+</file>
+
+<file path=customXml/itemProps13.xml><?xml version="1.0" encoding="utf-8"?>
+<ds:datastoreItem xmlns:ds="http://schemas.openxmlformats.org/officeDocument/2006/customXml" ds:itemID="{A7DC7DC7-8EA0-4D9A-97E3-596483AAB63D}">
+  <ds:schemaRefs>
+    <ds:schemaRef ds:uri="http://schemas.microsoft.com/VisualStudio/2011/storyboarding/control"/>
+  </ds:schemaRefs>
+</ds:datastoreItem>
+</file>
+
+<file path=customXml/itemProps14.xml><?xml version="1.0" encoding="utf-8"?>
+<ds:datastoreItem xmlns:ds="http://schemas.openxmlformats.org/officeDocument/2006/customXml" ds:itemID="{CDF62E19-1D3E-4B82-968A-B60093114787}">
+  <ds:schemaRefs>
+    <ds:schemaRef ds:uri="http://schemas.microsoft.com/VisualStudio/2011/storyboarding/control"/>
+  </ds:schemaRefs>
+</ds:datastoreItem>
+</file>
+
+<file path=customXml/itemProps15.xml><?xml version="1.0" encoding="utf-8"?>
+<ds:datastoreItem xmlns:ds="http://schemas.openxmlformats.org/officeDocument/2006/customXml" ds:itemID="{FA5A871B-7BD9-430E-85F0-C1455DEA1BDC}">
+  <ds:schemaRefs>
+    <ds:schemaRef ds:uri="http://schemas.microsoft.com/VisualStudio/2011/storyboarding/control"/>
+  </ds:schemaRefs>
+</ds:datastoreItem>
+</file>
+
+<file path=customXml/itemProps16.xml><?xml version="1.0" encoding="utf-8"?>
+<ds:datastoreItem xmlns:ds="http://schemas.openxmlformats.org/officeDocument/2006/customXml" ds:itemID="{627B6775-F42F-40CD-A0D9-FF72D1174BFB}">
+  <ds:schemaRefs>
+    <ds:schemaRef ds:uri="http://schemas.microsoft.com/VisualStudio/2011/storyboarding/control"/>
+  </ds:schemaRefs>
+</ds:datastoreItem>
+</file>
+
+<file path=customXml/itemProps2.xml><?xml version="1.0" encoding="utf-8"?>
+<ds:datastoreItem xmlns:ds="http://schemas.openxmlformats.org/officeDocument/2006/customXml" ds:itemID="{E8173CE0-2185-4684-BAF3-64E382277F61}">
+  <ds:schemaRefs>
+    <ds:schemaRef ds:uri="http://schemas.microsoft.com/VisualStudio/2011/storyboarding/control"/>
+  </ds:schemaRefs>
+</ds:datastoreItem>
+</file>
+
+<file path=customXml/itemProps3.xml><?xml version="1.0" encoding="utf-8"?>
+<ds:datastoreItem xmlns:ds="http://schemas.openxmlformats.org/officeDocument/2006/customXml" ds:itemID="{84B55581-DE22-4F02-B5A8-CA3A6FE5288E}">
+  <ds:schemaRefs>
+    <ds:schemaRef ds:uri="http://schemas.microsoft.com/VisualStudio/2011/storyboarding/control"/>
+  </ds:schemaRefs>
+</ds:datastoreItem>
+</file>
+
+<file path=customXml/itemProps4.xml><?xml version="1.0" encoding="utf-8"?>
+<ds:datastoreItem xmlns:ds="http://schemas.openxmlformats.org/officeDocument/2006/customXml" ds:itemID="{C15899CF-4962-4D8A-B97C-FE60EA8D8BA3}">
+  <ds:schemaRefs>
+    <ds:schemaRef ds:uri="http://schemas.microsoft.com/VisualStudio/2011/storyboarding/control"/>
+  </ds:schemaRefs>
+</ds:datastoreItem>
+</file>
+
+<file path=customXml/itemProps5.xml><?xml version="1.0" encoding="utf-8"?>
+<ds:datastoreItem xmlns:ds="http://schemas.openxmlformats.org/officeDocument/2006/customXml" ds:itemID="{08773472-064C-49AA-9366-CE3E26FAF6AB}">
+  <ds:schemaRefs>
+    <ds:schemaRef ds:uri="http://schemas.microsoft.com/VisualStudio/2011/storyboarding/control"/>
+  </ds:schemaRefs>
+</ds:datastoreItem>
+</file>
+
+<file path=customXml/itemProps6.xml><?xml version="1.0" encoding="utf-8"?>
+<ds:datastoreItem xmlns:ds="http://schemas.openxmlformats.org/officeDocument/2006/customXml" ds:itemID="{FF7AB1E6-610C-40AC-9EF5-433C529E0D9E}">
+  <ds:schemaRefs>
+    <ds:schemaRef ds:uri="http://schemas.microsoft.com/VisualStudio/2011/storyboarding/control"/>
+  </ds:schemaRefs>
+</ds:datastoreItem>
+</file>
+
+<file path=customXml/itemProps7.xml><?xml version="1.0" encoding="utf-8"?>
+<ds:datastoreItem xmlns:ds="http://schemas.openxmlformats.org/officeDocument/2006/customXml" ds:itemID="{D3206745-C208-487E-A9D9-5C767CE11319}">
+  <ds:schemaRefs>
+    <ds:schemaRef ds:uri="http://schemas.microsoft.com/VisualStudio/2011/storyboarding/control"/>
+  </ds:schemaRefs>
+</ds:datastoreItem>
+</file>
+
+<file path=customXml/itemProps8.xml><?xml version="1.0" encoding="utf-8"?>
+<ds:datastoreItem xmlns:ds="http://schemas.openxmlformats.org/officeDocument/2006/customXml" ds:itemID="{5985AD1F-CDE4-416B-A1F0-BF4CE24C2827}">
+  <ds:schemaRefs>
+    <ds:schemaRef ds:uri="http://schemas.microsoft.com/VisualStudio/2011/storyboarding/control"/>
+  </ds:schemaRefs>
+</ds:datastoreItem>
+</file>
+
+<file path=customXml/itemProps9.xml><?xml version="1.0" encoding="utf-8"?>
+<ds:datastoreItem xmlns:ds="http://schemas.openxmlformats.org/officeDocument/2006/customXml" ds:itemID="{0688ACD0-5DB5-4459-9634-ECC2C8081231}">
+  <ds:schemaRefs>
+    <ds:schemaRef ds:uri="http://schemas.microsoft.com/VisualStudio/2011/storyboarding/control"/>
+  </ds:schemaRefs>
+</ds:datastoreItem>
 </file>